--- a/docs/presentations/SmartContracts_DeFi_Movement.pptx
+++ b/docs/presentations/SmartContracts_DeFi_Movement.pptx
@@ -4,6 +4,9 @@
   <p:sldMasterIdLst>
     <p:sldMasterId id="2147483648" r:id="rId1"/>
   </p:sldMasterIdLst>
+  <p:notesMasterIdLst>
+    <p:notesMasterId r:id="rId21"/>
+  </p:notesMasterIdLst>
   <p:sldIdLst>
     <p:sldId id="256" r:id="rId2"/>
     <p:sldId id="257" r:id="rId3"/>
@@ -16,11 +19,14 @@
     <p:sldId id="267" r:id="rId10"/>
     <p:sldId id="271" r:id="rId11"/>
     <p:sldId id="264" r:id="rId12"/>
-    <p:sldId id="265" r:id="rId13"/>
-    <p:sldId id="266" r:id="rId14"/>
-    <p:sldId id="268" r:id="rId15"/>
-    <p:sldId id="269" r:id="rId16"/>
-    <p:sldId id="270" r:id="rId17"/>
+    <p:sldId id="275" r:id="rId13"/>
+    <p:sldId id="276" r:id="rId14"/>
+    <p:sldId id="277" r:id="rId15"/>
+    <p:sldId id="265" r:id="rId16"/>
+    <p:sldId id="266" r:id="rId17"/>
+    <p:sldId id="268" r:id="rId18"/>
+    <p:sldId id="269" r:id="rId19"/>
+    <p:sldId id="270" r:id="rId20"/>
   </p:sldIdLst>
   <p:sldSz cx="14630400" cy="8229600"/>
   <p:notesSz cx="6858000" cy="9144000"/>
@@ -138,6 +144,440 @@
 </p:presentation>
 </file>
 
+<file path=ppt/notesMasters/notesMaster1.xml><?xml version="1.0" encoding="utf-8"?>
+<p:notesMaster xmlns:a="http://schemas.openxmlformats.org/drawingml/2006/main" xmlns:r="http://schemas.openxmlformats.org/officeDocument/2006/relationships" xmlns:p="http://schemas.openxmlformats.org/presentationml/2006/main">
+  <p:cSld>
+    <p:bg>
+      <p:bgRef idx="1001">
+        <a:schemeClr val="bg1"/>
+      </p:bgRef>
+    </p:bg>
+    <p:spTree>
+      <p:nvGrpSpPr>
+        <p:cNvPr id="1" name=""/>
+        <p:cNvGrpSpPr/>
+        <p:nvPr/>
+      </p:nvGrpSpPr>
+      <p:grpSpPr>
+        <a:xfrm>
+          <a:off x="0" y="0"/>
+          <a:ext cx="0" cy="0"/>
+          <a:chOff x="0" y="0"/>
+          <a:chExt cx="0" cy="0"/>
+        </a:xfrm>
+      </p:grpSpPr>
+      <p:sp>
+        <p:nvSpPr>
+          <p:cNvPr id="2" name="Header Placeholder 1"/>
+          <p:cNvSpPr>
+            <a:spLocks noGrp="1"/>
+          </p:cNvSpPr>
+          <p:nvPr>
+            <p:ph type="hdr" sz="quarter"/>
+          </p:nvPr>
+        </p:nvSpPr>
+        <p:spPr>
+          <a:xfrm>
+            <a:off x="0" y="0"/>
+            <a:ext cx="2971800" cy="458788"/>
+          </a:xfrm>
+          <a:prstGeom prst="rect">
+            <a:avLst/>
+          </a:prstGeom>
+        </p:spPr>
+        <p:txBody>
+          <a:bodyPr vert="horz" lIns="91440" tIns="45720" rIns="91440" bIns="45720" rtlCol="0"/>
+          <a:lstStyle>
+            <a:lvl1pPr algn="l">
+              <a:defRPr sz="1200"/>
+            </a:lvl1pPr>
+          </a:lstStyle>
+          <a:p>
+            <a:endParaRPr lang="en-TR"/>
+          </a:p>
+        </p:txBody>
+      </p:sp>
+      <p:sp>
+        <p:nvSpPr>
+          <p:cNvPr id="3" name="Date Placeholder 2"/>
+          <p:cNvSpPr>
+            <a:spLocks noGrp="1"/>
+          </p:cNvSpPr>
+          <p:nvPr>
+            <p:ph type="dt" idx="1"/>
+          </p:nvPr>
+        </p:nvSpPr>
+        <p:spPr>
+          <a:xfrm>
+            <a:off x="3884613" y="0"/>
+            <a:ext cx="2971800" cy="458788"/>
+          </a:xfrm>
+          <a:prstGeom prst="rect">
+            <a:avLst/>
+          </a:prstGeom>
+        </p:spPr>
+        <p:txBody>
+          <a:bodyPr vert="horz" lIns="91440" tIns="45720" rIns="91440" bIns="45720" rtlCol="0"/>
+          <a:lstStyle>
+            <a:lvl1pPr algn="r">
+              <a:defRPr sz="1200"/>
+            </a:lvl1pPr>
+          </a:lstStyle>
+          <a:p>
+            <a:fld id="{C708A303-0D53-C443-AB9E-9AEF478088B4}" type="datetimeFigureOut">
+              <a:rPr lang="en-TR" smtClean="0"/>
+              <a:t>19.02.2026</a:t>
+            </a:fld>
+            <a:endParaRPr lang="en-TR"/>
+          </a:p>
+        </p:txBody>
+      </p:sp>
+      <p:sp>
+        <p:nvSpPr>
+          <p:cNvPr id="4" name="Slide Image Placeholder 3"/>
+          <p:cNvSpPr>
+            <a:spLocks noGrp="1" noRot="1" noChangeAspect="1"/>
+          </p:cNvSpPr>
+          <p:nvPr>
+            <p:ph type="sldImg" idx="2"/>
+          </p:nvPr>
+        </p:nvSpPr>
+        <p:spPr>
+          <a:xfrm>
+            <a:off x="685800" y="1143000"/>
+            <a:ext cx="5486400" cy="3086100"/>
+          </a:xfrm>
+          <a:prstGeom prst="rect">
+            <a:avLst/>
+          </a:prstGeom>
+          <a:noFill/>
+          <a:ln w="12700">
+            <a:solidFill>
+              <a:prstClr val="black"/>
+            </a:solidFill>
+          </a:ln>
+        </p:spPr>
+        <p:txBody>
+          <a:bodyPr vert="horz" lIns="91440" tIns="45720" rIns="91440" bIns="45720" rtlCol="0" anchor="ctr"/>
+          <a:lstStyle/>
+          <a:p>
+            <a:endParaRPr lang="en-TR"/>
+          </a:p>
+        </p:txBody>
+      </p:sp>
+      <p:sp>
+        <p:nvSpPr>
+          <p:cNvPr id="5" name="Notes Placeholder 4"/>
+          <p:cNvSpPr>
+            <a:spLocks noGrp="1"/>
+          </p:cNvSpPr>
+          <p:nvPr>
+            <p:ph type="body" sz="quarter" idx="3"/>
+          </p:nvPr>
+        </p:nvSpPr>
+        <p:spPr>
+          <a:xfrm>
+            <a:off x="685800" y="4400550"/>
+            <a:ext cx="5486400" cy="3600450"/>
+          </a:xfrm>
+          <a:prstGeom prst="rect">
+            <a:avLst/>
+          </a:prstGeom>
+        </p:spPr>
+        <p:txBody>
+          <a:bodyPr vert="horz" lIns="91440" tIns="45720" rIns="91440" bIns="45720" rtlCol="0"/>
+          <a:lstStyle/>
+          <a:p>
+            <a:pPr lvl="0"/>
+            <a:r>
+              <a:rPr lang="en-US"/>
+              <a:t>Click to edit Master text styles</a:t>
+            </a:r>
+          </a:p>
+          <a:p>
+            <a:pPr lvl="1"/>
+            <a:r>
+              <a:rPr lang="en-US"/>
+              <a:t>Second level</a:t>
+            </a:r>
+          </a:p>
+          <a:p>
+            <a:pPr lvl="2"/>
+            <a:r>
+              <a:rPr lang="en-US"/>
+              <a:t>Third level</a:t>
+            </a:r>
+          </a:p>
+          <a:p>
+            <a:pPr lvl="3"/>
+            <a:r>
+              <a:rPr lang="en-US"/>
+              <a:t>Fourth level</a:t>
+            </a:r>
+          </a:p>
+          <a:p>
+            <a:pPr lvl="4"/>
+            <a:r>
+              <a:rPr lang="en-US"/>
+              <a:t>Fifth level</a:t>
+            </a:r>
+            <a:endParaRPr lang="en-TR"/>
+          </a:p>
+        </p:txBody>
+      </p:sp>
+      <p:sp>
+        <p:nvSpPr>
+          <p:cNvPr id="6" name="Footer Placeholder 5"/>
+          <p:cNvSpPr>
+            <a:spLocks noGrp="1"/>
+          </p:cNvSpPr>
+          <p:nvPr>
+            <p:ph type="ftr" sz="quarter" idx="4"/>
+          </p:nvPr>
+        </p:nvSpPr>
+        <p:spPr>
+          <a:xfrm>
+            <a:off x="0" y="8685213"/>
+            <a:ext cx="2971800" cy="458787"/>
+          </a:xfrm>
+          <a:prstGeom prst="rect">
+            <a:avLst/>
+          </a:prstGeom>
+        </p:spPr>
+        <p:txBody>
+          <a:bodyPr vert="horz" lIns="91440" tIns="45720" rIns="91440" bIns="45720" rtlCol="0" anchor="b"/>
+          <a:lstStyle>
+            <a:lvl1pPr algn="l">
+              <a:defRPr sz="1200"/>
+            </a:lvl1pPr>
+          </a:lstStyle>
+          <a:p>
+            <a:endParaRPr lang="en-TR"/>
+          </a:p>
+        </p:txBody>
+      </p:sp>
+      <p:sp>
+        <p:nvSpPr>
+          <p:cNvPr id="7" name="Slide Number Placeholder 6"/>
+          <p:cNvSpPr>
+            <a:spLocks noGrp="1"/>
+          </p:cNvSpPr>
+          <p:nvPr>
+            <p:ph type="sldNum" sz="quarter" idx="5"/>
+          </p:nvPr>
+        </p:nvSpPr>
+        <p:spPr>
+          <a:xfrm>
+            <a:off x="3884613" y="8685213"/>
+            <a:ext cx="2971800" cy="458787"/>
+          </a:xfrm>
+          <a:prstGeom prst="rect">
+            <a:avLst/>
+          </a:prstGeom>
+        </p:spPr>
+        <p:txBody>
+          <a:bodyPr vert="horz" lIns="91440" tIns="45720" rIns="91440" bIns="45720" rtlCol="0" anchor="b"/>
+          <a:lstStyle>
+            <a:lvl1pPr algn="r">
+              <a:defRPr sz="1200"/>
+            </a:lvl1pPr>
+          </a:lstStyle>
+          <a:p>
+            <a:fld id="{44C601C1-7CC1-EF4C-B9D7-5A36E0C48B73}" type="slidenum">
+              <a:rPr lang="en-TR" smtClean="0"/>
+              <a:t>‹#›</a:t>
+            </a:fld>
+            <a:endParaRPr lang="en-TR"/>
+          </a:p>
+        </p:txBody>
+      </p:sp>
+    </p:spTree>
+    <p:extLst>
+      <p:ext uri="{BB962C8B-B14F-4D97-AF65-F5344CB8AC3E}">
+        <p14:creationId xmlns:p14="http://schemas.microsoft.com/office/powerpoint/2010/main" val="4016852624"/>
+      </p:ext>
+    </p:extLst>
+  </p:cSld>
+  <p:clrMap bg1="lt1" tx1="dk1" bg2="lt2" tx2="dk2" accent1="accent1" accent2="accent2" accent3="accent3" accent4="accent4" accent5="accent5" accent6="accent6" hlink="hlink" folHlink="folHlink"/>
+  <p:notesStyle>
+    <a:lvl1pPr marL="0" algn="l" defTabSz="914400" rtl="0" eaLnBrk="1" latinLnBrk="0" hangingPunct="1">
+      <a:defRPr sz="1200" kern="1200">
+        <a:solidFill>
+          <a:schemeClr val="tx1"/>
+        </a:solidFill>
+        <a:latin typeface="+mn-lt"/>
+        <a:ea typeface="+mn-ea"/>
+        <a:cs typeface="+mn-cs"/>
+      </a:defRPr>
+    </a:lvl1pPr>
+    <a:lvl2pPr marL="457200" algn="l" defTabSz="914400" rtl="0" eaLnBrk="1" latinLnBrk="0" hangingPunct="1">
+      <a:defRPr sz="1200" kern="1200">
+        <a:solidFill>
+          <a:schemeClr val="tx1"/>
+        </a:solidFill>
+        <a:latin typeface="+mn-lt"/>
+        <a:ea typeface="+mn-ea"/>
+        <a:cs typeface="+mn-cs"/>
+      </a:defRPr>
+    </a:lvl2pPr>
+    <a:lvl3pPr marL="914400" algn="l" defTabSz="914400" rtl="0" eaLnBrk="1" latinLnBrk="0" hangingPunct="1">
+      <a:defRPr sz="1200" kern="1200">
+        <a:solidFill>
+          <a:schemeClr val="tx1"/>
+        </a:solidFill>
+        <a:latin typeface="+mn-lt"/>
+        <a:ea typeface="+mn-ea"/>
+        <a:cs typeface="+mn-cs"/>
+      </a:defRPr>
+    </a:lvl3pPr>
+    <a:lvl4pPr marL="1371600" algn="l" defTabSz="914400" rtl="0" eaLnBrk="1" latinLnBrk="0" hangingPunct="1">
+      <a:defRPr sz="1200" kern="1200">
+        <a:solidFill>
+          <a:schemeClr val="tx1"/>
+        </a:solidFill>
+        <a:latin typeface="+mn-lt"/>
+        <a:ea typeface="+mn-ea"/>
+        <a:cs typeface="+mn-cs"/>
+      </a:defRPr>
+    </a:lvl4pPr>
+    <a:lvl5pPr marL="1828800" algn="l" defTabSz="914400" rtl="0" eaLnBrk="1" latinLnBrk="0" hangingPunct="1">
+      <a:defRPr sz="1200" kern="1200">
+        <a:solidFill>
+          <a:schemeClr val="tx1"/>
+        </a:solidFill>
+        <a:latin typeface="+mn-lt"/>
+        <a:ea typeface="+mn-ea"/>
+        <a:cs typeface="+mn-cs"/>
+      </a:defRPr>
+    </a:lvl5pPr>
+    <a:lvl6pPr marL="2286000" algn="l" defTabSz="914400" rtl="0" eaLnBrk="1" latinLnBrk="0" hangingPunct="1">
+      <a:defRPr sz="1200" kern="1200">
+        <a:solidFill>
+          <a:schemeClr val="tx1"/>
+        </a:solidFill>
+        <a:latin typeface="+mn-lt"/>
+        <a:ea typeface="+mn-ea"/>
+        <a:cs typeface="+mn-cs"/>
+      </a:defRPr>
+    </a:lvl6pPr>
+    <a:lvl7pPr marL="2743200" algn="l" defTabSz="914400" rtl="0" eaLnBrk="1" latinLnBrk="0" hangingPunct="1">
+      <a:defRPr sz="1200" kern="1200">
+        <a:solidFill>
+          <a:schemeClr val="tx1"/>
+        </a:solidFill>
+        <a:latin typeface="+mn-lt"/>
+        <a:ea typeface="+mn-ea"/>
+        <a:cs typeface="+mn-cs"/>
+      </a:defRPr>
+    </a:lvl7pPr>
+    <a:lvl8pPr marL="3200400" algn="l" defTabSz="914400" rtl="0" eaLnBrk="1" latinLnBrk="0" hangingPunct="1">
+      <a:defRPr sz="1200" kern="1200">
+        <a:solidFill>
+          <a:schemeClr val="tx1"/>
+        </a:solidFill>
+        <a:latin typeface="+mn-lt"/>
+        <a:ea typeface="+mn-ea"/>
+        <a:cs typeface="+mn-cs"/>
+      </a:defRPr>
+    </a:lvl8pPr>
+    <a:lvl9pPr marL="3657600" algn="l" defTabSz="914400" rtl="0" eaLnBrk="1" latinLnBrk="0" hangingPunct="1">
+      <a:defRPr sz="1200" kern="1200">
+        <a:solidFill>
+          <a:schemeClr val="tx1"/>
+        </a:solidFill>
+        <a:latin typeface="+mn-lt"/>
+        <a:ea typeface="+mn-ea"/>
+        <a:cs typeface="+mn-cs"/>
+      </a:defRPr>
+    </a:lvl9pPr>
+  </p:notesStyle>
+</p:notesMaster>
+</file>
+
+<file path=ppt/notesSlides/notesSlide1.xml><?xml version="1.0" encoding="utf-8"?>
+<p:notes xmlns:a="http://schemas.openxmlformats.org/drawingml/2006/main" xmlns:r="http://schemas.openxmlformats.org/officeDocument/2006/relationships" xmlns:p="http://schemas.openxmlformats.org/presentationml/2006/main">
+  <p:cSld>
+    <p:spTree>
+      <p:nvGrpSpPr>
+        <p:cNvPr id="1" name=""/>
+        <p:cNvGrpSpPr/>
+        <p:nvPr/>
+      </p:nvGrpSpPr>
+      <p:grpSpPr>
+        <a:xfrm>
+          <a:off x="0" y="0"/>
+          <a:ext cx="0" cy="0"/>
+          <a:chOff x="0" y="0"/>
+          <a:chExt cx="0" cy="0"/>
+        </a:xfrm>
+      </p:grpSpPr>
+      <p:sp>
+        <p:nvSpPr>
+          <p:cNvPr id="2" name="Slide Image Placeholder 1"/>
+          <p:cNvSpPr>
+            <a:spLocks noGrp="1" noRot="1" noChangeAspect="1"/>
+          </p:cNvSpPr>
+          <p:nvPr>
+            <p:ph type="sldImg"/>
+          </p:nvPr>
+        </p:nvSpPr>
+        <p:spPr/>
+      </p:sp>
+      <p:sp>
+        <p:nvSpPr>
+          <p:cNvPr id="3" name="Notes Placeholder 2"/>
+          <p:cNvSpPr>
+            <a:spLocks noGrp="1"/>
+          </p:cNvSpPr>
+          <p:nvPr>
+            <p:ph type="body" idx="1"/>
+          </p:nvPr>
+        </p:nvSpPr>
+        <p:spPr/>
+        <p:txBody>
+          <a:bodyPr/>
+          <a:lstStyle/>
+          <a:p>
+            <a:endParaRPr lang="en-TR" dirty="0"/>
+          </a:p>
+        </p:txBody>
+      </p:sp>
+      <p:sp>
+        <p:nvSpPr>
+          <p:cNvPr id="4" name="Slide Number Placeholder 3"/>
+          <p:cNvSpPr>
+            <a:spLocks noGrp="1"/>
+          </p:cNvSpPr>
+          <p:nvPr>
+            <p:ph type="sldNum" sz="quarter" idx="5"/>
+          </p:nvPr>
+        </p:nvSpPr>
+        <p:spPr/>
+        <p:txBody>
+          <a:bodyPr/>
+          <a:lstStyle/>
+          <a:p>
+            <a:fld id="{44C601C1-7CC1-EF4C-B9D7-5A36E0C48B73}" type="slidenum">
+              <a:rPr lang="en-TR" smtClean="0"/>
+              <a:t>10</a:t>
+            </a:fld>
+            <a:endParaRPr lang="en-TR"/>
+          </a:p>
+        </p:txBody>
+      </p:sp>
+    </p:spTree>
+    <p:extLst>
+      <p:ext uri="{BB962C8B-B14F-4D97-AF65-F5344CB8AC3E}">
+        <p14:creationId xmlns:p14="http://schemas.microsoft.com/office/powerpoint/2010/main" val="3808999023"/>
+      </p:ext>
+    </p:extLst>
+  </p:cSld>
+  <p:clrMapOvr>
+    <a:masterClrMapping/>
+  </p:clrMapOvr>
+</p:notes>
+</file>
+
 <file path=ppt/slideLayouts/slideLayout1.xml><?xml version="1.0" encoding="utf-8"?>
 <p:sldLayout xmlns:a="http://schemas.openxmlformats.org/drawingml/2006/main" xmlns:r="http://schemas.openxmlformats.org/officeDocument/2006/relationships" xmlns:p="http://schemas.openxmlformats.org/presentationml/2006/main" type="title" preserve="1">
   <p:cSld name="Title Slide">
@@ -317,7 +757,7 @@
           <a:p>
             <a:fld id="{5BCAD085-E8A6-8845-BD4E-CB4CCA059FC4}" type="datetimeFigureOut">
               <a:rPr lang="en-US" smtClean="0"/>
-              <a:t>2/16/26</a:t>
+              <a:t>2/19/26</a:t>
             </a:fld>
             <a:endParaRPr lang="en-US"/>
           </a:p>
@@ -485,7 +925,7 @@
           <a:p>
             <a:fld id="{5BCAD085-E8A6-8845-BD4E-CB4CCA059FC4}" type="datetimeFigureOut">
               <a:rPr lang="en-US" smtClean="0"/>
-              <a:t>2/16/26</a:t>
+              <a:t>2/19/26</a:t>
             </a:fld>
             <a:endParaRPr lang="en-US"/>
           </a:p>
@@ -663,7 +1103,7 @@
           <a:p>
             <a:fld id="{5BCAD085-E8A6-8845-BD4E-CB4CCA059FC4}" type="datetimeFigureOut">
               <a:rPr lang="en-US" smtClean="0"/>
-              <a:t>2/16/26</a:t>
+              <a:t>2/19/26</a:t>
             </a:fld>
             <a:endParaRPr lang="en-US"/>
           </a:p>
@@ -831,7 +1271,7 @@
           <a:p>
             <a:fld id="{5BCAD085-E8A6-8845-BD4E-CB4CCA059FC4}" type="datetimeFigureOut">
               <a:rPr lang="en-US" smtClean="0"/>
-              <a:t>2/16/26</a:t>
+              <a:t>2/19/26</a:t>
             </a:fld>
             <a:endParaRPr lang="en-US"/>
           </a:p>
@@ -1076,7 +1516,7 @@
           <a:p>
             <a:fld id="{5BCAD085-E8A6-8845-BD4E-CB4CCA059FC4}" type="datetimeFigureOut">
               <a:rPr lang="en-US" smtClean="0"/>
-              <a:t>2/16/26</a:t>
+              <a:t>2/19/26</a:t>
             </a:fld>
             <a:endParaRPr lang="en-US"/>
           </a:p>
@@ -1361,7 +1801,7 @@
           <a:p>
             <a:fld id="{5BCAD085-E8A6-8845-BD4E-CB4CCA059FC4}" type="datetimeFigureOut">
               <a:rPr lang="en-US" smtClean="0"/>
-              <a:t>2/16/26</a:t>
+              <a:t>2/19/26</a:t>
             </a:fld>
             <a:endParaRPr lang="en-US"/>
           </a:p>
@@ -1780,7 +2220,7 @@
           <a:p>
             <a:fld id="{5BCAD085-E8A6-8845-BD4E-CB4CCA059FC4}" type="datetimeFigureOut">
               <a:rPr lang="en-US" smtClean="0"/>
-              <a:t>2/16/26</a:t>
+              <a:t>2/19/26</a:t>
             </a:fld>
             <a:endParaRPr lang="en-US"/>
           </a:p>
@@ -1897,7 +2337,7 @@
           <a:p>
             <a:fld id="{5BCAD085-E8A6-8845-BD4E-CB4CCA059FC4}" type="datetimeFigureOut">
               <a:rPr lang="en-US" smtClean="0"/>
-              <a:t>2/16/26</a:t>
+              <a:t>2/19/26</a:t>
             </a:fld>
             <a:endParaRPr lang="en-US"/>
           </a:p>
@@ -1992,7 +2432,7 @@
           <a:p>
             <a:fld id="{5BCAD085-E8A6-8845-BD4E-CB4CCA059FC4}" type="datetimeFigureOut">
               <a:rPr lang="en-US" smtClean="0"/>
-              <a:t>2/16/26</a:t>
+              <a:t>2/19/26</a:t>
             </a:fld>
             <a:endParaRPr lang="en-US"/>
           </a:p>
@@ -2267,7 +2707,7 @@
           <a:p>
             <a:fld id="{5BCAD085-E8A6-8845-BD4E-CB4CCA059FC4}" type="datetimeFigureOut">
               <a:rPr lang="en-US" smtClean="0"/>
-              <a:t>2/16/26</a:t>
+              <a:t>2/19/26</a:t>
             </a:fld>
             <a:endParaRPr lang="en-US"/>
           </a:p>
@@ -2519,7 +2959,7 @@
           <a:p>
             <a:fld id="{5BCAD085-E8A6-8845-BD4E-CB4CCA059FC4}" type="datetimeFigureOut">
               <a:rPr lang="en-US" smtClean="0"/>
-              <a:t>2/16/26</a:t>
+              <a:t>2/19/26</a:t>
             </a:fld>
             <a:endParaRPr lang="en-US"/>
           </a:p>
@@ -2730,7 +3170,7 @@
           <a:p>
             <a:fld id="{5BCAD085-E8A6-8845-BD4E-CB4CCA059FC4}" type="datetimeFigureOut">
               <a:rPr lang="en-US" smtClean="0"/>
-              <a:t>2/16/26</a:t>
+              <a:t>2/19/26</a:t>
             </a:fld>
             <a:endParaRPr lang="en-US"/>
           </a:p>
@@ -3553,7 +3993,7 @@
         <p:spPr>
           <a:xfrm>
             <a:off x="457200" y="2286000"/>
-            <a:ext cx="6583680" cy="5669280"/>
+            <a:ext cx="5623558" cy="5221224"/>
           </a:xfrm>
           <a:prstGeom prst="roundRect">
             <a:avLst/>
@@ -4145,8 +4585,8 @@
         </p:nvSpPr>
         <p:spPr>
           <a:xfrm>
-            <a:off x="7589520" y="2286000"/>
-            <a:ext cx="6583680" cy="5669280"/>
+            <a:off x="8183882" y="2139696"/>
+            <a:ext cx="5623558" cy="5221224"/>
           </a:xfrm>
           <a:prstGeom prst="roundRect">
             <a:avLst/>
@@ -4189,7 +4629,7 @@
         </p:nvSpPr>
         <p:spPr>
           <a:xfrm>
-            <a:off x="7863840" y="2377440"/>
+            <a:off x="8458202" y="2231136"/>
             <a:ext cx="6035040" cy="430887"/>
           </a:xfrm>
           <a:prstGeom prst="rect">
@@ -4226,7 +4666,7 @@
         </p:nvSpPr>
         <p:spPr>
           <a:xfrm>
-            <a:off x="7955279" y="2971800"/>
+            <a:off x="8549641" y="2825496"/>
             <a:ext cx="365760" cy="365760"/>
           </a:xfrm>
           <a:prstGeom prst="ellipse">
@@ -4278,7 +4718,7 @@
         </p:nvSpPr>
         <p:spPr>
           <a:xfrm>
-            <a:off x="8458200" y="2926080"/>
+            <a:off x="9052562" y="2779776"/>
             <a:ext cx="2286000" cy="320040"/>
           </a:xfrm>
           <a:prstGeom prst="rect">
@@ -4314,7 +4754,7 @@
         </p:nvSpPr>
         <p:spPr>
           <a:xfrm>
-            <a:off x="8458200" y="3246120"/>
+            <a:off x="9052562" y="3099816"/>
             <a:ext cx="5303520" cy="822960"/>
           </a:xfrm>
           <a:prstGeom prst="rect">
@@ -4354,7 +4794,7 @@
         </p:nvSpPr>
         <p:spPr>
           <a:xfrm>
-            <a:off x="7955279" y="4160520"/>
+            <a:off x="8549641" y="4014216"/>
             <a:ext cx="365760" cy="365760"/>
           </a:xfrm>
           <a:prstGeom prst="ellipse">
@@ -4406,7 +4846,7 @@
         </p:nvSpPr>
         <p:spPr>
           <a:xfrm>
-            <a:off x="8458200" y="4114800"/>
+            <a:off x="9052562" y="3968496"/>
             <a:ext cx="2286000" cy="320040"/>
           </a:xfrm>
           <a:prstGeom prst="rect">
@@ -4442,7 +4882,7 @@
         </p:nvSpPr>
         <p:spPr>
           <a:xfrm>
-            <a:off x="8458200" y="4434840"/>
+            <a:off x="9052562" y="4288536"/>
             <a:ext cx="5303520" cy="822960"/>
           </a:xfrm>
           <a:prstGeom prst="rect">
@@ -4482,7 +4922,7 @@
         </p:nvSpPr>
         <p:spPr>
           <a:xfrm>
-            <a:off x="7955279" y="5349240"/>
+            <a:off x="8549641" y="5202936"/>
             <a:ext cx="365760" cy="365760"/>
           </a:xfrm>
           <a:prstGeom prst="ellipse">
@@ -4534,7 +4974,7 @@
         </p:nvSpPr>
         <p:spPr>
           <a:xfrm>
-            <a:off x="8458200" y="5303520"/>
+            <a:off x="9052562" y="5157216"/>
             <a:ext cx="2286000" cy="320040"/>
           </a:xfrm>
           <a:prstGeom prst="rect">
@@ -4570,7 +5010,7 @@
         </p:nvSpPr>
         <p:spPr>
           <a:xfrm>
-            <a:off x="8458200" y="5623560"/>
+            <a:off x="9052562" y="5477256"/>
             <a:ext cx="5303520" cy="822960"/>
           </a:xfrm>
           <a:prstGeom prst="rect">
@@ -4610,7 +5050,7 @@
         </p:nvSpPr>
         <p:spPr>
           <a:xfrm>
-            <a:off x="7955279" y="6537960"/>
+            <a:off x="8549641" y="6391656"/>
             <a:ext cx="365760" cy="365760"/>
           </a:xfrm>
           <a:prstGeom prst="ellipse">
@@ -4662,7 +5102,7 @@
         </p:nvSpPr>
         <p:spPr>
           <a:xfrm>
-            <a:off x="8458200" y="6492240"/>
+            <a:off x="9052562" y="6345936"/>
             <a:ext cx="2286000" cy="320040"/>
           </a:xfrm>
           <a:prstGeom prst="rect">
@@ -4698,7 +5138,7 @@
         </p:nvSpPr>
         <p:spPr>
           <a:xfrm>
-            <a:off x="8458200" y="6812280"/>
+            <a:off x="9052562" y="6665976"/>
             <a:ext cx="5303520" cy="822960"/>
           </a:xfrm>
           <a:prstGeom prst="rect">
@@ -4738,7 +5178,7 @@
         </p:nvSpPr>
         <p:spPr>
           <a:xfrm>
-            <a:off x="6675120" y="3200400"/>
+            <a:off x="6492240" y="2889504"/>
             <a:ext cx="1280160" cy="4114800"/>
           </a:xfrm>
           <a:prstGeom prst="roundRect">
@@ -4782,7 +5222,7 @@
         </p:nvSpPr>
         <p:spPr>
           <a:xfrm>
-            <a:off x="6720840" y="3749039"/>
+            <a:off x="6537960" y="3438143"/>
             <a:ext cx="1188720" cy="457200"/>
           </a:xfrm>
           <a:prstGeom prst="rect">
@@ -4819,7 +5259,7 @@
         </p:nvSpPr>
         <p:spPr>
           <a:xfrm>
-            <a:off x="6720840" y="4023360"/>
+            <a:off x="6537960" y="3730752"/>
             <a:ext cx="1188720" cy="457200"/>
           </a:xfrm>
           <a:prstGeom prst="rect">
@@ -4842,6 +5282,7 @@
               </a:defRPr>
             </a:pPr>
             <a:r>
+              <a:rPr dirty="0"/>
               <a:t>LINK</a:t>
             </a:r>
           </a:p>
@@ -4855,7 +5296,7 @@
         </p:nvSpPr>
         <p:spPr>
           <a:xfrm>
-            <a:off x="6720840" y="4572000"/>
+            <a:off x="6537960" y="4261104"/>
             <a:ext cx="1188720" cy="640080"/>
           </a:xfrm>
           <a:prstGeom prst="rect">
@@ -4895,7 +5336,7 @@
         </p:nvSpPr>
         <p:spPr>
           <a:xfrm>
-            <a:off x="6720840" y="5257800"/>
+            <a:off x="6537960" y="4946904"/>
             <a:ext cx="1188720" cy="640080"/>
           </a:xfrm>
           <a:prstGeom prst="rect">
@@ -4935,7 +5376,7 @@
         </p:nvSpPr>
         <p:spPr>
           <a:xfrm>
-            <a:off x="6720840" y="5943600"/>
+            <a:off x="6537960" y="5632704"/>
             <a:ext cx="1188720" cy="640080"/>
           </a:xfrm>
           <a:prstGeom prst="rect">
@@ -4975,7 +5416,7 @@
         </p:nvSpPr>
         <p:spPr>
           <a:xfrm>
-            <a:off x="6720840" y="6629400"/>
+            <a:off x="6537960" y="6318504"/>
             <a:ext cx="1188720" cy="640080"/>
           </a:xfrm>
           <a:prstGeom prst="rect">
@@ -5122,7 +5563,7 @@
       </p:grpSpPr>
       <p:sp>
         <p:nvSpPr>
-          <p:cNvPr id="2" name="Rectangle 1"/>
+          <p:cNvPr id="2" name="TopBar"/>
           <p:cNvSpPr/>
           <p:nvPr/>
         </p:nvSpPr>
@@ -5141,39 +5582,24 @@
             <a:noFill/>
           </a:ln>
         </p:spPr>
-        <p:style>
-          <a:lnRef idx="1">
-            <a:schemeClr val="accent1"/>
-          </a:lnRef>
-          <a:fillRef idx="3">
-            <a:schemeClr val="accent1"/>
-          </a:fillRef>
-          <a:effectRef idx="2">
-            <a:schemeClr val="accent1"/>
-          </a:effectRef>
-          <a:fontRef idx="minor">
-            <a:schemeClr val="lt1"/>
-          </a:fontRef>
-        </p:style>
-        <p:txBody>
-          <a:bodyPr rtlCol="0" anchor="ctr"/>
-          <a:lstStyle/>
-          <a:p>
-            <a:pPr algn="ctr"/>
+        <p:txBody>
+          <a:bodyPr/>
+          <a:lstStyle/>
+          <a:p>
             <a:endParaRPr/>
           </a:p>
         </p:txBody>
       </p:sp>
       <p:sp>
         <p:nvSpPr>
-          <p:cNvPr id="3" name="TextBox 2"/>
-          <p:cNvSpPr txBox="1"/>
-          <p:nvPr/>
-        </p:nvSpPr>
-        <p:spPr>
-          <a:xfrm>
-            <a:off x="1371600" y="731520"/>
-            <a:ext cx="11887200" cy="731520"/>
+          <p:cNvPr id="3" name="Title"/>
+          <p:cNvSpPr txBox="1"/>
+          <p:nvPr/>
+        </p:nvSpPr>
+        <p:spPr>
+          <a:xfrm>
+            <a:off x="1097280" y="640080"/>
+            <a:ext cx="12436320" cy="822960"/>
           </a:xfrm>
           <a:prstGeom prst="rect">
             <a:avLst/>
@@ -5195,23 +5621,88 @@
               </a:defRPr>
             </a:pPr>
             <a:r>
-              <a:t>Stablecoins — Stability in a Volatile Market</a:t>
-            </a:r>
-          </a:p>
-        </p:txBody>
-      </p:sp>
-      <p:sp>
-        <p:nvSpPr>
-          <p:cNvPr id="4" name="Rectangle 3"/>
+              <a:t>Stablecoins — A Better Framework</a:t>
+            </a:r>
+          </a:p>
+        </p:txBody>
+      </p:sp>
+      <p:sp>
+        <p:nvSpPr>
+          <p:cNvPr id="4" name="Subtitle"/>
+          <p:cNvSpPr txBox="1"/>
+          <p:nvPr/>
+        </p:nvSpPr>
+        <p:spPr>
+          <a:xfrm>
+            <a:off x="1097280" y="1554480"/>
+            <a:ext cx="12436320" cy="457200"/>
+          </a:xfrm>
+          <a:prstGeom prst="rect">
+            <a:avLst/>
+          </a:prstGeom>
+          <a:noFill/>
+        </p:spPr>
+        <p:txBody>
+          <a:bodyPr wrap="square">
+            <a:spAutoFit/>
+          </a:bodyPr>
+          <a:lstStyle/>
+          <a:p>
+            <a:pPr algn="l">
+              <a:defRPr sz="1600" b="0">
+                <a:solidFill>
+                  <a:srgbClr val="999999"/>
+                </a:solidFill>
+                <a:latin typeface="Calibri"/>
+              </a:defRPr>
+            </a:pPr>
+            <a:r>
+              <a:t>The traditional Fiat / Crypto / Algorithmic split conflates independent properties. Evaluate every stablecoin on three separate axes instead.</a:t>
+            </a:r>
+          </a:p>
+        </p:txBody>
+      </p:sp>
+      <p:sp>
+        <p:nvSpPr>
+          <p:cNvPr id="10" name="Card1Bg"/>
           <p:cNvSpPr/>
           <p:nvPr/>
         </p:nvSpPr>
         <p:spPr>
           <a:xfrm>
-            <a:off x="1371600" y="1463040"/>
-            <a:ext cx="1097280" cy="36576"/>
-          </a:xfrm>
-          <a:prstGeom prst="rect">
+            <a:off x="1097280" y="2194560"/>
+            <a:ext cx="3932640" cy="5760960"/>
+          </a:xfrm>
+          <a:prstGeom prst="roundRect">
+            <a:avLst/>
+          </a:prstGeom>
+          <a:solidFill>
+            <a:srgbClr val="1A1A2E"/>
+          </a:solidFill>
+          <a:ln>
+            <a:noFill/>
+          </a:ln>
+        </p:spPr>
+        <p:txBody>
+          <a:bodyPr/>
+          <a:lstStyle/>
+          <a:p>
+            <a:endParaRPr/>
+          </a:p>
+        </p:txBody>
+      </p:sp>
+      <p:sp>
+        <p:nvSpPr>
+          <p:cNvPr id="11" name="Card1Header"/>
+          <p:cNvSpPr/>
+          <p:nvPr/>
+        </p:nvSpPr>
+        <p:spPr>
+          <a:xfrm>
+            <a:off x="1097280" y="2194560"/>
+            <a:ext cx="3932640" cy="457200"/>
+          </a:xfrm>
+          <a:prstGeom prst="roundRect">
             <a:avLst/>
           </a:prstGeom>
           <a:solidFill>
@@ -5221,75 +5712,183 @@
             <a:noFill/>
           </a:ln>
         </p:spPr>
-        <p:style>
-          <a:lnRef idx="1">
-            <a:schemeClr val="accent1"/>
-          </a:lnRef>
-          <a:fillRef idx="3">
-            <a:schemeClr val="accent1"/>
-          </a:fillRef>
-          <a:effectRef idx="2">
-            <a:schemeClr val="accent1"/>
-          </a:effectRef>
-          <a:fontRef idx="minor">
-            <a:schemeClr val="lt1"/>
-          </a:fontRef>
-        </p:style>
         <p:txBody>
           <a:bodyPr rtlCol="0" anchor="ctr"/>
           <a:lstStyle/>
           <a:p>
-            <a:pPr algn="ctr"/>
-            <a:endParaRPr/>
-          </a:p>
-        </p:txBody>
-      </p:sp>
-      <p:sp>
-        <p:nvSpPr>
-          <p:cNvPr id="5" name="TextBox 4"/>
-          <p:cNvSpPr txBox="1"/>
-          <p:nvPr/>
-        </p:nvSpPr>
-        <p:spPr>
-          <a:xfrm>
-            <a:off x="1371600" y="2011680"/>
-            <a:ext cx="11887200" cy="548640"/>
-          </a:xfrm>
-          <a:prstGeom prst="rect">
-            <a:avLst/>
-          </a:prstGeom>
-          <a:noFill/>
-        </p:spPr>
-        <p:txBody>
-          <a:bodyPr wrap="square">
-            <a:spAutoFit/>
-          </a:bodyPr>
-          <a:lstStyle/>
-          <a:p>
             <a:pPr algn="l">
-              <a:defRPr sz="1800" b="0">
-                <a:solidFill>
-                  <a:srgbClr val="BBBBBB"/>
-                </a:solidFill>
-                <a:latin typeface="Calibri"/>
-              </a:defRPr>
-            </a:pPr>
-            <a:r>
-              <a:t>Tokens pegged to a stable asset (usually $1 USD). The backbone of DeFi liquidity.</a:t>
-            </a:r>
-          </a:p>
-        </p:txBody>
-      </p:sp>
-      <p:sp>
-        <p:nvSpPr>
-          <p:cNvPr id="6" name="Rounded Rectangle 5"/>
+              <a:defRPr sz="2200" b="1">
+                <a:solidFill>
+                  <a:srgbClr val="0D0D0D"/>
+                </a:solidFill>
+                <a:latin typeface="Calibri"/>
+              </a:defRPr>
+            </a:pPr>
+            <a:r>
+              <a:rPr lang="en-US" dirty="0"/>
+              <a:t>  01</a:t>
+            </a:r>
+          </a:p>
+        </p:txBody>
+      </p:sp>
+      <p:sp>
+        <p:nvSpPr>
+          <p:cNvPr id="12" name="Card1Content"/>
+          <p:cNvSpPr txBox="1"/>
+          <p:nvPr/>
+        </p:nvSpPr>
+        <p:spPr>
+          <a:xfrm>
+            <a:off x="1280160" y="2743200"/>
+            <a:ext cx="3566160" cy="5029200"/>
+          </a:xfrm>
+          <a:prstGeom prst="rect">
+            <a:avLst/>
+          </a:prstGeom>
+          <a:noFill/>
+        </p:spPr>
+        <p:txBody>
+          <a:bodyPr wrap="square">
+            <a:spAutoFit/>
+          </a:bodyPr>
+          <a:lstStyle/>
+          <a:p>
+            <a:pPr algn="l">
+              <a:spcBef>
+                <a:spcPts val="0"/>
+              </a:spcBef>
+              <a:spcAft>
+                <a:spcPts val="200"/>
+              </a:spcAft>
+              <a:defRPr sz="2200" b="1">
+                <a:solidFill>
+                  <a:srgbClr val="FFFFFF"/>
+                </a:solidFill>
+                <a:latin typeface="Calibri"/>
+              </a:defRPr>
+            </a:pPr>
+            <a:r>
+              <a:t>Relative Stability</a:t>
+            </a:r>
+          </a:p>
+          <a:p>
+            <a:pPr algn="l">
+              <a:spcAft>
+                <a:spcPts val="400"/>
+              </a:spcAft>
+              <a:defRPr sz="1500" b="1">
+                <a:solidFill>
+                  <a:srgbClr val="FFCD00"/>
+                </a:solidFill>
+                <a:latin typeface="Calibri"/>
+              </a:defRPr>
+            </a:pPr>
+            <a:r>
+              <a:t>Pegged vs. Floating</a:t>
+            </a:r>
+          </a:p>
+          <a:p>
+            <a:pPr algn="l">
+              <a:spcAft>
+                <a:spcPts val="350"/>
+              </a:spcAft>
+              <a:defRPr sz="1300" b="0">
+                <a:solidFill>
+                  <a:srgbClr val="AAAAAA"/>
+                </a:solidFill>
+                <a:latin typeface="Calibri"/>
+              </a:defRPr>
+            </a:pPr>
+            <a:r>
+              <a:t>What is the stablecoin stable relative to?</a:t>
+            </a:r>
+          </a:p>
+          <a:p>
+            <a:pPr algn="l">
+              <a:spcAft>
+                <a:spcPts val="250"/>
+              </a:spcAft>
+              <a:defRPr sz="1300" b="0">
+                <a:solidFill>
+                  <a:srgbClr val="CCCCCC"/>
+                </a:solidFill>
+                <a:latin typeface="Calibri"/>
+              </a:defRPr>
+            </a:pPr>
+            <a:r>
+              <a:rPr b="1">
+                <a:solidFill>
+                  <a:srgbClr val="FFFFFF"/>
+                </a:solidFill>
+              </a:rPr>
+              <a:t>Pegged: </a:t>
+            </a:r>
+            <a:r>
+              <a:rPr>
+                <a:solidFill>
+                  <a:srgbClr val="CCCCCC"/>
+                </a:solidFill>
+              </a:rPr>
+              <a:t>tracks another asset (e.g. $1 USD)</a:t>
+            </a:r>
+          </a:p>
+          <a:p>
+            <a:pPr algn="l">
+              <a:spcAft>
+                <a:spcPts val="400"/>
+              </a:spcAft>
+              <a:defRPr sz="1300" b="0">
+                <a:solidFill>
+                  <a:srgbClr val="CCCCCC"/>
+                </a:solidFill>
+                <a:latin typeface="Calibri"/>
+              </a:defRPr>
+            </a:pPr>
+            <a:r>
+              <a:rPr b="1">
+                <a:solidFill>
+                  <a:srgbClr val="FFFFFF"/>
+                </a:solidFill>
+              </a:rPr>
+              <a:t>Floating: </a:t>
+            </a:r>
+            <a:r>
+              <a:rPr>
+                <a:solidFill>
+                  <a:srgbClr val="CCCCCC"/>
+                </a:solidFill>
+              </a:rPr>
+              <a:t>maintains buying power, no fixed peg</a:t>
+            </a:r>
+          </a:p>
+          <a:p>
+            <a:pPr algn="l">
+              <a:spcAft>
+                <a:spcPts val="0"/>
+              </a:spcAft>
+              <a:defRPr sz="1200" b="0" i="1">
+                <a:solidFill>
+                  <a:srgbClr val="00B4D8"/>
+                </a:solidFill>
+                <a:latin typeface="Calibri"/>
+              </a:defRPr>
+            </a:pPr>
+            <a:r>
+              <a:t>USDC, DAI (pegged)  •  RAI (floating)</a:t>
+            </a:r>
+          </a:p>
+        </p:txBody>
+      </p:sp>
+      <p:sp>
+        <p:nvSpPr>
+          <p:cNvPr id="20" name="Card2Bg"/>
           <p:cNvSpPr/>
           <p:nvPr/>
         </p:nvSpPr>
         <p:spPr>
           <a:xfrm>
-            <a:off x="1097280" y="2743200"/>
-            <a:ext cx="3931920" cy="4754880"/>
+            <a:off x="5394960" y="2194560"/>
+            <a:ext cx="3932640" cy="5760960"/>
           </a:xfrm>
           <a:prstGeom prst="roundRect">
             <a:avLst/>
@@ -5301,76 +5900,64 @@
             <a:noFill/>
           </a:ln>
         </p:spPr>
-        <p:style>
-          <a:lnRef idx="1">
-            <a:schemeClr val="accent1"/>
-          </a:lnRef>
-          <a:fillRef idx="3">
-            <a:schemeClr val="accent1"/>
-          </a:fillRef>
-          <a:effectRef idx="2">
-            <a:schemeClr val="accent1"/>
-          </a:effectRef>
-          <a:fontRef idx="minor">
-            <a:schemeClr val="lt1"/>
-          </a:fontRef>
-        </p:style>
+        <p:txBody>
+          <a:bodyPr/>
+          <a:lstStyle/>
+          <a:p>
+            <a:endParaRPr/>
+          </a:p>
+        </p:txBody>
+      </p:sp>
+      <p:sp>
+        <p:nvSpPr>
+          <p:cNvPr id="21" name="Card2Header"/>
+          <p:cNvSpPr/>
+          <p:nvPr/>
+        </p:nvSpPr>
+        <p:spPr>
+          <a:xfrm>
+            <a:off x="5394960" y="2194560"/>
+            <a:ext cx="3932640" cy="457200"/>
+          </a:xfrm>
+          <a:prstGeom prst="roundRect">
+            <a:avLst/>
+          </a:prstGeom>
+          <a:solidFill>
+            <a:srgbClr val="00B4D8"/>
+          </a:solidFill>
+          <a:ln>
+            <a:noFill/>
+          </a:ln>
+        </p:spPr>
         <p:txBody>
           <a:bodyPr rtlCol="0" anchor="ctr"/>
-          <a:lstStyle/>
-          <a:p>
-            <a:pPr algn="ctr"/>
-            <a:endParaRPr/>
-          </a:p>
-        </p:txBody>
-      </p:sp>
-      <p:sp>
-        <p:nvSpPr>
-          <p:cNvPr id="7" name="TextBox 6"/>
-          <p:cNvSpPr txBox="1"/>
-          <p:nvPr/>
-        </p:nvSpPr>
-        <p:spPr>
-          <a:xfrm>
-            <a:off x="1371600" y="2926080"/>
-            <a:ext cx="3383280" cy="430887"/>
-          </a:xfrm>
-          <a:prstGeom prst="rect">
-            <a:avLst/>
-          </a:prstGeom>
-          <a:noFill/>
-        </p:spPr>
-        <p:txBody>
-          <a:bodyPr wrap="square">
-            <a:spAutoFit/>
-          </a:bodyPr>
           <a:lstStyle/>
           <a:p>
             <a:pPr algn="l">
               <a:defRPr sz="2200" b="1">
                 <a:solidFill>
-                  <a:srgbClr val="FFCD00"/>
-                </a:solidFill>
-                <a:latin typeface="Calibri"/>
-              </a:defRPr>
-            </a:pPr>
-            <a:r>
-              <a:rPr dirty="0"/>
-              <a:t> Fiat-Backed</a:t>
-            </a:r>
-          </a:p>
-        </p:txBody>
-      </p:sp>
-      <p:sp>
-        <p:nvSpPr>
-          <p:cNvPr id="8" name="TextBox 7"/>
-          <p:cNvSpPr txBox="1"/>
-          <p:nvPr/>
-        </p:nvSpPr>
-        <p:spPr>
-          <a:xfrm>
-            <a:off x="1371600" y="3474720"/>
-            <a:ext cx="3383280" cy="365760"/>
+                  <a:srgbClr val="FFFFFF"/>
+                </a:solidFill>
+                <a:latin typeface="Calibri"/>
+              </a:defRPr>
+            </a:pPr>
+            <a:r>
+              <a:rPr lang="en-US" dirty="0"/>
+              <a:t>  02</a:t>
+            </a:r>
+          </a:p>
+        </p:txBody>
+      </p:sp>
+      <p:sp>
+        <p:nvSpPr>
+          <p:cNvPr id="22" name="Card2Content"/>
+          <p:cNvSpPr txBox="1"/>
+          <p:nvPr/>
+        </p:nvSpPr>
+        <p:spPr>
+          <a:xfrm>
+            <a:off x="5578560" y="2743200"/>
+            <a:ext cx="3566160" cy="5029200"/>
           </a:xfrm>
           <a:prstGeom prst="rect">
             <a:avLst/>
@@ -5384,116 +5971,141 @@
           <a:lstStyle/>
           <a:p>
             <a:pPr algn="l">
-              <a:defRPr sz="1300" b="1">
-                <a:solidFill>
-                  <a:srgbClr val="00B4D8"/>
-                </a:solidFill>
-                <a:latin typeface="Calibri"/>
-              </a:defRPr>
-            </a:pPr>
-            <a:r>
-              <a:t>Centralized reserves  —  USDC, USDT</a:t>
-            </a:r>
-          </a:p>
-        </p:txBody>
-      </p:sp>
-      <p:sp>
-        <p:nvSpPr>
-          <p:cNvPr id="9" name="TextBox 8"/>
-          <p:cNvSpPr txBox="1"/>
-          <p:nvPr/>
-        </p:nvSpPr>
-        <p:spPr>
-          <a:xfrm>
-            <a:off x="1371600" y="4114800"/>
-            <a:ext cx="3383280" cy="3200400"/>
-          </a:xfrm>
-          <a:prstGeom prst="rect">
-            <a:avLst/>
-          </a:prstGeom>
-          <a:noFill/>
-        </p:spPr>
-        <p:txBody>
-          <a:bodyPr wrap="square">
-            <a:spAutoFit/>
-          </a:bodyPr>
-          <a:lstStyle/>
-          <a:p>
-            <a:pPr>
+              <a:spcBef>
+                <a:spcPts val="0"/>
+              </a:spcBef>
+              <a:spcAft>
+                <a:spcPts val="200"/>
+              </a:spcAft>
+              <a:defRPr sz="2200" b="1">
+                <a:solidFill>
+                  <a:srgbClr val="FFFFFF"/>
+                </a:solidFill>
+                <a:latin typeface="Calibri"/>
+              </a:defRPr>
+            </a:pPr>
+            <a:r>
+              <a:t>Stability Method</a:t>
+            </a:r>
+          </a:p>
+          <a:p>
+            <a:pPr algn="l">
               <a:spcAft>
                 <a:spcPts val="400"/>
               </a:spcAft>
-              <a:defRPr sz="1300">
-                <a:solidFill>
-                  <a:srgbClr val="BBBBBB"/>
-                </a:solidFill>
-                <a:latin typeface="Calibri"/>
-              </a:defRPr>
-            </a:pPr>
-            <a:r>
-              <a:t>•  1:1 backed by USD in bank accounts</a:t>
-            </a:r>
-          </a:p>
-          <a:p>
-            <a:pPr>
+              <a:defRPr sz="1500" b="1">
+                <a:solidFill>
+                  <a:srgbClr val="00B4D8"/>
+                </a:solidFill>
+                <a:latin typeface="Calibri"/>
+              </a:defRPr>
+            </a:pPr>
+            <a:r>
+              <a:t>Governed vs. Algorithmic</a:t>
+            </a:r>
+          </a:p>
+          <a:p>
+            <a:pPr algn="l">
+              <a:spcAft>
+                <a:spcPts val="350"/>
+              </a:spcAft>
+              <a:defRPr sz="1300" b="0">
+                <a:solidFill>
+                  <a:srgbClr val="AAAAAA"/>
+                </a:solidFill>
+                <a:latin typeface="Calibri"/>
+              </a:defRPr>
+            </a:pPr>
+            <a:r>
+              <a:t>Who or what controls minting and burning?</a:t>
+            </a:r>
+          </a:p>
+          <a:p>
+            <a:pPr algn="l">
+              <a:spcAft>
+                <a:spcPts val="250"/>
+              </a:spcAft>
+              <a:defRPr sz="1300" b="0">
+                <a:solidFill>
+                  <a:srgbClr val="CCCCCC"/>
+                </a:solidFill>
+                <a:latin typeface="Calibri"/>
+              </a:defRPr>
+            </a:pPr>
+            <a:r>
+              <a:rPr b="1">
+                <a:solidFill>
+                  <a:srgbClr val="FFFFFF"/>
+                </a:solidFill>
+              </a:rPr>
+              <a:t>Governed: </a:t>
+            </a:r>
+            <a:r>
+              <a:rPr>
+                <a:solidFill>
+                  <a:srgbClr val="CCCCCC"/>
+                </a:solidFill>
+              </a:rPr>
+              <a:t>a centralized body controls supply</a:t>
+            </a:r>
+          </a:p>
+          <a:p>
+            <a:pPr algn="l">
               <a:spcAft>
                 <a:spcPts val="400"/>
               </a:spcAft>
-              <a:defRPr sz="1300">
-                <a:solidFill>
-                  <a:srgbClr val="BBBBBB"/>
-                </a:solidFill>
-                <a:latin typeface="Calibri"/>
-              </a:defRPr>
-            </a:pPr>
-            <a:r>
-              <a:t>•  Centralized issuer (Circle, Tether)</a:t>
-            </a:r>
-          </a:p>
-          <a:p>
-            <a:pPr>
+              <a:defRPr sz="1300" b="0">
+                <a:solidFill>
+                  <a:srgbClr val="CCCCCC"/>
+                </a:solidFill>
+                <a:latin typeface="Calibri"/>
+              </a:defRPr>
+            </a:pPr>
+            <a:r>
+              <a:rPr b="1">
+                <a:solidFill>
+                  <a:srgbClr val="FFFFFF"/>
+                </a:solidFill>
+              </a:rPr>
+              <a:t>Algorithmic: </a:t>
+            </a:r>
+            <a:r>
+              <a:rPr>
+                <a:solidFill>
+                  <a:srgbClr val="CCCCCC"/>
+                </a:solidFill>
+              </a:rPr>
+              <a:t>permissionless code controls supply</a:t>
+            </a:r>
+          </a:p>
+          <a:p>
+            <a:pPr algn="l">
               <a:spcAft>
-                <a:spcPts val="400"/>
+                <a:spcPts val="0"/>
               </a:spcAft>
-              <a:defRPr sz="1300">
-                <a:solidFill>
-                  <a:srgbClr val="BBBBBB"/>
-                </a:solidFill>
-                <a:latin typeface="Calibri"/>
-              </a:defRPr>
-            </a:pPr>
-            <a:r>
-              <a:t>•  Most trusted but requires trust in issuer</a:t>
-            </a:r>
-          </a:p>
-          <a:p>
-            <a:pPr>
-              <a:spcAft>
-                <a:spcPts val="400"/>
-              </a:spcAft>
-              <a:defRPr sz="1300">
-                <a:solidFill>
-                  <a:srgbClr val="BBBBBB"/>
-                </a:solidFill>
-                <a:latin typeface="Calibri"/>
-              </a:defRPr>
-            </a:pPr>
-            <a:r>
-              <a:t>•  Subject to regulatory oversight</a:t>
-            </a:r>
-          </a:p>
-        </p:txBody>
-      </p:sp>
-      <p:sp>
-        <p:nvSpPr>
-          <p:cNvPr id="10" name="Rounded Rectangle 9"/>
+              <a:defRPr sz="1200" b="0" i="1">
+                <a:solidFill>
+                  <a:srgbClr val="00B4D8"/>
+                </a:solidFill>
+                <a:latin typeface="Calibri"/>
+              </a:defRPr>
+            </a:pPr>
+            <a:r>
+              <a:t>USDC (governed)  •  DAI, RAI, UST (algorithmic)</a:t>
+            </a:r>
+          </a:p>
+        </p:txBody>
+      </p:sp>
+      <p:sp>
+        <p:nvSpPr>
+          <p:cNvPr id="30" name="Card3Bg"/>
           <p:cNvSpPr/>
           <p:nvPr/>
         </p:nvSpPr>
         <p:spPr>
           <a:xfrm>
-            <a:off x="5394960" y="2743200"/>
-            <a:ext cx="3931920" cy="4754880"/>
+            <a:off x="9692640" y="2194560"/>
+            <a:ext cx="3932640" cy="5760960"/>
           </a:xfrm>
           <a:prstGeom prst="roundRect">
             <a:avLst/>
@@ -5505,280 +6117,64 @@
             <a:noFill/>
           </a:ln>
         </p:spPr>
-        <p:style>
-          <a:lnRef idx="1">
-            <a:schemeClr val="accent1"/>
-          </a:lnRef>
-          <a:fillRef idx="3">
-            <a:schemeClr val="accent1"/>
-          </a:fillRef>
-          <a:effectRef idx="2">
-            <a:schemeClr val="accent1"/>
-          </a:effectRef>
-          <a:fontRef idx="minor">
-            <a:schemeClr val="lt1"/>
-          </a:fontRef>
-        </p:style>
-        <p:txBody>
-          <a:bodyPr rtlCol="0" anchor="ctr"/>
-          <a:lstStyle/>
-          <a:p>
-            <a:pPr algn="ctr"/>
+        <p:txBody>
+          <a:bodyPr/>
+          <a:lstStyle/>
+          <a:p>
             <a:endParaRPr/>
           </a:p>
         </p:txBody>
       </p:sp>
       <p:sp>
         <p:nvSpPr>
-          <p:cNvPr id="11" name="TextBox 10"/>
-          <p:cNvSpPr txBox="1"/>
-          <p:nvPr/>
-        </p:nvSpPr>
-        <p:spPr>
-          <a:xfrm>
-            <a:off x="5669280" y="2926080"/>
-            <a:ext cx="3383280" cy="430887"/>
-          </a:xfrm>
-          <a:prstGeom prst="rect">
-            <a:avLst/>
-          </a:prstGeom>
-          <a:noFill/>
-        </p:spPr>
-        <p:txBody>
-          <a:bodyPr wrap="square">
-            <a:spAutoFit/>
-          </a:bodyPr>
-          <a:lstStyle/>
-          <a:p>
-            <a:pPr algn="l">
-              <a:defRPr sz="2200" b="1">
-                <a:solidFill>
-                  <a:srgbClr val="FFCD00"/>
-                </a:solidFill>
-                <a:latin typeface="Calibri"/>
-              </a:defRPr>
-            </a:pPr>
-            <a:r>
-              <a:rPr dirty="0"/>
-              <a:t>Crypto-Backed</a:t>
-            </a:r>
-          </a:p>
-        </p:txBody>
-      </p:sp>
-      <p:sp>
-        <p:nvSpPr>
-          <p:cNvPr id="12" name="TextBox 11"/>
-          <p:cNvSpPr txBox="1"/>
-          <p:nvPr/>
-        </p:nvSpPr>
-        <p:spPr>
-          <a:xfrm>
-            <a:off x="5669280" y="3474720"/>
-            <a:ext cx="3383280" cy="365760"/>
-          </a:xfrm>
-          <a:prstGeom prst="rect">
-            <a:avLst/>
-          </a:prstGeom>
-          <a:noFill/>
-        </p:spPr>
-        <p:txBody>
-          <a:bodyPr wrap="square">
-            <a:spAutoFit/>
-          </a:bodyPr>
-          <a:lstStyle/>
-          <a:p>
-            <a:pPr algn="l">
-              <a:defRPr sz="1300" b="1">
-                <a:solidFill>
-                  <a:srgbClr val="00B4D8"/>
-                </a:solidFill>
-                <a:latin typeface="Calibri"/>
-              </a:defRPr>
-            </a:pPr>
-            <a:r>
-              <a:t>Over-collateralized  —  DAI, LUSD</a:t>
-            </a:r>
-          </a:p>
-        </p:txBody>
-      </p:sp>
-      <p:sp>
-        <p:nvSpPr>
-          <p:cNvPr id="13" name="TextBox 12"/>
-          <p:cNvSpPr txBox="1"/>
-          <p:nvPr/>
-        </p:nvSpPr>
-        <p:spPr>
-          <a:xfrm>
-            <a:off x="5669280" y="4114800"/>
-            <a:ext cx="3383280" cy="3200400"/>
-          </a:xfrm>
-          <a:prstGeom prst="rect">
-            <a:avLst/>
-          </a:prstGeom>
-          <a:noFill/>
-        </p:spPr>
-        <p:txBody>
-          <a:bodyPr wrap="square">
-            <a:spAutoFit/>
-          </a:bodyPr>
-          <a:lstStyle/>
-          <a:p>
-            <a:pPr>
-              <a:spcAft>
-                <a:spcPts val="400"/>
-              </a:spcAft>
-              <a:defRPr sz="1300">
-                <a:solidFill>
-                  <a:srgbClr val="BBBBBB"/>
-                </a:solidFill>
-                <a:latin typeface="Calibri"/>
-              </a:defRPr>
-            </a:pPr>
-            <a:r>
-              <a:t>•  Backed by crypto deposits (e.g. ETH)</a:t>
-            </a:r>
-          </a:p>
-          <a:p>
-            <a:pPr>
-              <a:spcAft>
-                <a:spcPts val="400"/>
-              </a:spcAft>
-              <a:defRPr sz="1300">
-                <a:solidFill>
-                  <a:srgbClr val="BBBBBB"/>
-                </a:solidFill>
-                <a:latin typeface="Calibri"/>
-              </a:defRPr>
-            </a:pPr>
-            <a:r>
-              <a:t>•  Over-collateralized (150%+) for safety</a:t>
-            </a:r>
-          </a:p>
-          <a:p>
-            <a:pPr>
-              <a:spcAft>
-                <a:spcPts val="400"/>
-              </a:spcAft>
-              <a:defRPr sz="1300">
-                <a:solidFill>
-                  <a:srgbClr val="BBBBBB"/>
-                </a:solidFill>
-                <a:latin typeface="Calibri"/>
-              </a:defRPr>
-            </a:pPr>
-            <a:r>
-              <a:t>•  Decentralized — governed by smart contracts</a:t>
-            </a:r>
-          </a:p>
-          <a:p>
-            <a:pPr>
-              <a:spcAft>
-                <a:spcPts val="400"/>
-              </a:spcAft>
-              <a:defRPr sz="1300">
-                <a:solidFill>
-                  <a:srgbClr val="BBBBBB"/>
-                </a:solidFill>
-                <a:latin typeface="Calibri"/>
-              </a:defRPr>
-            </a:pPr>
-            <a:r>
-              <a:t>•  Liquidation if collateral drops too low</a:t>
-            </a:r>
-          </a:p>
-        </p:txBody>
-      </p:sp>
-      <p:sp>
-        <p:nvSpPr>
-          <p:cNvPr id="14" name="Rounded Rectangle 13"/>
+          <p:cNvPr id="31" name="Card3Header"/>
           <p:cNvSpPr/>
           <p:nvPr/>
         </p:nvSpPr>
         <p:spPr>
           <a:xfrm>
-            <a:off x="9692640" y="2743200"/>
-            <a:ext cx="3931920" cy="4754880"/>
+            <a:off x="9692640" y="2194560"/>
+            <a:ext cx="3932640" cy="457200"/>
           </a:xfrm>
           <a:prstGeom prst="roundRect">
             <a:avLst/>
           </a:prstGeom>
           <a:solidFill>
-            <a:srgbClr val="1A1A2E"/>
+            <a:srgbClr val="02C39A"/>
           </a:solidFill>
           <a:ln>
             <a:noFill/>
           </a:ln>
         </p:spPr>
-        <p:style>
-          <a:lnRef idx="1">
-            <a:schemeClr val="accent1"/>
-          </a:lnRef>
-          <a:fillRef idx="3">
-            <a:schemeClr val="accent1"/>
-          </a:fillRef>
-          <a:effectRef idx="2">
-            <a:schemeClr val="accent1"/>
-          </a:effectRef>
-          <a:fontRef idx="minor">
-            <a:schemeClr val="lt1"/>
-          </a:fontRef>
-        </p:style>
         <p:txBody>
           <a:bodyPr rtlCol="0" anchor="ctr"/>
-          <a:lstStyle/>
-          <a:p>
-            <a:pPr algn="ctr"/>
-            <a:endParaRPr/>
-          </a:p>
-        </p:txBody>
-      </p:sp>
-      <p:sp>
-        <p:nvSpPr>
-          <p:cNvPr id="15" name="TextBox 14"/>
-          <p:cNvSpPr txBox="1"/>
-          <p:nvPr/>
-        </p:nvSpPr>
-        <p:spPr>
-          <a:xfrm>
-            <a:off x="9966960" y="2926080"/>
-            <a:ext cx="3383280" cy="430887"/>
-          </a:xfrm>
-          <a:prstGeom prst="rect">
-            <a:avLst/>
-          </a:prstGeom>
-          <a:noFill/>
-        </p:spPr>
-        <p:txBody>
-          <a:bodyPr wrap="square">
-            <a:spAutoFit/>
-          </a:bodyPr>
           <a:lstStyle/>
           <a:p>
             <a:pPr algn="l">
               <a:defRPr sz="2200" b="1">
                 <a:solidFill>
-                  <a:srgbClr val="FFCD00"/>
-                </a:solidFill>
-                <a:latin typeface="Calibri"/>
-              </a:defRPr>
-            </a:pPr>
-            <a:r>
-              <a:rPr dirty="0"/>
-              <a:t>Algorithmic</a:t>
-            </a:r>
-          </a:p>
-        </p:txBody>
-      </p:sp>
-      <p:sp>
-        <p:nvSpPr>
-          <p:cNvPr id="16" name="TextBox 15"/>
-          <p:cNvSpPr txBox="1"/>
-          <p:nvPr/>
-        </p:nvSpPr>
-        <p:spPr>
-          <a:xfrm>
-            <a:off x="9966960" y="3474720"/>
-            <a:ext cx="3383280" cy="365760"/>
+                  <a:srgbClr val="FFFFFF"/>
+                </a:solidFill>
+                <a:latin typeface="Calibri"/>
+              </a:defRPr>
+            </a:pPr>
+            <a:r>
+              <a:rPr lang="en-US" dirty="0"/>
+              <a:t>  03</a:t>
+            </a:r>
+          </a:p>
+        </p:txBody>
+      </p:sp>
+      <p:sp>
+        <p:nvSpPr>
+          <p:cNvPr id="32" name="Card3Content"/>
+          <p:cNvSpPr txBox="1"/>
+          <p:nvPr/>
+        </p:nvSpPr>
+        <p:spPr>
+          <a:xfrm>
+            <a:off x="9875520" y="2743200"/>
+            <a:ext cx="3566160" cy="5029200"/>
           </a:xfrm>
           <a:prstGeom prst="rect">
             <a:avLst/>
@@ -5792,102 +6188,127 @@
           <a:lstStyle/>
           <a:p>
             <a:pPr algn="l">
-              <a:defRPr sz="1300" b="1">
-                <a:solidFill>
-                  <a:srgbClr val="00B4D8"/>
-                </a:solidFill>
-                <a:latin typeface="Calibri"/>
-              </a:defRPr>
-            </a:pPr>
-            <a:r>
-              <a:t>Supply-based peg  —  FRAX, (UST†)</a:t>
-            </a:r>
-          </a:p>
-        </p:txBody>
-      </p:sp>
-      <p:sp>
-        <p:nvSpPr>
-          <p:cNvPr id="17" name="TextBox 16"/>
-          <p:cNvSpPr txBox="1"/>
-          <p:nvPr/>
-        </p:nvSpPr>
-        <p:spPr>
-          <a:xfrm>
-            <a:off x="9966960" y="4114800"/>
-            <a:ext cx="3383280" cy="3200400"/>
-          </a:xfrm>
-          <a:prstGeom prst="rect">
-            <a:avLst/>
-          </a:prstGeom>
-          <a:noFill/>
-        </p:spPr>
-        <p:txBody>
-          <a:bodyPr wrap="square">
-            <a:spAutoFit/>
-          </a:bodyPr>
-          <a:lstStyle/>
-          <a:p>
-            <a:pPr>
+              <a:spcBef>
+                <a:spcPts val="0"/>
+              </a:spcBef>
+              <a:spcAft>
+                <a:spcPts val="200"/>
+              </a:spcAft>
+              <a:defRPr sz="2200" b="1">
+                <a:solidFill>
+                  <a:srgbClr val="FFFFFF"/>
+                </a:solidFill>
+                <a:latin typeface="Calibri"/>
+              </a:defRPr>
+            </a:pPr>
+            <a:r>
+              <a:t>Collateral Type</a:t>
+            </a:r>
+          </a:p>
+          <a:p>
+            <a:pPr algn="l">
               <a:spcAft>
                 <a:spcPts val="400"/>
               </a:spcAft>
-              <a:defRPr sz="1300">
-                <a:solidFill>
-                  <a:srgbClr val="BBBBBB"/>
-                </a:solidFill>
-                <a:latin typeface="Calibri"/>
-              </a:defRPr>
-            </a:pPr>
-            <a:r>
-              <a:t>•  Maintain peg via mint/burn mechanisms</a:t>
-            </a:r>
-          </a:p>
-          <a:p>
-            <a:pPr>
+              <a:defRPr sz="1500" b="1">
+                <a:solidFill>
+                  <a:srgbClr val="02C39A"/>
+                </a:solidFill>
+                <a:latin typeface="Calibri"/>
+              </a:defRPr>
+            </a:pPr>
+            <a:r>
+              <a:t>Exogenous vs. Endogenous</a:t>
+            </a:r>
+          </a:p>
+          <a:p>
+            <a:pPr algn="l">
+              <a:spcAft>
+                <a:spcPts val="350"/>
+              </a:spcAft>
+              <a:defRPr sz="1300" b="0">
+                <a:solidFill>
+                  <a:srgbClr val="AAAAAA"/>
+                </a:solidFill>
+                <a:latin typeface="Calibri"/>
+              </a:defRPr>
+            </a:pPr>
+            <a:r>
+              <a:t>Where does the backing value come from?</a:t>
+            </a:r>
+          </a:p>
+          <a:p>
+            <a:pPr algn="l">
+              <a:spcAft>
+                <a:spcPts val="250"/>
+              </a:spcAft>
+              <a:defRPr sz="1300" b="0">
+                <a:solidFill>
+                  <a:srgbClr val="CCCCCC"/>
+                </a:solidFill>
+                <a:latin typeface="Calibri"/>
+              </a:defRPr>
+            </a:pPr>
+            <a:r>
+              <a:rPr b="1">
+                <a:solidFill>
+                  <a:srgbClr val="FFFFFF"/>
+                </a:solidFill>
+              </a:rPr>
+              <a:t>Exogenous: </a:t>
+            </a:r>
+            <a:r>
+              <a:rPr>
+                <a:solidFill>
+                  <a:srgbClr val="CCCCCC"/>
+                </a:solidFill>
+              </a:rPr>
+              <a:t>collateral exists outside the protocol</a:t>
+            </a:r>
+          </a:p>
+          <a:p>
+            <a:pPr algn="l">
               <a:spcAft>
                 <a:spcPts val="400"/>
               </a:spcAft>
-              <a:defRPr sz="1300">
-                <a:solidFill>
-                  <a:srgbClr val="BBBBBB"/>
-                </a:solidFill>
-                <a:latin typeface="Calibri"/>
-              </a:defRPr>
-            </a:pPr>
-            <a:r>
-              <a:t>•  No direct collateral (or partial)</a:t>
-            </a:r>
-          </a:p>
-          <a:p>
-            <a:pPr>
+              <a:defRPr sz="1300" b="0">
+                <a:solidFill>
+                  <a:srgbClr val="CCCCCC"/>
+                </a:solidFill>
+                <a:latin typeface="Calibri"/>
+              </a:defRPr>
+            </a:pPr>
+            <a:r>
+              <a:rPr b="1">
+                <a:solidFill>
+                  <a:srgbClr val="FFFFFF"/>
+                </a:solidFill>
+              </a:rPr>
+              <a:t>Endogenous: </a:t>
+            </a:r>
+            <a:r>
+              <a:rPr>
+                <a:solidFill>
+                  <a:srgbClr val="CCCCCC"/>
+                </a:solidFill>
+              </a:rPr>
+              <a:t>collateral is created by the protocol itself</a:t>
+            </a:r>
+          </a:p>
+          <a:p>
+            <a:pPr algn="l">
               <a:spcAft>
-                <a:spcPts val="400"/>
+                <a:spcPts val="0"/>
               </a:spcAft>
-              <a:defRPr sz="1300">
-                <a:solidFill>
-                  <a:srgbClr val="BBBBBB"/>
-                </a:solidFill>
-                <a:latin typeface="Calibri"/>
-              </a:defRPr>
-            </a:pPr>
-            <a:r>
-              <a:t>•  Capital-efficient but high risk</a:t>
-            </a:r>
-          </a:p>
-          <a:p>
-            <a:pPr>
-              <a:spcAft>
-                <a:spcPts val="400"/>
-              </a:spcAft>
-              <a:defRPr sz="1300">
-                <a:solidFill>
-                  <a:srgbClr val="BBBBBB"/>
-                </a:solidFill>
-                <a:latin typeface="Calibri"/>
-              </a:defRPr>
-            </a:pPr>
-            <a:r>
-              <a:t>•  † UST collapse showed fragility</a:t>
+              <a:defRPr sz="1200" b="0" i="1">
+                <a:solidFill>
+                  <a:srgbClr val="00B4D8"/>
+                </a:solidFill>
+                <a:latin typeface="Calibri"/>
+              </a:defRPr>
+            </a:pPr>
+            <a:r>
+              <a:t>USDC, DAI (exogenous)  •  UST/Luna (endogenous)</a:t>
             </a:r>
           </a:p>
         </p:txBody>
@@ -5927,7 +6348,7 @@
       </p:grpSpPr>
       <p:sp>
         <p:nvSpPr>
-          <p:cNvPr id="2" name="Rectangle 1"/>
+          <p:cNvPr id="2" name="TopBar"/>
           <p:cNvSpPr/>
           <p:nvPr/>
         </p:nvSpPr>
@@ -5946,77 +6367,26 @@
             <a:noFill/>
           </a:ln>
         </p:spPr>
-        <p:style>
-          <a:lnRef idx="1">
-            <a:schemeClr val="accent1"/>
-          </a:lnRef>
-          <a:fillRef idx="3">
-            <a:schemeClr val="accent1"/>
-          </a:fillRef>
-          <a:effectRef idx="2">
-            <a:schemeClr val="accent1"/>
-          </a:effectRef>
-          <a:fontRef idx="minor">
-            <a:schemeClr val="lt1"/>
-          </a:fontRef>
-        </p:style>
         <p:txBody>
           <a:bodyPr rtlCol="0" anchor="ctr"/>
           <a:lstStyle/>
           <a:p>
-            <a:pPr algn="ctr"/>
             <a:endParaRPr/>
           </a:p>
         </p:txBody>
       </p:sp>
       <p:sp>
         <p:nvSpPr>
-          <p:cNvPr id="3" name="TextBox 2"/>
-          <p:cNvSpPr txBox="1"/>
-          <p:nvPr/>
-        </p:nvSpPr>
-        <p:spPr>
-          <a:xfrm>
-            <a:off x="1371600" y="731520"/>
-            <a:ext cx="11887200" cy="731520"/>
-          </a:xfrm>
-          <a:prstGeom prst="rect">
-            <a:avLst/>
-          </a:prstGeom>
-          <a:noFill/>
-        </p:spPr>
-        <p:txBody>
-          <a:bodyPr wrap="square">
-            <a:spAutoFit/>
-          </a:bodyPr>
-          <a:lstStyle/>
-          <a:p>
-            <a:pPr algn="l">
-              <a:defRPr sz="4000" b="1">
-                <a:solidFill>
-                  <a:srgbClr val="FFFFFF"/>
-                </a:solidFill>
-                <a:latin typeface="Calibri"/>
-              </a:defRPr>
-            </a:pPr>
-            <a:r>
-              <a:t>Stablecoin Lifecycle — How It Works</a:t>
-            </a:r>
-          </a:p>
-        </p:txBody>
-      </p:sp>
-      <p:sp>
-        <p:nvSpPr>
-          <p:cNvPr id="4" name="Rectangle 3"/>
+          <p:cNvPr id="3" name="Pill"/>
           <p:cNvSpPr/>
           <p:nvPr/>
         </p:nvSpPr>
         <p:spPr>
           <a:xfrm>
-            <a:off x="1371600" y="1463040"/>
-            <a:ext cx="1097280" cy="36576"/>
-          </a:xfrm>
-          <a:prstGeom prst="rect">
+            <a:off x="1371600" y="548640"/>
+            <a:ext cx="2743200" cy="365760"/>
+          </a:xfrm>
+          <a:prstGeom prst="roundRect">
             <a:avLst/>
           </a:prstGeom>
           <a:solidFill>
@@ -6026,39 +6396,34 @@
             <a:noFill/>
           </a:ln>
         </p:spPr>
-        <p:style>
-          <a:lnRef idx="1">
-            <a:schemeClr val="accent1"/>
-          </a:lnRef>
-          <a:fillRef idx="3">
-            <a:schemeClr val="accent1"/>
-          </a:fillRef>
-          <a:effectRef idx="2">
-            <a:schemeClr val="accent1"/>
-          </a:effectRef>
-          <a:fontRef idx="minor">
-            <a:schemeClr val="lt1"/>
-          </a:fontRef>
-        </p:style>
         <p:txBody>
           <a:bodyPr rtlCol="0" anchor="ctr"/>
           <a:lstStyle/>
           <a:p>
-            <a:pPr algn="ctr"/>
-            <a:endParaRPr/>
-          </a:p>
-        </p:txBody>
-      </p:sp>
-      <p:sp>
-        <p:nvSpPr>
-          <p:cNvPr id="5" name="TextBox 4"/>
-          <p:cNvSpPr txBox="1"/>
-          <p:nvPr/>
-        </p:nvSpPr>
-        <p:spPr>
-          <a:xfrm>
-            <a:off x="1371600" y="1920240"/>
-            <a:ext cx="11887200" cy="457200"/>
+            <a:pPr algn="ctr">
+              <a:defRPr sz="1200" b="1">
+                <a:solidFill>
+                  <a:srgbClr val="0D0D0D"/>
+                </a:solidFill>
+                <a:latin typeface="Calibri"/>
+              </a:defRPr>
+            </a:pPr>
+            <a:r>
+              <a:t>AXIS 01 of 03</a:t>
+            </a:r>
+          </a:p>
+        </p:txBody>
+      </p:sp>
+      <p:sp>
+        <p:nvSpPr>
+          <p:cNvPr id="4" name="Title"/>
+          <p:cNvSpPr txBox="1"/>
+          <p:nvPr/>
+        </p:nvSpPr>
+        <p:spPr>
+          <a:xfrm>
+            <a:off x="1371600" y="1005840"/>
+            <a:ext cx="11887200" cy="731520"/>
           </a:xfrm>
           <a:prstGeom prst="rect">
             <a:avLst/>
@@ -6072,7 +6437,43 @@
           <a:lstStyle/>
           <a:p>
             <a:pPr algn="l">
-              <a:defRPr sz="1800" b="0">
+              <a:defRPr sz="4000" b="1">
+                <a:solidFill>
+                  <a:srgbClr val="FFFFFF"/>
+                </a:solidFill>
+                <a:latin typeface="Calibri"/>
+              </a:defRPr>
+            </a:pPr>
+            <a:r>
+              <a:t>Relative Stability — Pegged vs. Floating</a:t>
+            </a:r>
+          </a:p>
+        </p:txBody>
+      </p:sp>
+      <p:sp>
+        <p:nvSpPr>
+          <p:cNvPr id="5" name="Subtitle"/>
+          <p:cNvSpPr txBox="1"/>
+          <p:nvPr/>
+        </p:nvSpPr>
+        <p:spPr>
+          <a:xfrm>
+            <a:off x="1371600" y="1828800"/>
+            <a:ext cx="11887200" cy="365760"/>
+          </a:xfrm>
+          <a:prstGeom prst="rect">
+            <a:avLst/>
+          </a:prstGeom>
+          <a:noFill/>
+        </p:spPr>
+        <p:txBody>
+          <a:bodyPr wrap="square">
+            <a:spAutoFit/>
+          </a:bodyPr>
+          <a:lstStyle/>
+          <a:p>
+            <a:pPr algn="l">
+              <a:defRPr sz="1600" b="0">
                 <a:solidFill>
                   <a:srgbClr val="BBBBBB"/>
                 </a:solidFill>
@@ -6080,21 +6481,21 @@
               </a:defRPr>
             </a:pPr>
             <a:r>
-              <a:t>The four core mechanisms that keep stablecoins functioning: Deposit → Mint → Burn → Liquidation</a:t>
-            </a:r>
-          </a:p>
-        </p:txBody>
-      </p:sp>
-      <p:sp>
-        <p:nvSpPr>
-          <p:cNvPr id="6" name="Rounded Rectangle 5"/>
+              <a:t>Stability is always relative to something else — what is the stablecoin measuring itself against?</a:t>
+            </a:r>
+          </a:p>
+        </p:txBody>
+      </p:sp>
+      <p:sp>
+        <p:nvSpPr>
+          <p:cNvPr id="10" name="CardPegged"/>
           <p:cNvSpPr/>
           <p:nvPr/>
         </p:nvSpPr>
         <p:spPr>
           <a:xfrm>
-            <a:off x="548640" y="2651760"/>
-            <a:ext cx="3200400" cy="4846320"/>
+            <a:off x="1097280" y="2468880"/>
+            <a:ext cx="5943600" cy="5029200"/>
           </a:xfrm>
           <a:prstGeom prst="roundRect">
             <a:avLst/>
@@ -6106,41 +6507,187 @@
             <a:noFill/>
           </a:ln>
         </p:spPr>
-        <p:style>
-          <a:lnRef idx="1">
-            <a:schemeClr val="accent1"/>
-          </a:lnRef>
-          <a:fillRef idx="3">
-            <a:schemeClr val="accent1"/>
-          </a:fillRef>
-          <a:effectRef idx="2">
-            <a:schemeClr val="accent1"/>
-          </a:effectRef>
-          <a:fontRef idx="minor">
-            <a:schemeClr val="lt1"/>
-          </a:fontRef>
-        </p:style>
         <p:txBody>
           <a:bodyPr rtlCol="0" anchor="ctr"/>
           <a:lstStyle/>
           <a:p>
-            <a:pPr algn="ctr"/>
             <a:endParaRPr/>
           </a:p>
         </p:txBody>
       </p:sp>
       <p:sp>
         <p:nvSpPr>
-          <p:cNvPr id="7" name="Oval 6"/>
+          <p:cNvPr id="11" name="CardPeggedBar"/>
           <p:cNvSpPr/>
           <p:nvPr/>
         </p:nvSpPr>
         <p:spPr>
           <a:xfrm>
-            <a:off x="1691640" y="2788920"/>
-            <a:ext cx="502920" cy="502920"/>
-          </a:xfrm>
-          <a:prstGeom prst="ellipse">
+            <a:off x="1097280" y="2468880"/>
+            <a:ext cx="5943600" cy="91440"/>
+          </a:xfrm>
+          <a:prstGeom prst="roundRect">
+            <a:avLst/>
+          </a:prstGeom>
+          <a:solidFill>
+            <a:srgbClr val="FFCD00"/>
+          </a:solidFill>
+          <a:ln>
+            <a:noFill/>
+          </a:ln>
+        </p:spPr>
+        <p:txBody>
+          <a:bodyPr rtlCol="0" anchor="ctr"/>
+          <a:lstStyle/>
+          <a:p>
+            <a:endParaRPr/>
+          </a:p>
+        </p:txBody>
+      </p:sp>
+      <p:sp>
+        <p:nvSpPr>
+          <p:cNvPr id="12" name="CardPeggedContent"/>
+          <p:cNvSpPr txBox="1"/>
+          <p:nvPr/>
+        </p:nvSpPr>
+        <p:spPr>
+          <a:xfrm>
+            <a:off x="1371600" y="2651760"/>
+            <a:ext cx="5486400" cy="4846320"/>
+          </a:xfrm>
+          <a:prstGeom prst="rect">
+            <a:avLst/>
+          </a:prstGeom>
+          <a:noFill/>
+        </p:spPr>
+        <p:txBody>
+          <a:bodyPr wrap="square">
+            <a:spAutoFit/>
+          </a:bodyPr>
+          <a:lstStyle/>
+          <a:p>
+            <a:pPr algn="l">
+              <a:spcAft>
+                <a:spcPts val="200"/>
+              </a:spcAft>
+              <a:defRPr sz="2400" b="1">
+                <a:solidFill>
+                  <a:srgbClr val="FFCD00"/>
+                </a:solidFill>
+                <a:latin typeface="Calibri"/>
+              </a:defRPr>
+            </a:pPr>
+            <a:r>
+              <a:t>Pegged / Anchored</a:t>
+            </a:r>
+          </a:p>
+          <a:p>
+            <a:pPr algn="l">
+              <a:spcAft>
+                <a:spcPts val="300"/>
+              </a:spcAft>
+              <a:defRPr sz="1300" b="0">
+                <a:solidFill>
+                  <a:srgbClr val="BBBBBB"/>
+                </a:solidFill>
+                <a:latin typeface="Calibri"/>
+              </a:defRPr>
+            </a:pPr>
+            <a:r>
+              <a:t>The most common type. The coin tracks another asset — usually $1 USD — using mechanisms that make it nearly interchangeable with the target.</a:t>
+            </a:r>
+          </a:p>
+          <a:p>
+            <a:pPr algn="l">
+              <a:spcAft>
+                <a:spcPts val="150"/>
+              </a:spcAft>
+              <a:defRPr sz="1300" b="0">
+                <a:solidFill>
+                  <a:srgbClr val="BBBBBB"/>
+                </a:solidFill>
+                <a:latin typeface="Calibri"/>
+              </a:defRPr>
+            </a:pPr>
+            <a:r>
+              <a:t>• USDC: 1 token redeemable for $1 USD in reserves</a:t>
+            </a:r>
+          </a:p>
+          <a:p>
+            <a:pPr algn="l">
+              <a:spcAft>
+                <a:spcPts val="150"/>
+              </a:spcAft>
+              <a:defRPr sz="1300" b="0">
+                <a:solidFill>
+                  <a:srgbClr val="BBBBBB"/>
+                </a:solidFill>
+                <a:latin typeface="Calibri"/>
+              </a:defRPr>
+            </a:pPr>
+            <a:r>
+              <a:t>• DAI: over-collateralized crypto positions maintain $1 peg</a:t>
+            </a:r>
+          </a:p>
+          <a:p>
+            <a:pPr algn="l">
+              <a:spcAft>
+                <a:spcPts val="150"/>
+              </a:spcAft>
+              <a:defRPr sz="1300" b="0">
+                <a:solidFill>
+                  <a:srgbClr val="BBBBBB"/>
+                </a:solidFill>
+                <a:latin typeface="Calibri"/>
+              </a:defRPr>
+            </a:pPr>
+            <a:r>
+              <a:t>• Tether (USDT): centralized reserves hold the peg</a:t>
+            </a:r>
+          </a:p>
+        </p:txBody>
+      </p:sp>
+      <p:sp>
+        <p:nvSpPr>
+          <p:cNvPr id="20" name="CardFloating"/>
+          <p:cNvSpPr/>
+          <p:nvPr/>
+        </p:nvSpPr>
+        <p:spPr>
+          <a:xfrm>
+            <a:off x="7588800" y="2468880"/>
+            <a:ext cx="5943600" cy="5029200"/>
+          </a:xfrm>
+          <a:prstGeom prst="roundRect">
+            <a:avLst/>
+          </a:prstGeom>
+          <a:solidFill>
+            <a:srgbClr val="1A1A2E"/>
+          </a:solidFill>
+          <a:ln>
+            <a:noFill/>
+          </a:ln>
+        </p:spPr>
+        <p:txBody>
+          <a:bodyPr rtlCol="0" anchor="ctr"/>
+          <a:lstStyle/>
+          <a:p>
+            <a:endParaRPr/>
+          </a:p>
+        </p:txBody>
+      </p:sp>
+      <p:sp>
+        <p:nvSpPr>
+          <p:cNvPr id="21" name="CardFloatingBar"/>
+          <p:cNvSpPr/>
+          <p:nvPr/>
+        </p:nvSpPr>
+        <p:spPr>
+          <a:xfrm>
+            <a:off x="7588800" y="2468880"/>
+            <a:ext cx="5943600" cy="91440"/>
+          </a:xfrm>
+          <a:prstGeom prst="roundRect">
             <a:avLst/>
           </a:prstGeom>
           <a:solidFill>
@@ -6150,61 +6697,41 @@
             <a:noFill/>
           </a:ln>
         </p:spPr>
-        <p:style>
-          <a:lnRef idx="1">
-            <a:schemeClr val="accent1"/>
-          </a:lnRef>
-          <a:fillRef idx="3">
-            <a:schemeClr val="accent1"/>
-          </a:fillRef>
-          <a:effectRef idx="2">
-            <a:schemeClr val="accent1"/>
-          </a:effectRef>
-          <a:fontRef idx="minor">
-            <a:schemeClr val="lt1"/>
-          </a:fontRef>
-        </p:style>
         <p:txBody>
           <a:bodyPr rtlCol="0" anchor="ctr"/>
           <a:lstStyle/>
           <a:p>
-            <a:pPr algn="ctr">
-              <a:defRPr sz="1800" b="1">
-                <a:solidFill>
-                  <a:srgbClr val="FFFFFF"/>
-                </a:solidFill>
-              </a:defRPr>
-            </a:pPr>
-            <a:r>
-              <a:t>1</a:t>
-            </a:r>
-          </a:p>
-        </p:txBody>
-      </p:sp>
-      <p:sp>
-        <p:nvSpPr>
-          <p:cNvPr id="8" name="TextBox 7"/>
-          <p:cNvSpPr txBox="1"/>
-          <p:nvPr/>
-        </p:nvSpPr>
-        <p:spPr>
-          <a:xfrm>
-            <a:off x="822960" y="3383280"/>
-            <a:ext cx="2834640" cy="457200"/>
-          </a:xfrm>
-          <a:prstGeom prst="rect">
-            <a:avLst/>
-          </a:prstGeom>
-          <a:noFill/>
-        </p:spPr>
-        <p:txBody>
-          <a:bodyPr wrap="square">
-            <a:spAutoFit/>
-          </a:bodyPr>
-          <a:lstStyle/>
-          <a:p>
-            <a:pPr algn="ctr">
-              <a:defRPr sz="2000" b="1">
+            <a:endParaRPr/>
+          </a:p>
+        </p:txBody>
+      </p:sp>
+      <p:sp>
+        <p:nvSpPr>
+          <p:cNvPr id="22" name="CardFloatingContent"/>
+          <p:cNvSpPr txBox="1"/>
+          <p:nvPr/>
+        </p:nvSpPr>
+        <p:spPr>
+          <a:xfrm>
+            <a:off x="7863120" y="2651760"/>
+            <a:ext cx="5486400" cy="4846320"/>
+          </a:xfrm>
+          <a:prstGeom prst="rect">
+            <a:avLst/>
+          </a:prstGeom>
+          <a:noFill/>
+        </p:spPr>
+        <p:txBody>
+          <a:bodyPr wrap="square">
+            <a:spAutoFit/>
+          </a:bodyPr>
+          <a:lstStyle/>
+          <a:p>
+            <a:pPr algn="l">
+              <a:spcAft>
+                <a:spcPts val="200"/>
+              </a:spcAft>
+              <a:defRPr sz="2400" b="1">
                 <a:solidFill>
                   <a:srgbClr val="00B4D8"/>
                 </a:solidFill>
@@ -6212,74 +6739,15 @@
               </a:defRPr>
             </a:pPr>
             <a:r>
-              <a:t>📥  DEPOSIT</a:t>
-            </a:r>
-          </a:p>
-        </p:txBody>
-      </p:sp>
-      <p:sp>
-        <p:nvSpPr>
-          <p:cNvPr id="9" name="TextBox 8"/>
-          <p:cNvSpPr txBox="1"/>
-          <p:nvPr/>
-        </p:nvSpPr>
-        <p:spPr>
-          <a:xfrm>
-            <a:off x="822960" y="3840480"/>
-            <a:ext cx="2834640" cy="365760"/>
-          </a:xfrm>
-          <a:prstGeom prst="rect">
-            <a:avLst/>
-          </a:prstGeom>
-          <a:noFill/>
-        </p:spPr>
-        <p:txBody>
-          <a:bodyPr wrap="square">
-            <a:spAutoFit/>
-          </a:bodyPr>
-          <a:lstStyle/>
-          <a:p>
-            <a:pPr algn="ctr">
-              <a:defRPr sz="1600" b="1">
-                <a:solidFill>
-                  <a:srgbClr val="FFFFFF"/>
-                </a:solidFill>
-                <a:latin typeface="Calibri"/>
-              </a:defRPr>
-            </a:pPr>
-            <a:r>
-              <a:t>Lock Collateral</a:t>
-            </a:r>
-          </a:p>
-        </p:txBody>
-      </p:sp>
-      <p:sp>
-        <p:nvSpPr>
-          <p:cNvPr id="10" name="TextBox 9"/>
-          <p:cNvSpPr txBox="1"/>
-          <p:nvPr/>
-        </p:nvSpPr>
-        <p:spPr>
-          <a:xfrm>
-            <a:off x="731520" y="4389120"/>
-            <a:ext cx="2834640" cy="1821011"/>
-          </a:xfrm>
-          <a:prstGeom prst="rect">
-            <a:avLst/>
-          </a:prstGeom>
-          <a:noFill/>
-        </p:spPr>
-        <p:txBody>
-          <a:bodyPr wrap="square">
-            <a:spAutoFit/>
-          </a:bodyPr>
-          <a:lstStyle/>
-          <a:p>
-            <a:pPr>
+              <a:t>Floating</a:t>
+            </a:r>
+          </a:p>
+          <a:p>
+            <a:pPr algn="l">
               <a:spcAft>
-                <a:spcPts val="400"/>
+                <a:spcPts val="300"/>
               </a:spcAft>
-              <a:defRPr sz="1100">
+              <a:defRPr sz="1300" b="0">
                 <a:solidFill>
                   <a:srgbClr val="BBBBBB"/>
                 </a:solidFill>
@@ -6287,24 +6755,15 @@
               </a:defRPr>
             </a:pPr>
             <a:r>
-              <a:rPr dirty="0"/>
-              <a:t>•  User deposits collateral (</a:t>
-            </a:r>
-            <a:r>
-              <a:rPr lang="en-US" dirty="0"/>
-              <a:t>MOVE,</a:t>
-            </a:r>
-            <a:r>
-              <a:rPr dirty="0"/>
-              <a:t> BTC, etc.) into a Vault / CDP smart contract</a:t>
-            </a:r>
-          </a:p>
-          <a:p>
-            <a:pPr>
+              <a:t>Not pegged to any external asset. Instead it targets stable buying power — the ability to purchase the same basket of goods over time.</a:t>
+            </a:r>
+          </a:p>
+          <a:p>
+            <a:pPr algn="l">
               <a:spcAft>
-                <a:spcPts val="400"/>
+                <a:spcPts val="200"/>
               </a:spcAft>
-              <a:defRPr sz="1100">
+              <a:defRPr sz="1300" b="0">
                 <a:solidFill>
                   <a:srgbClr val="BBBBBB"/>
                 </a:solidFill>
@@ -6312,16 +6771,15 @@
               </a:defRPr>
             </a:pPr>
             <a:r>
-              <a:rPr dirty="0"/>
-              <a:t>•  Collateral is locked and tracked on-chain</a:t>
-            </a:r>
-          </a:p>
-          <a:p>
-            <a:pPr>
+              <a:t>Hypothetically more stable than a pegged coin — immune to the inflation of the pegged asset itself.</a:t>
+            </a:r>
+          </a:p>
+          <a:p>
+            <a:pPr algn="l">
               <a:spcAft>
-                <a:spcPts val="400"/>
+                <a:spcPts val="150"/>
               </a:spcAft>
-              <a:defRPr sz="1100">
+              <a:defRPr sz="1300" b="0">
                 <a:solidFill>
                   <a:srgbClr val="BBBBBB"/>
                 </a:solidFill>
@@ -6329,16 +6787,15 @@
               </a:defRPr>
             </a:pPr>
             <a:r>
-              <a:rPr dirty="0"/>
-              <a:t>•  Collateral ratio must exceed minimum (e.g. 150%)</a:t>
-            </a:r>
-          </a:p>
-          <a:p>
-            <a:pPr>
+              <a:t>• RAI: purely algorithmic, ETH-backed, truly floating</a:t>
+            </a:r>
+          </a:p>
+          <a:p>
+            <a:pPr algn="l">
               <a:spcAft>
-                <a:spcPts val="400"/>
+                <a:spcPts val="150"/>
               </a:spcAft>
-              <a:defRPr sz="1100">
+              <a:defRPr sz="1300" b="0">
                 <a:solidFill>
                   <a:srgbClr val="BBBBBB"/>
                 </a:solidFill>
@@ -6346,1026 +6803,7 @@
               </a:defRPr>
             </a:pPr>
             <a:r>
-              <a:rPr dirty="0"/>
-              <a:t>•  Over-collateralization protects against volatility</a:t>
-            </a:r>
-          </a:p>
-          <a:p>
-            <a:pPr>
-              <a:spcAft>
-                <a:spcPts val="400"/>
-              </a:spcAft>
-              <a:defRPr sz="1100">
-                <a:solidFill>
-                  <a:srgbClr val="BBBBBB"/>
-                </a:solidFill>
-                <a:latin typeface="Calibri"/>
-              </a:defRPr>
-            </a:pPr>
-            <a:r>
-              <a:rPr dirty="0"/>
-              <a:t>•  Vault records the user's position &amp; debt ratio</a:t>
-            </a:r>
-          </a:p>
-        </p:txBody>
-      </p:sp>
-      <p:sp>
-        <p:nvSpPr>
-          <p:cNvPr id="11" name="TextBox 10"/>
-          <p:cNvSpPr txBox="1"/>
-          <p:nvPr/>
-        </p:nvSpPr>
-        <p:spPr>
-          <a:xfrm>
-            <a:off x="3703320" y="4754880"/>
-            <a:ext cx="457200" cy="457200"/>
-          </a:xfrm>
-          <a:prstGeom prst="rect">
-            <a:avLst/>
-          </a:prstGeom>
-          <a:noFill/>
-        </p:spPr>
-        <p:txBody>
-          <a:bodyPr wrap="square">
-            <a:spAutoFit/>
-          </a:bodyPr>
-          <a:lstStyle/>
-          <a:p>
-            <a:pPr algn="ctr">
-              <a:defRPr sz="2800" b="0">
-                <a:solidFill>
-                  <a:srgbClr val="FFCD00"/>
-                </a:solidFill>
-                <a:latin typeface="Calibri"/>
-              </a:defRPr>
-            </a:pPr>
-            <a:r>
-              <a:t>→</a:t>
-            </a:r>
-          </a:p>
-        </p:txBody>
-      </p:sp>
-      <p:sp>
-        <p:nvSpPr>
-          <p:cNvPr id="12" name="Rounded Rectangle 11"/>
-          <p:cNvSpPr/>
-          <p:nvPr/>
-        </p:nvSpPr>
-        <p:spPr>
-          <a:xfrm>
-            <a:off x="4023360" y="2651760"/>
-            <a:ext cx="3200400" cy="4846320"/>
-          </a:xfrm>
-          <a:prstGeom prst="roundRect">
-            <a:avLst/>
-          </a:prstGeom>
-          <a:solidFill>
-            <a:srgbClr val="1A1A2E"/>
-          </a:solidFill>
-          <a:ln>
-            <a:noFill/>
-          </a:ln>
-        </p:spPr>
-        <p:style>
-          <a:lnRef idx="1">
-            <a:schemeClr val="accent1"/>
-          </a:lnRef>
-          <a:fillRef idx="3">
-            <a:schemeClr val="accent1"/>
-          </a:fillRef>
-          <a:effectRef idx="2">
-            <a:schemeClr val="accent1"/>
-          </a:effectRef>
-          <a:fontRef idx="minor">
-            <a:schemeClr val="lt1"/>
-          </a:fontRef>
-        </p:style>
-        <p:txBody>
-          <a:bodyPr rtlCol="0" anchor="ctr"/>
-          <a:lstStyle/>
-          <a:p>
-            <a:pPr algn="ctr"/>
-            <a:endParaRPr/>
-          </a:p>
-        </p:txBody>
-      </p:sp>
-      <p:sp>
-        <p:nvSpPr>
-          <p:cNvPr id="13" name="Oval 12"/>
-          <p:cNvSpPr/>
-          <p:nvPr/>
-        </p:nvSpPr>
-        <p:spPr>
-          <a:xfrm>
-            <a:off x="5166360" y="2788920"/>
-            <a:ext cx="502920" cy="502920"/>
-          </a:xfrm>
-          <a:prstGeom prst="ellipse">
-            <a:avLst/>
-          </a:prstGeom>
-          <a:solidFill>
-            <a:srgbClr val="00E676"/>
-          </a:solidFill>
-          <a:ln>
-            <a:noFill/>
-          </a:ln>
-        </p:spPr>
-        <p:style>
-          <a:lnRef idx="1">
-            <a:schemeClr val="accent1"/>
-          </a:lnRef>
-          <a:fillRef idx="3">
-            <a:schemeClr val="accent1"/>
-          </a:fillRef>
-          <a:effectRef idx="2">
-            <a:schemeClr val="accent1"/>
-          </a:effectRef>
-          <a:fontRef idx="minor">
-            <a:schemeClr val="lt1"/>
-          </a:fontRef>
-        </p:style>
-        <p:txBody>
-          <a:bodyPr rtlCol="0" anchor="ctr"/>
-          <a:lstStyle/>
-          <a:p>
-            <a:pPr algn="ctr">
-              <a:defRPr sz="1800" b="1">
-                <a:solidFill>
-                  <a:srgbClr val="FFFFFF"/>
-                </a:solidFill>
-              </a:defRPr>
-            </a:pPr>
-            <a:r>
-              <a:t>2</a:t>
-            </a:r>
-          </a:p>
-        </p:txBody>
-      </p:sp>
-      <p:sp>
-        <p:nvSpPr>
-          <p:cNvPr id="14" name="TextBox 13"/>
-          <p:cNvSpPr txBox="1"/>
-          <p:nvPr/>
-        </p:nvSpPr>
-        <p:spPr>
-          <a:xfrm>
-            <a:off x="4297680" y="3383280"/>
-            <a:ext cx="2834640" cy="457200"/>
-          </a:xfrm>
-          <a:prstGeom prst="rect">
-            <a:avLst/>
-          </a:prstGeom>
-          <a:noFill/>
-        </p:spPr>
-        <p:txBody>
-          <a:bodyPr wrap="square">
-            <a:spAutoFit/>
-          </a:bodyPr>
-          <a:lstStyle/>
-          <a:p>
-            <a:pPr algn="ctr">
-              <a:defRPr sz="2000" b="1">
-                <a:solidFill>
-                  <a:srgbClr val="00E676"/>
-                </a:solidFill>
-                <a:latin typeface="Calibri"/>
-              </a:defRPr>
-            </a:pPr>
-            <a:r>
-              <a:t>🪙  MINT</a:t>
-            </a:r>
-          </a:p>
-        </p:txBody>
-      </p:sp>
-      <p:sp>
-        <p:nvSpPr>
-          <p:cNvPr id="15" name="TextBox 14"/>
-          <p:cNvSpPr txBox="1"/>
-          <p:nvPr/>
-        </p:nvSpPr>
-        <p:spPr>
-          <a:xfrm>
-            <a:off x="4297680" y="3840480"/>
-            <a:ext cx="2834640" cy="365760"/>
-          </a:xfrm>
-          <a:prstGeom prst="rect">
-            <a:avLst/>
-          </a:prstGeom>
-          <a:noFill/>
-        </p:spPr>
-        <p:txBody>
-          <a:bodyPr wrap="square">
-            <a:spAutoFit/>
-          </a:bodyPr>
-          <a:lstStyle/>
-          <a:p>
-            <a:pPr algn="ctr">
-              <a:defRPr sz="1600" b="1">
-                <a:solidFill>
-                  <a:srgbClr val="FFFFFF"/>
-                </a:solidFill>
-                <a:latin typeface="Calibri"/>
-              </a:defRPr>
-            </a:pPr>
-            <a:r>
-              <a:t>Create Stablecoins</a:t>
-            </a:r>
-          </a:p>
-        </p:txBody>
-      </p:sp>
-      <p:sp>
-        <p:nvSpPr>
-          <p:cNvPr id="16" name="TextBox 15"/>
-          <p:cNvSpPr txBox="1"/>
-          <p:nvPr/>
-        </p:nvSpPr>
-        <p:spPr>
-          <a:xfrm>
-            <a:off x="4206240" y="4389120"/>
-            <a:ext cx="2834640" cy="2926080"/>
-          </a:xfrm>
-          <a:prstGeom prst="rect">
-            <a:avLst/>
-          </a:prstGeom>
-          <a:noFill/>
-        </p:spPr>
-        <p:txBody>
-          <a:bodyPr wrap="square">
-            <a:spAutoFit/>
-          </a:bodyPr>
-          <a:lstStyle/>
-          <a:p>
-            <a:pPr>
-              <a:spcAft>
-                <a:spcPts val="400"/>
-              </a:spcAft>
-              <a:defRPr sz="1100">
-                <a:solidFill>
-                  <a:srgbClr val="BBBBBB"/>
-                </a:solidFill>
-                <a:latin typeface="Calibri"/>
-              </a:defRPr>
-            </a:pPr>
-            <a:r>
-              <a:t>•  Smart contract mints new stablecoins against locked collateral</a:t>
-            </a:r>
-          </a:p>
-          <a:p>
-            <a:pPr>
-              <a:spcAft>
-                <a:spcPts val="400"/>
-              </a:spcAft>
-              <a:defRPr sz="1100">
-                <a:solidFill>
-                  <a:srgbClr val="BBBBBB"/>
-                </a:solidFill>
-                <a:latin typeface="Calibri"/>
-              </a:defRPr>
-            </a:pPr>
-            <a:r>
-              <a:t>•  Amount minted is limited by collateral ratio</a:t>
-            </a:r>
-          </a:p>
-          <a:p>
-            <a:pPr>
-              <a:spcAft>
-                <a:spcPts val="400"/>
-              </a:spcAft>
-              <a:defRPr sz="1100">
-                <a:solidFill>
-                  <a:srgbClr val="BBBBBB"/>
-                </a:solidFill>
-                <a:latin typeface="Calibri"/>
-              </a:defRPr>
-            </a:pPr>
-            <a:r>
-              <a:t>•  e.g. $1500 ETH → mint up to $1000 stablecoins</a:t>
-            </a:r>
-          </a:p>
-          <a:p>
-            <a:pPr>
-              <a:spcAft>
-                <a:spcPts val="400"/>
-              </a:spcAft>
-              <a:defRPr sz="1100">
-                <a:solidFill>
-                  <a:srgbClr val="BBBBBB"/>
-                </a:solidFill>
-                <a:latin typeface="Calibri"/>
-              </a:defRPr>
-            </a:pPr>
-            <a:r>
-              <a:t>•  Minted tokens are sent to the user's wallet</a:t>
-            </a:r>
-          </a:p>
-          <a:p>
-            <a:pPr>
-              <a:spcAft>
-                <a:spcPts val="400"/>
-              </a:spcAft>
-              <a:defRPr sz="1100">
-                <a:solidFill>
-                  <a:srgbClr val="BBBBBB"/>
-                </a:solidFill>
-                <a:latin typeface="Calibri"/>
-              </a:defRPr>
-            </a:pPr>
-            <a:r>
-              <a:t>•  Debt is recorded — user now owes the protocol</a:t>
-            </a:r>
-          </a:p>
-        </p:txBody>
-      </p:sp>
-      <p:sp>
-        <p:nvSpPr>
-          <p:cNvPr id="17" name="TextBox 16"/>
-          <p:cNvSpPr txBox="1"/>
-          <p:nvPr/>
-        </p:nvSpPr>
-        <p:spPr>
-          <a:xfrm>
-            <a:off x="7178040" y="4754880"/>
-            <a:ext cx="457200" cy="457200"/>
-          </a:xfrm>
-          <a:prstGeom prst="rect">
-            <a:avLst/>
-          </a:prstGeom>
-          <a:noFill/>
-        </p:spPr>
-        <p:txBody>
-          <a:bodyPr wrap="square">
-            <a:spAutoFit/>
-          </a:bodyPr>
-          <a:lstStyle/>
-          <a:p>
-            <a:pPr algn="ctr">
-              <a:defRPr sz="2800" b="0">
-                <a:solidFill>
-                  <a:srgbClr val="FFCD00"/>
-                </a:solidFill>
-                <a:latin typeface="Calibri"/>
-              </a:defRPr>
-            </a:pPr>
-            <a:r>
-              <a:t>→</a:t>
-            </a:r>
-          </a:p>
-        </p:txBody>
-      </p:sp>
-      <p:sp>
-        <p:nvSpPr>
-          <p:cNvPr id="18" name="Rounded Rectangle 17"/>
-          <p:cNvSpPr/>
-          <p:nvPr/>
-        </p:nvSpPr>
-        <p:spPr>
-          <a:xfrm>
-            <a:off x="7498079" y="2651760"/>
-            <a:ext cx="3200400" cy="4846320"/>
-          </a:xfrm>
-          <a:prstGeom prst="roundRect">
-            <a:avLst/>
-          </a:prstGeom>
-          <a:solidFill>
-            <a:srgbClr val="1A1A2E"/>
-          </a:solidFill>
-          <a:ln>
-            <a:noFill/>
-          </a:ln>
-        </p:spPr>
-        <p:style>
-          <a:lnRef idx="1">
-            <a:schemeClr val="accent1"/>
-          </a:lnRef>
-          <a:fillRef idx="3">
-            <a:schemeClr val="accent1"/>
-          </a:fillRef>
-          <a:effectRef idx="2">
-            <a:schemeClr val="accent1"/>
-          </a:effectRef>
-          <a:fontRef idx="minor">
-            <a:schemeClr val="lt1"/>
-          </a:fontRef>
-        </p:style>
-        <p:txBody>
-          <a:bodyPr rtlCol="0" anchor="ctr"/>
-          <a:lstStyle/>
-          <a:p>
-            <a:pPr algn="ctr"/>
-            <a:endParaRPr/>
-          </a:p>
-        </p:txBody>
-      </p:sp>
-      <p:sp>
-        <p:nvSpPr>
-          <p:cNvPr id="19" name="Oval 18"/>
-          <p:cNvSpPr/>
-          <p:nvPr/>
-        </p:nvSpPr>
-        <p:spPr>
-          <a:xfrm>
-            <a:off x="8641079" y="2788920"/>
-            <a:ext cx="502920" cy="502920"/>
-          </a:xfrm>
-          <a:prstGeom prst="ellipse">
-            <a:avLst/>
-          </a:prstGeom>
-          <a:solidFill>
-            <a:srgbClr val="FFA500"/>
-          </a:solidFill>
-          <a:ln>
-            <a:noFill/>
-          </a:ln>
-        </p:spPr>
-        <p:style>
-          <a:lnRef idx="1">
-            <a:schemeClr val="accent1"/>
-          </a:lnRef>
-          <a:fillRef idx="3">
-            <a:schemeClr val="accent1"/>
-          </a:fillRef>
-          <a:effectRef idx="2">
-            <a:schemeClr val="accent1"/>
-          </a:effectRef>
-          <a:fontRef idx="minor">
-            <a:schemeClr val="lt1"/>
-          </a:fontRef>
-        </p:style>
-        <p:txBody>
-          <a:bodyPr rtlCol="0" anchor="ctr"/>
-          <a:lstStyle/>
-          <a:p>
-            <a:pPr algn="ctr">
-              <a:defRPr sz="1800" b="1">
-                <a:solidFill>
-                  <a:srgbClr val="FFFFFF"/>
-                </a:solidFill>
-              </a:defRPr>
-            </a:pPr>
-            <a:r>
-              <a:t>3</a:t>
-            </a:r>
-          </a:p>
-        </p:txBody>
-      </p:sp>
-      <p:sp>
-        <p:nvSpPr>
-          <p:cNvPr id="20" name="TextBox 19"/>
-          <p:cNvSpPr txBox="1"/>
-          <p:nvPr/>
-        </p:nvSpPr>
-        <p:spPr>
-          <a:xfrm>
-            <a:off x="7772399" y="3383280"/>
-            <a:ext cx="2834640" cy="457200"/>
-          </a:xfrm>
-          <a:prstGeom prst="rect">
-            <a:avLst/>
-          </a:prstGeom>
-          <a:noFill/>
-        </p:spPr>
-        <p:txBody>
-          <a:bodyPr wrap="square">
-            <a:spAutoFit/>
-          </a:bodyPr>
-          <a:lstStyle/>
-          <a:p>
-            <a:pPr algn="ctr">
-              <a:defRPr sz="2000" b="1">
-                <a:solidFill>
-                  <a:srgbClr val="FFA500"/>
-                </a:solidFill>
-                <a:latin typeface="Calibri"/>
-              </a:defRPr>
-            </a:pPr>
-            <a:r>
-              <a:t>🔥  BURN</a:t>
-            </a:r>
-          </a:p>
-        </p:txBody>
-      </p:sp>
-      <p:sp>
-        <p:nvSpPr>
-          <p:cNvPr id="21" name="TextBox 20"/>
-          <p:cNvSpPr txBox="1"/>
-          <p:nvPr/>
-        </p:nvSpPr>
-        <p:spPr>
-          <a:xfrm>
-            <a:off x="7772399" y="3840480"/>
-            <a:ext cx="2834640" cy="365760"/>
-          </a:xfrm>
-          <a:prstGeom prst="rect">
-            <a:avLst/>
-          </a:prstGeom>
-          <a:noFill/>
-        </p:spPr>
-        <p:txBody>
-          <a:bodyPr wrap="square">
-            <a:spAutoFit/>
-          </a:bodyPr>
-          <a:lstStyle/>
-          <a:p>
-            <a:pPr algn="ctr">
-              <a:defRPr sz="1600" b="1">
-                <a:solidFill>
-                  <a:srgbClr val="FFFFFF"/>
-                </a:solidFill>
-                <a:latin typeface="Calibri"/>
-              </a:defRPr>
-            </a:pPr>
-            <a:r>
-              <a:t>Repay &amp; Redeem</a:t>
-            </a:r>
-          </a:p>
-        </p:txBody>
-      </p:sp>
-      <p:sp>
-        <p:nvSpPr>
-          <p:cNvPr id="22" name="TextBox 21"/>
-          <p:cNvSpPr txBox="1"/>
-          <p:nvPr/>
-        </p:nvSpPr>
-        <p:spPr>
-          <a:xfrm>
-            <a:off x="7680959" y="4389120"/>
-            <a:ext cx="2834640" cy="2926080"/>
-          </a:xfrm>
-          <a:prstGeom prst="rect">
-            <a:avLst/>
-          </a:prstGeom>
-          <a:noFill/>
-        </p:spPr>
-        <p:txBody>
-          <a:bodyPr wrap="square">
-            <a:spAutoFit/>
-          </a:bodyPr>
-          <a:lstStyle/>
-          <a:p>
-            <a:pPr>
-              <a:spcAft>
-                <a:spcPts val="400"/>
-              </a:spcAft>
-              <a:defRPr sz="1100">
-                <a:solidFill>
-                  <a:srgbClr val="BBBBBB"/>
-                </a:solidFill>
-                <a:latin typeface="Calibri"/>
-              </a:defRPr>
-            </a:pPr>
-            <a:r>
-              <a:t>•  User returns stablecoins to repay debt</a:t>
-            </a:r>
-          </a:p>
-          <a:p>
-            <a:pPr>
-              <a:spcAft>
-                <a:spcPts val="400"/>
-              </a:spcAft>
-              <a:defRPr sz="1100">
-                <a:solidFill>
-                  <a:srgbClr val="BBBBBB"/>
-                </a:solidFill>
-                <a:latin typeface="Calibri"/>
-              </a:defRPr>
-            </a:pPr>
-            <a:r>
-              <a:t>•  Smart contract burns (destroys) the returned tokens</a:t>
-            </a:r>
-          </a:p>
-          <a:p>
-            <a:pPr>
-              <a:spcAft>
-                <a:spcPts val="400"/>
-              </a:spcAft>
-              <a:defRPr sz="1100">
-                <a:solidFill>
-                  <a:srgbClr val="BBBBBB"/>
-                </a:solidFill>
-                <a:latin typeface="Calibri"/>
-              </a:defRPr>
-            </a:pPr>
-            <a:r>
-              <a:t>•  Reduces total supply — maintaining the peg</a:t>
-            </a:r>
-          </a:p>
-          <a:p>
-            <a:pPr>
-              <a:spcAft>
-                <a:spcPts val="400"/>
-              </a:spcAft>
-              <a:defRPr sz="1100">
-                <a:solidFill>
-                  <a:srgbClr val="BBBBBB"/>
-                </a:solidFill>
-                <a:latin typeface="Calibri"/>
-              </a:defRPr>
-            </a:pPr>
-            <a:r>
-              <a:t>•  Collateral is unlocked and returned to user</a:t>
-            </a:r>
-          </a:p>
-          <a:p>
-            <a:pPr>
-              <a:spcAft>
-                <a:spcPts val="400"/>
-              </a:spcAft>
-              <a:defRPr sz="1100">
-                <a:solidFill>
-                  <a:srgbClr val="BBBBBB"/>
-                </a:solidFill>
-                <a:latin typeface="Calibri"/>
-              </a:defRPr>
-            </a:pPr>
-            <a:r>
-              <a:t>•  Stability fee (interest) may be charged</a:t>
-            </a:r>
-          </a:p>
-        </p:txBody>
-      </p:sp>
-      <p:sp>
-        <p:nvSpPr>
-          <p:cNvPr id="23" name="TextBox 22"/>
-          <p:cNvSpPr txBox="1"/>
-          <p:nvPr/>
-        </p:nvSpPr>
-        <p:spPr>
-          <a:xfrm>
-            <a:off x="10652759" y="4754880"/>
-            <a:ext cx="457200" cy="457200"/>
-          </a:xfrm>
-          <a:prstGeom prst="rect">
-            <a:avLst/>
-          </a:prstGeom>
-          <a:noFill/>
-        </p:spPr>
-        <p:txBody>
-          <a:bodyPr wrap="square">
-            <a:spAutoFit/>
-          </a:bodyPr>
-          <a:lstStyle/>
-          <a:p>
-            <a:pPr algn="ctr">
-              <a:defRPr sz="2800" b="0">
-                <a:solidFill>
-                  <a:srgbClr val="FFCD00"/>
-                </a:solidFill>
-                <a:latin typeface="Calibri"/>
-              </a:defRPr>
-            </a:pPr>
-            <a:r>
-              <a:t>→</a:t>
-            </a:r>
-          </a:p>
-        </p:txBody>
-      </p:sp>
-      <p:sp>
-        <p:nvSpPr>
-          <p:cNvPr id="24" name="Rounded Rectangle 23"/>
-          <p:cNvSpPr/>
-          <p:nvPr/>
-        </p:nvSpPr>
-        <p:spPr>
-          <a:xfrm>
-            <a:off x="10972800" y="2651760"/>
-            <a:ext cx="3200400" cy="4846320"/>
-          </a:xfrm>
-          <a:prstGeom prst="roundRect">
-            <a:avLst/>
-          </a:prstGeom>
-          <a:solidFill>
-            <a:srgbClr val="1A1A2E"/>
-          </a:solidFill>
-          <a:ln>
-            <a:noFill/>
-          </a:ln>
-        </p:spPr>
-        <p:style>
-          <a:lnRef idx="1">
-            <a:schemeClr val="accent1"/>
-          </a:lnRef>
-          <a:fillRef idx="3">
-            <a:schemeClr val="accent1"/>
-          </a:fillRef>
-          <a:effectRef idx="2">
-            <a:schemeClr val="accent1"/>
-          </a:effectRef>
-          <a:fontRef idx="minor">
-            <a:schemeClr val="lt1"/>
-          </a:fontRef>
-        </p:style>
-        <p:txBody>
-          <a:bodyPr rtlCol="0" anchor="ctr"/>
-          <a:lstStyle/>
-          <a:p>
-            <a:pPr algn="ctr"/>
-            <a:endParaRPr/>
-          </a:p>
-        </p:txBody>
-      </p:sp>
-      <p:sp>
-        <p:nvSpPr>
-          <p:cNvPr id="25" name="Oval 24"/>
-          <p:cNvSpPr/>
-          <p:nvPr/>
-        </p:nvSpPr>
-        <p:spPr>
-          <a:xfrm>
-            <a:off x="12115800" y="2788920"/>
-            <a:ext cx="502920" cy="502920"/>
-          </a:xfrm>
-          <a:prstGeom prst="ellipse">
-            <a:avLst/>
-          </a:prstGeom>
-          <a:solidFill>
-            <a:srgbClr val="FF6B6B"/>
-          </a:solidFill>
-          <a:ln>
-            <a:noFill/>
-          </a:ln>
-        </p:spPr>
-        <p:style>
-          <a:lnRef idx="1">
-            <a:schemeClr val="accent1"/>
-          </a:lnRef>
-          <a:fillRef idx="3">
-            <a:schemeClr val="accent1"/>
-          </a:fillRef>
-          <a:effectRef idx="2">
-            <a:schemeClr val="accent1"/>
-          </a:effectRef>
-          <a:fontRef idx="minor">
-            <a:schemeClr val="lt1"/>
-          </a:fontRef>
-        </p:style>
-        <p:txBody>
-          <a:bodyPr rtlCol="0" anchor="ctr"/>
-          <a:lstStyle/>
-          <a:p>
-            <a:pPr algn="ctr">
-              <a:defRPr sz="1800" b="1">
-                <a:solidFill>
-                  <a:srgbClr val="FFFFFF"/>
-                </a:solidFill>
-              </a:defRPr>
-            </a:pPr>
-            <a:r>
-              <a:t>4</a:t>
-            </a:r>
-          </a:p>
-        </p:txBody>
-      </p:sp>
-      <p:sp>
-        <p:nvSpPr>
-          <p:cNvPr id="26" name="TextBox 25"/>
-          <p:cNvSpPr txBox="1"/>
-          <p:nvPr/>
-        </p:nvSpPr>
-        <p:spPr>
-          <a:xfrm>
-            <a:off x="11247120" y="3383280"/>
-            <a:ext cx="2834640" cy="457200"/>
-          </a:xfrm>
-          <a:prstGeom prst="rect">
-            <a:avLst/>
-          </a:prstGeom>
-          <a:noFill/>
-        </p:spPr>
-        <p:txBody>
-          <a:bodyPr wrap="square">
-            <a:spAutoFit/>
-          </a:bodyPr>
-          <a:lstStyle/>
-          <a:p>
-            <a:pPr algn="ctr">
-              <a:defRPr sz="2000" b="1">
-                <a:solidFill>
-                  <a:srgbClr val="FF6B6B"/>
-                </a:solidFill>
-                <a:latin typeface="Calibri"/>
-              </a:defRPr>
-            </a:pPr>
-            <a:r>
-              <a:t>⚠️  LIQUIDATION</a:t>
-            </a:r>
-          </a:p>
-        </p:txBody>
-      </p:sp>
-      <p:sp>
-        <p:nvSpPr>
-          <p:cNvPr id="27" name="TextBox 26"/>
-          <p:cNvSpPr txBox="1"/>
-          <p:nvPr/>
-        </p:nvSpPr>
-        <p:spPr>
-          <a:xfrm>
-            <a:off x="11247120" y="3840480"/>
-            <a:ext cx="2834640" cy="365760"/>
-          </a:xfrm>
-          <a:prstGeom prst="rect">
-            <a:avLst/>
-          </a:prstGeom>
-          <a:noFill/>
-        </p:spPr>
-        <p:txBody>
-          <a:bodyPr wrap="square">
-            <a:spAutoFit/>
-          </a:bodyPr>
-          <a:lstStyle/>
-          <a:p>
-            <a:pPr algn="ctr">
-              <a:defRPr sz="1600" b="1">
-                <a:solidFill>
-                  <a:srgbClr val="FFFFFF"/>
-                </a:solidFill>
-                <a:latin typeface="Calibri"/>
-              </a:defRPr>
-            </a:pPr>
-            <a:r>
-              <a:t>Forced Closure</a:t>
-            </a:r>
-          </a:p>
-        </p:txBody>
-      </p:sp>
-      <p:sp>
-        <p:nvSpPr>
-          <p:cNvPr id="28" name="TextBox 27"/>
-          <p:cNvSpPr txBox="1"/>
-          <p:nvPr/>
-        </p:nvSpPr>
-        <p:spPr>
-          <a:xfrm>
-            <a:off x="11155680" y="4389120"/>
-            <a:ext cx="2834640" cy="2926080"/>
-          </a:xfrm>
-          <a:prstGeom prst="rect">
-            <a:avLst/>
-          </a:prstGeom>
-          <a:noFill/>
-        </p:spPr>
-        <p:txBody>
-          <a:bodyPr wrap="square">
-            <a:spAutoFit/>
-          </a:bodyPr>
-          <a:lstStyle/>
-          <a:p>
-            <a:pPr>
-              <a:spcAft>
-                <a:spcPts val="400"/>
-              </a:spcAft>
-              <a:defRPr sz="1100">
-                <a:solidFill>
-                  <a:srgbClr val="BBBBBB"/>
-                </a:solidFill>
-                <a:latin typeface="Calibri"/>
-              </a:defRPr>
-            </a:pPr>
-            <a:r>
-              <a:t>•  Triggered when collateral ratio falls below minimum</a:t>
-            </a:r>
-          </a:p>
-          <a:p>
-            <a:pPr>
-              <a:spcAft>
-                <a:spcPts val="400"/>
-              </a:spcAft>
-              <a:defRPr sz="1100">
-                <a:solidFill>
-                  <a:srgbClr val="BBBBBB"/>
-                </a:solidFill>
-                <a:latin typeface="Calibri"/>
-              </a:defRPr>
-            </a:pPr>
-            <a:r>
-              <a:t>•  Oracle price feeds detect the collateral value drop</a:t>
-            </a:r>
-          </a:p>
-          <a:p>
-            <a:pPr>
-              <a:spcAft>
-                <a:spcPts val="400"/>
-              </a:spcAft>
-              <a:defRPr sz="1100">
-                <a:solidFill>
-                  <a:srgbClr val="BBBBBB"/>
-                </a:solidFill>
-                <a:latin typeface="Calibri"/>
-              </a:defRPr>
-            </a:pPr>
-            <a:r>
-              <a:t>•  Liquidators repay the debt at a discount</a:t>
-            </a:r>
-          </a:p>
-          <a:p>
-            <a:pPr>
-              <a:spcAft>
-                <a:spcPts val="400"/>
-              </a:spcAft>
-              <a:defRPr sz="1100">
-                <a:solidFill>
-                  <a:srgbClr val="BBBBBB"/>
-                </a:solidFill>
-                <a:latin typeface="Calibri"/>
-              </a:defRPr>
-            </a:pPr>
-            <a:r>
-              <a:t>•  They receive collateral + liquidation bonus (5-10%)</a:t>
-            </a:r>
-          </a:p>
-          <a:p>
-            <a:pPr>
-              <a:spcAft>
-                <a:spcPts val="400"/>
-              </a:spcAft>
-              <a:defRPr sz="1100">
-                <a:solidFill>
-                  <a:srgbClr val="BBBBBB"/>
-                </a:solidFill>
-                <a:latin typeface="Calibri"/>
-              </a:defRPr>
-            </a:pPr>
-            <a:r>
-              <a:t>•  Protects protocol from under-collateralization</a:t>
-            </a:r>
-          </a:p>
-        </p:txBody>
-      </p:sp>
-      <p:sp>
-        <p:nvSpPr>
-          <p:cNvPr id="29" name="Rectangle 28"/>
-          <p:cNvSpPr/>
-          <p:nvPr/>
-        </p:nvSpPr>
-        <p:spPr>
-          <a:xfrm>
-            <a:off x="548640" y="7635240"/>
-            <a:ext cx="13533120" cy="36576"/>
-          </a:xfrm>
-          <a:prstGeom prst="rect">
-            <a:avLst/>
-          </a:prstGeom>
-          <a:solidFill>
-            <a:srgbClr val="FFCD00"/>
-          </a:solidFill>
-          <a:ln>
-            <a:noFill/>
-          </a:ln>
-        </p:spPr>
-        <p:style>
-          <a:lnRef idx="1">
-            <a:schemeClr val="accent1"/>
-          </a:lnRef>
-          <a:fillRef idx="3">
-            <a:schemeClr val="accent1"/>
-          </a:fillRef>
-          <a:effectRef idx="2">
-            <a:schemeClr val="accent1"/>
-          </a:effectRef>
-          <a:fontRef idx="minor">
-            <a:schemeClr val="lt1"/>
-          </a:fontRef>
-        </p:style>
-        <p:txBody>
-          <a:bodyPr rtlCol="0" anchor="ctr"/>
-          <a:lstStyle/>
-          <a:p>
-            <a:pPr algn="ctr"/>
-            <a:endParaRPr/>
-          </a:p>
-        </p:txBody>
-      </p:sp>
-      <p:sp>
-        <p:nvSpPr>
-          <p:cNvPr id="30" name="TextBox 29"/>
-          <p:cNvSpPr txBox="1"/>
-          <p:nvPr/>
-        </p:nvSpPr>
-        <p:spPr>
-          <a:xfrm>
-            <a:off x="548640" y="7726679"/>
-            <a:ext cx="13533120" cy="365760"/>
-          </a:xfrm>
-          <a:prstGeom prst="rect">
-            <a:avLst/>
-          </a:prstGeom>
-          <a:noFill/>
-        </p:spPr>
-        <p:txBody>
-          <a:bodyPr wrap="square">
-            <a:spAutoFit/>
-          </a:bodyPr>
-          <a:lstStyle/>
-          <a:p>
-            <a:pPr algn="ctr">
-              <a:defRPr sz="1200" b="0">
-                <a:solidFill>
-                  <a:srgbClr val="BBBBBB"/>
-                </a:solidFill>
-                <a:latin typeface="Calibri"/>
-              </a:defRPr>
-            </a:pPr>
-            <a:r>
-              <a:t>💡  This cycle maintains the peg: minting increases supply when demand is high, burning decreases it when low, and liquidation ensures solvency.</a:t>
+              <a:t>• No central authority controls minting or burning</a:t>
             </a:r>
           </a:p>
         </p:txBody>
@@ -7405,7 +6843,7 @@
       </p:grpSpPr>
       <p:sp>
         <p:nvSpPr>
-          <p:cNvPr id="2" name="Rectangle 1"/>
+          <p:cNvPr id="2" name="TopBar"/>
           <p:cNvSpPr/>
           <p:nvPr/>
         </p:nvSpPr>
@@ -7424,38 +6862,62 @@
             <a:noFill/>
           </a:ln>
         </p:spPr>
-        <p:style>
-          <a:lnRef idx="1">
-            <a:schemeClr val="accent1"/>
-          </a:lnRef>
-          <a:fillRef idx="3">
-            <a:schemeClr val="accent1"/>
-          </a:fillRef>
-          <a:effectRef idx="2">
-            <a:schemeClr val="accent1"/>
-          </a:effectRef>
-          <a:fontRef idx="minor">
-            <a:schemeClr val="lt1"/>
-          </a:fontRef>
-        </p:style>
         <p:txBody>
           <a:bodyPr rtlCol="0" anchor="ctr"/>
           <a:lstStyle/>
           <a:p>
-            <a:pPr algn="ctr"/>
             <a:endParaRPr/>
           </a:p>
         </p:txBody>
       </p:sp>
       <p:sp>
         <p:nvSpPr>
-          <p:cNvPr id="3" name="TextBox 2"/>
-          <p:cNvSpPr txBox="1"/>
-          <p:nvPr/>
-        </p:nvSpPr>
-        <p:spPr>
-          <a:xfrm>
-            <a:off x="1371600" y="731520"/>
+          <p:cNvPr id="3" name="Pill"/>
+          <p:cNvSpPr/>
+          <p:nvPr/>
+        </p:nvSpPr>
+        <p:spPr>
+          <a:xfrm>
+            <a:off x="1371600" y="548640"/>
+            <a:ext cx="2743200" cy="365760"/>
+          </a:xfrm>
+          <a:prstGeom prst="roundRect">
+            <a:avLst/>
+          </a:prstGeom>
+          <a:solidFill>
+            <a:srgbClr val="00B4D8"/>
+          </a:solidFill>
+          <a:ln>
+            <a:noFill/>
+          </a:ln>
+        </p:spPr>
+        <p:txBody>
+          <a:bodyPr rtlCol="0" anchor="ctr"/>
+          <a:lstStyle/>
+          <a:p>
+            <a:pPr algn="ctr">
+              <a:defRPr sz="1200" b="1">
+                <a:solidFill>
+                  <a:srgbClr val="FFFFFF"/>
+                </a:solidFill>
+                <a:latin typeface="Calibri"/>
+              </a:defRPr>
+            </a:pPr>
+            <a:r>
+              <a:t>AXIS 02 of 03</a:t>
+            </a:r>
+          </a:p>
+        </p:txBody>
+      </p:sp>
+      <p:sp>
+        <p:nvSpPr>
+          <p:cNvPr id="4" name="Title"/>
+          <p:cNvSpPr txBox="1"/>
+          <p:nvPr/>
+        </p:nvSpPr>
+        <p:spPr>
+          <a:xfrm>
+            <a:off x="1371600" y="1005840"/>
             <a:ext cx="11887200" cy="731520"/>
           </a:xfrm>
           <a:prstGeom prst="rect">
@@ -7478,23 +6940,88 @@
               </a:defRPr>
             </a:pPr>
             <a:r>
-              <a:t>Lending &amp; Borrowing</a:t>
-            </a:r>
-          </a:p>
-        </p:txBody>
-      </p:sp>
-      <p:sp>
-        <p:nvSpPr>
-          <p:cNvPr id="4" name="Rectangle 3"/>
+              <a:t>Stability Method — Governed vs. Algorithmic</a:t>
+            </a:r>
+          </a:p>
+        </p:txBody>
+      </p:sp>
+      <p:sp>
+        <p:nvSpPr>
+          <p:cNvPr id="5" name="Subtitle"/>
+          <p:cNvSpPr txBox="1"/>
+          <p:nvPr/>
+        </p:nvSpPr>
+        <p:spPr>
+          <a:xfrm>
+            <a:off x="1371600" y="1828800"/>
+            <a:ext cx="11887200" cy="365760"/>
+          </a:xfrm>
+          <a:prstGeom prst="rect">
+            <a:avLst/>
+          </a:prstGeom>
+          <a:noFill/>
+        </p:spPr>
+        <p:txBody>
+          <a:bodyPr wrap="square">
+            <a:spAutoFit/>
+          </a:bodyPr>
+          <a:lstStyle/>
+          <a:p>
+            <a:pPr algn="l">
+              <a:defRPr sz="1600" b="0">
+                <a:solidFill>
+                  <a:srgbClr val="BBBBBB"/>
+                </a:solidFill>
+                <a:latin typeface="Calibri"/>
+              </a:defRPr>
+            </a:pPr>
+            <a:r>
+              <a:t>Who or what decides when tokens are minted and burned to maintain the peg or buying power target?</a:t>
+            </a:r>
+          </a:p>
+        </p:txBody>
+      </p:sp>
+      <p:sp>
+        <p:nvSpPr>
+          <p:cNvPr id="10" name="CardGoverned"/>
           <p:cNvSpPr/>
           <p:nvPr/>
         </p:nvSpPr>
         <p:spPr>
           <a:xfrm>
-            <a:off x="1371600" y="1463040"/>
-            <a:ext cx="1097280" cy="36576"/>
-          </a:xfrm>
-          <a:prstGeom prst="rect">
+            <a:off x="1097280" y="2468880"/>
+            <a:ext cx="5943600" cy="5029200"/>
+          </a:xfrm>
+          <a:prstGeom prst="roundRect">
+            <a:avLst/>
+          </a:prstGeom>
+          <a:solidFill>
+            <a:srgbClr val="1A1A2E"/>
+          </a:solidFill>
+          <a:ln>
+            <a:noFill/>
+          </a:ln>
+        </p:spPr>
+        <p:txBody>
+          <a:bodyPr rtlCol="0" anchor="ctr"/>
+          <a:lstStyle/>
+          <a:p>
+            <a:endParaRPr/>
+          </a:p>
+        </p:txBody>
+      </p:sp>
+      <p:sp>
+        <p:nvSpPr>
+          <p:cNvPr id="11" name="CardGovernedBar"/>
+          <p:cNvSpPr/>
+          <p:nvPr/>
+        </p:nvSpPr>
+        <p:spPr>
+          <a:xfrm>
+            <a:off x="1097280" y="2468880"/>
+            <a:ext cx="5943600" cy="91440"/>
+          </a:xfrm>
+          <a:prstGeom prst="roundRect">
             <a:avLst/>
           </a:prstGeom>
           <a:solidFill>
@@ -7504,39 +7031,24 @@
             <a:noFill/>
           </a:ln>
         </p:spPr>
-        <p:style>
-          <a:lnRef idx="1">
-            <a:schemeClr val="accent1"/>
-          </a:lnRef>
-          <a:fillRef idx="3">
-            <a:schemeClr val="accent1"/>
-          </a:fillRef>
-          <a:effectRef idx="2">
-            <a:schemeClr val="accent1"/>
-          </a:effectRef>
-          <a:fontRef idx="minor">
-            <a:schemeClr val="lt1"/>
-          </a:fontRef>
-        </p:style>
         <p:txBody>
           <a:bodyPr rtlCol="0" anchor="ctr"/>
           <a:lstStyle/>
           <a:p>
-            <a:pPr algn="ctr"/>
             <a:endParaRPr/>
           </a:p>
         </p:txBody>
       </p:sp>
       <p:sp>
         <p:nvSpPr>
-          <p:cNvPr id="5" name="TextBox 4"/>
-          <p:cNvSpPr txBox="1"/>
-          <p:nvPr/>
-        </p:nvSpPr>
-        <p:spPr>
-          <a:xfrm>
-            <a:off x="1371600" y="2011680"/>
-            <a:ext cx="11887200" cy="548640"/>
+          <p:cNvPr id="12" name="CardGovernedContent"/>
+          <p:cNvSpPr txBox="1"/>
+          <p:nvPr/>
+        </p:nvSpPr>
+        <p:spPr>
+          <a:xfrm>
+            <a:off x="1371600" y="2651760"/>
+            <a:ext cx="5486400" cy="4846320"/>
           </a:xfrm>
           <a:prstGeom prst="rect">
             <a:avLst/>
@@ -7550,7 +7062,26 @@
           <a:lstStyle/>
           <a:p>
             <a:pPr algn="l">
-              <a:defRPr sz="1800" b="0">
+              <a:spcAft>
+                <a:spcPts val="200"/>
+              </a:spcAft>
+              <a:defRPr sz="2400" b="1">
+                <a:solidFill>
+                  <a:srgbClr val="FFCD00"/>
+                </a:solidFill>
+                <a:latin typeface="Calibri"/>
+              </a:defRPr>
+            </a:pPr>
+            <a:r>
+              <a:t>Governed</a:t>
+            </a:r>
+          </a:p>
+          <a:p>
+            <a:pPr algn="l">
+              <a:spcAft>
+                <a:spcPts val="200"/>
+              </a:spcAft>
+              <a:defRPr sz="1300" b="0">
                 <a:solidFill>
                   <a:srgbClr val="BBBBBB"/>
                 </a:solidFill>
@@ -7558,21 +7089,69 @@
               </a:defRPr>
             </a:pPr>
             <a:r>
-              <a:t>Earn yield by supplying assets, or borrow against your collateral — all without a bank.</a:t>
-            </a:r>
-          </a:p>
-        </p:txBody>
-      </p:sp>
-      <p:sp>
-        <p:nvSpPr>
-          <p:cNvPr id="6" name="Rounded Rectangle 5"/>
+              <a:t>A centralized or semi-centralized body with discretion over when tokens are minted and burned. Human decision-making is in the loop.</a:t>
+            </a:r>
+          </a:p>
+          <a:p>
+            <a:pPr algn="l">
+              <a:spcAft>
+                <a:spcPts val="150"/>
+              </a:spcAft>
+              <a:defRPr sz="1300" b="0">
+                <a:solidFill>
+                  <a:srgbClr val="BBBBBB"/>
+                </a:solidFill>
+                <a:latin typeface="Calibri"/>
+              </a:defRPr>
+            </a:pPr>
+            <a:r>
+              <a:t>• USDC: Circle controls minting and burning exclusively</a:t>
+            </a:r>
+          </a:p>
+          <a:p>
+            <a:pPr algn="l">
+              <a:spcAft>
+                <a:spcPts val="150"/>
+              </a:spcAft>
+              <a:defRPr sz="1300" b="0">
+                <a:solidFill>
+                  <a:srgbClr val="BBBBBB"/>
+                </a:solidFill>
+                <a:latin typeface="Calibri"/>
+              </a:defRPr>
+            </a:pPr>
+            <a:r>
+              <a:t>• Tether (USDT): Tether Ltd. manages reserves and supply</a:t>
+            </a:r>
+          </a:p>
+          <a:p>
+            <a:pPr algn="l">
+              <a:spcAft>
+                <a:spcPts val="150"/>
+              </a:spcAft>
+              <a:defRPr sz="1300" b="0">
+                <a:solidFill>
+                  <a:srgbClr val="BBBBBB"/>
+                </a:solidFill>
+                <a:latin typeface="Calibri"/>
+              </a:defRPr>
+            </a:pPr>
+            <a:r>
+              <a:t>• Most fiat-backed coins are purely governed</a:t>
+            </a:r>
+          </a:p>
+        </p:txBody>
+      </p:sp>
+      <p:sp>
+        <p:nvSpPr>
+          <p:cNvPr id="20" name="CardAlgo"/>
           <p:cNvSpPr/>
           <p:nvPr/>
         </p:nvSpPr>
         <p:spPr>
           <a:xfrm>
-            <a:off x="1371600" y="2926080"/>
-            <a:ext cx="5943600" cy="4572000"/>
+            <a:off x="7588800" y="2468880"/>
+            <a:ext cx="5943600" cy="5029200"/>
           </a:xfrm>
           <a:prstGeom prst="roundRect">
             <a:avLst/>
@@ -7584,238 +7163,53 @@
             <a:noFill/>
           </a:ln>
         </p:spPr>
-        <p:style>
-          <a:lnRef idx="1">
-            <a:schemeClr val="accent1"/>
-          </a:lnRef>
-          <a:fillRef idx="3">
-            <a:schemeClr val="accent1"/>
-          </a:fillRef>
-          <a:effectRef idx="2">
-            <a:schemeClr val="accent1"/>
-          </a:effectRef>
-          <a:fontRef idx="minor">
-            <a:schemeClr val="lt1"/>
-          </a:fontRef>
-        </p:style>
         <p:txBody>
           <a:bodyPr rtlCol="0" anchor="ctr"/>
           <a:lstStyle/>
           <a:p>
-            <a:pPr algn="ctr"/>
             <a:endParaRPr/>
           </a:p>
         </p:txBody>
       </p:sp>
       <p:sp>
         <p:nvSpPr>
-          <p:cNvPr id="7" name="TextBox 6"/>
-          <p:cNvSpPr txBox="1"/>
-          <p:nvPr/>
-        </p:nvSpPr>
-        <p:spPr>
-          <a:xfrm>
-            <a:off x="1828800" y="3108960"/>
-            <a:ext cx="5029200" cy="457200"/>
-          </a:xfrm>
-          <a:prstGeom prst="rect">
-            <a:avLst/>
-          </a:prstGeom>
-          <a:noFill/>
-        </p:spPr>
-        <p:txBody>
-          <a:bodyPr wrap="square">
-            <a:spAutoFit/>
-          </a:bodyPr>
-          <a:lstStyle/>
-          <a:p>
-            <a:pPr algn="l">
-              <a:defRPr sz="2200" b="1">
-                <a:solidFill>
-                  <a:srgbClr val="FFCD00"/>
-                </a:solidFill>
-                <a:latin typeface="Calibri"/>
-              </a:defRPr>
-            </a:pPr>
-            <a:r>
-              <a:t>How It Works</a:t>
-            </a:r>
-          </a:p>
-        </p:txBody>
-      </p:sp>
-      <p:sp>
-        <p:nvSpPr>
-          <p:cNvPr id="8" name="TextBox 7"/>
-          <p:cNvSpPr txBox="1"/>
-          <p:nvPr/>
-        </p:nvSpPr>
-        <p:spPr>
-          <a:xfrm>
-            <a:off x="1828800" y="3749039"/>
-            <a:ext cx="5029200" cy="3474720"/>
-          </a:xfrm>
-          <a:prstGeom prst="rect">
-            <a:avLst/>
-          </a:prstGeom>
-          <a:noFill/>
-        </p:spPr>
-        <p:txBody>
-          <a:bodyPr wrap="square">
-            <a:spAutoFit/>
-          </a:bodyPr>
-          <a:lstStyle/>
-          <a:p>
-            <a:pPr>
-              <a:spcAft>
-                <a:spcPts val="400"/>
-              </a:spcAft>
-              <a:defRPr sz="1400">
-                <a:solidFill>
-                  <a:srgbClr val="BBBBBB"/>
-                </a:solidFill>
-                <a:latin typeface="Calibri"/>
-              </a:defRPr>
-            </a:pPr>
-            <a:r>
-              <a:t>•  Lenders deposit assets into a lending pool</a:t>
-            </a:r>
-          </a:p>
-          <a:p>
-            <a:pPr>
-              <a:spcAft>
-                <a:spcPts val="400"/>
-              </a:spcAft>
-              <a:defRPr sz="1400">
-                <a:solidFill>
-                  <a:srgbClr val="BBBBBB"/>
-                </a:solidFill>
-                <a:latin typeface="Calibri"/>
-              </a:defRPr>
-            </a:pPr>
-            <a:r>
-              <a:t>•  Pool issues interest-bearing tokens (aTokens, cTokens)</a:t>
-            </a:r>
-          </a:p>
-          <a:p>
-            <a:pPr>
-              <a:spcAft>
-                <a:spcPts val="400"/>
-              </a:spcAft>
-              <a:defRPr sz="1400">
-                <a:solidFill>
-                  <a:srgbClr val="BBBBBB"/>
-                </a:solidFill>
-                <a:latin typeface="Calibri"/>
-              </a:defRPr>
-            </a:pPr>
-            <a:r>
-              <a:t>•  Borrowers deposit collateral and borrow from pool</a:t>
-            </a:r>
-          </a:p>
-          <a:p>
-            <a:pPr>
-              <a:spcAft>
-                <a:spcPts val="400"/>
-              </a:spcAft>
-              <a:defRPr sz="1400">
-                <a:solidFill>
-                  <a:srgbClr val="BBBBBB"/>
-                </a:solidFill>
-                <a:latin typeface="Calibri"/>
-              </a:defRPr>
-            </a:pPr>
-            <a:r>
-              <a:t>•  Interest rates adjust algorithmically based on utilization</a:t>
-            </a:r>
-          </a:p>
-          <a:p>
-            <a:pPr>
-              <a:spcAft>
-                <a:spcPts val="400"/>
-              </a:spcAft>
-              <a:defRPr sz="1400">
-                <a:solidFill>
-                  <a:srgbClr val="BBBBBB"/>
-                </a:solidFill>
-                <a:latin typeface="Calibri"/>
-              </a:defRPr>
-            </a:pPr>
-            <a:r>
-              <a:t>•  If collateral value drops → liquidation kicks in</a:t>
-            </a:r>
-          </a:p>
-          <a:p>
-            <a:pPr>
-              <a:spcAft>
-                <a:spcPts val="400"/>
-              </a:spcAft>
-              <a:defRPr sz="1400">
-                <a:solidFill>
-                  <a:srgbClr val="BBBBBB"/>
-                </a:solidFill>
-                <a:latin typeface="Calibri"/>
-              </a:defRPr>
-            </a:pPr>
-            <a:r>
-              <a:t>•  Everything automated — no credit checks needed</a:t>
-            </a:r>
-          </a:p>
-        </p:txBody>
-      </p:sp>
-      <p:sp>
-        <p:nvSpPr>
-          <p:cNvPr id="9" name="Rounded Rectangle 8"/>
+          <p:cNvPr id="21" name="CardAlgoBar"/>
           <p:cNvSpPr/>
           <p:nvPr/>
         </p:nvSpPr>
         <p:spPr>
           <a:xfrm>
-            <a:off x="7772400" y="2926080"/>
-            <a:ext cx="5943600" cy="4572000"/>
+            <a:off x="7588800" y="2468880"/>
+            <a:ext cx="5943600" cy="91440"/>
           </a:xfrm>
           <a:prstGeom prst="roundRect">
             <a:avLst/>
           </a:prstGeom>
           <a:solidFill>
-            <a:srgbClr val="1A1A2E"/>
+            <a:srgbClr val="00B4D8"/>
           </a:solidFill>
           <a:ln>
             <a:noFill/>
           </a:ln>
         </p:spPr>
-        <p:style>
-          <a:lnRef idx="1">
-            <a:schemeClr val="accent1"/>
-          </a:lnRef>
-          <a:fillRef idx="3">
-            <a:schemeClr val="accent1"/>
-          </a:fillRef>
-          <a:effectRef idx="2">
-            <a:schemeClr val="accent1"/>
-          </a:effectRef>
-          <a:fontRef idx="minor">
-            <a:schemeClr val="lt1"/>
-          </a:fontRef>
-        </p:style>
         <p:txBody>
           <a:bodyPr rtlCol="0" anchor="ctr"/>
           <a:lstStyle/>
           <a:p>
-            <a:pPr algn="ctr"/>
             <a:endParaRPr/>
           </a:p>
         </p:txBody>
       </p:sp>
       <p:sp>
         <p:nvSpPr>
-          <p:cNvPr id="10" name="TextBox 9"/>
-          <p:cNvSpPr txBox="1"/>
-          <p:nvPr/>
-        </p:nvSpPr>
-        <p:spPr>
-          <a:xfrm>
-            <a:off x="8229600" y="3108960"/>
-            <a:ext cx="5029200" cy="457200"/>
+          <p:cNvPr id="22" name="CardAlgoContent"/>
+          <p:cNvSpPr txBox="1"/>
+          <p:nvPr/>
+        </p:nvSpPr>
+        <p:spPr>
+          <a:xfrm>
+            <a:off x="7863120" y="2651760"/>
+            <a:ext cx="5486400" cy="4846320"/>
           </a:xfrm>
           <a:prstGeom prst="rect">
             <a:avLst/>
@@ -7829,78 +7223,41 @@
           <a:lstStyle/>
           <a:p>
             <a:pPr algn="l">
-              <a:defRPr sz="2200" b="1">
-                <a:solidFill>
-                  <a:srgbClr val="FFCD00"/>
-                </a:solidFill>
-                <a:latin typeface="Calibri"/>
-              </a:defRPr>
-            </a:pPr>
-            <a:r>
-              <a:t>Key Concepts</a:t>
-            </a:r>
-          </a:p>
-        </p:txBody>
-      </p:sp>
-      <p:sp>
-        <p:nvSpPr>
-          <p:cNvPr id="11" name="TextBox 10"/>
-          <p:cNvSpPr txBox="1"/>
-          <p:nvPr/>
-        </p:nvSpPr>
-        <p:spPr>
-          <a:xfrm>
-            <a:off x="8229600" y="3749039"/>
-            <a:ext cx="5029200" cy="320040"/>
-          </a:xfrm>
-          <a:prstGeom prst="rect">
-            <a:avLst/>
-          </a:prstGeom>
-          <a:noFill/>
-        </p:spPr>
-        <p:txBody>
-          <a:bodyPr wrap="square">
-            <a:spAutoFit/>
-          </a:bodyPr>
-          <a:lstStyle/>
+              <a:spcAft>
+                <a:spcPts val="200"/>
+              </a:spcAft>
+              <a:defRPr sz="2400" b="1">
+                <a:solidFill>
+                  <a:srgbClr val="00B4D8"/>
+                </a:solidFill>
+                <a:latin typeface="Calibri"/>
+              </a:defRPr>
+            </a:pPr>
+            <a:r>
+              <a:t>Algorithmic</a:t>
+            </a:r>
+          </a:p>
           <a:p>
             <a:pPr algn="l">
-              <a:defRPr sz="1500" b="1">
-                <a:solidFill>
-                  <a:srgbClr val="FFCD00"/>
-                </a:solidFill>
-                <a:latin typeface="Calibri"/>
-              </a:defRPr>
-            </a:pPr>
-            <a:r>
-              <a:t>Collateral Ratio</a:t>
-            </a:r>
-          </a:p>
-        </p:txBody>
-      </p:sp>
-      <p:sp>
-        <p:nvSpPr>
-          <p:cNvPr id="12" name="TextBox 11"/>
-          <p:cNvSpPr txBox="1"/>
-          <p:nvPr/>
-        </p:nvSpPr>
-        <p:spPr>
-          <a:xfrm>
-            <a:off x="8229600" y="4069079"/>
-            <a:ext cx="5029200" cy="365760"/>
-          </a:xfrm>
-          <a:prstGeom prst="rect">
-            <a:avLst/>
-          </a:prstGeom>
-          <a:noFill/>
-        </p:spPr>
-        <p:txBody>
-          <a:bodyPr wrap="square">
-            <a:spAutoFit/>
-          </a:bodyPr>
-          <a:lstStyle/>
+              <a:spcAft>
+                <a:spcPts val="200"/>
+              </a:spcAft>
+              <a:defRPr sz="1300" b="0">
+                <a:solidFill>
+                  <a:srgbClr val="BBBBBB"/>
+                </a:solidFill>
+                <a:latin typeface="Calibri"/>
+              </a:defRPr>
+            </a:pPr>
+            <a:r>
+              <a:t>Permissionless smart contract code autonomously controls minting and burning. No single entity has discretion — the protocol reacts to market conditions on-chain.</a:t>
+            </a:r>
+          </a:p>
           <a:p>
             <a:pPr algn="l">
+              <a:spcAft>
+                <a:spcPts val="150"/>
+              </a:spcAft>
               <a:defRPr sz="1300" b="0">
                 <a:solidFill>
                   <a:srgbClr val="BBBBBB"/>
@@ -7909,70 +7266,30 @@
               </a:defRPr>
             </a:pPr>
             <a:r>
-              <a:t>How much collateral vs borrowed (e.g. 150%)</a:t>
-            </a:r>
-          </a:p>
-        </p:txBody>
-      </p:sp>
-      <p:sp>
-        <p:nvSpPr>
-          <p:cNvPr id="13" name="TextBox 12"/>
-          <p:cNvSpPr txBox="1"/>
-          <p:nvPr/>
-        </p:nvSpPr>
-        <p:spPr>
-          <a:xfrm>
-            <a:off x="8229600" y="4617719"/>
-            <a:ext cx="5029200" cy="320040"/>
-          </a:xfrm>
-          <a:prstGeom prst="rect">
-            <a:avLst/>
-          </a:prstGeom>
-          <a:noFill/>
-        </p:spPr>
-        <p:txBody>
-          <a:bodyPr wrap="square">
-            <a:spAutoFit/>
-          </a:bodyPr>
-          <a:lstStyle/>
+              <a:t>• RAI: nearly pure — no governance, code-only</a:t>
+            </a:r>
+          </a:p>
           <a:p>
             <a:pPr algn="l">
-              <a:defRPr sz="1500" b="1">
-                <a:solidFill>
-                  <a:srgbClr val="FFCD00"/>
-                </a:solidFill>
-                <a:latin typeface="Calibri"/>
-              </a:defRPr>
-            </a:pPr>
-            <a:r>
-              <a:t>Liquidation</a:t>
-            </a:r>
-          </a:p>
-        </p:txBody>
-      </p:sp>
-      <p:sp>
-        <p:nvSpPr>
-          <p:cNvPr id="14" name="TextBox 13"/>
-          <p:cNvSpPr txBox="1"/>
-          <p:nvPr/>
-        </p:nvSpPr>
-        <p:spPr>
-          <a:xfrm>
-            <a:off x="8229600" y="4937759"/>
-            <a:ext cx="5029200" cy="365760"/>
-          </a:xfrm>
-          <a:prstGeom prst="rect">
-            <a:avLst/>
-          </a:prstGeom>
-          <a:noFill/>
-        </p:spPr>
-        <p:txBody>
-          <a:bodyPr wrap="square">
-            <a:spAutoFit/>
-          </a:bodyPr>
-          <a:lstStyle/>
+              <a:spcAft>
+                <a:spcPts val="150"/>
+              </a:spcAft>
+              <a:defRPr sz="1300" b="0">
+                <a:solidFill>
+                  <a:srgbClr val="BBBBBB"/>
+                </a:solidFill>
+                <a:latin typeface="Calibri"/>
+              </a:defRPr>
+            </a:pPr>
+            <a:r>
+              <a:t>• DAI: hybrid — autonomous rules + MakerDAO votes on parameters</a:t>
+            </a:r>
+          </a:p>
           <a:p>
             <a:pPr algn="l">
+              <a:spcAft>
+                <a:spcPts val="150"/>
+              </a:spcAft>
               <a:defRPr sz="1300" b="0">
                 <a:solidFill>
                   <a:srgbClr val="BBBBBB"/>
@@ -7981,187 +7298,7 @@
               </a:defRPr>
             </a:pPr>
             <a:r>
-              <a:t>Automated sell-off when collateral drops below threshold</a:t>
-            </a:r>
-          </a:p>
-        </p:txBody>
-      </p:sp>
-      <p:sp>
-        <p:nvSpPr>
-          <p:cNvPr id="15" name="TextBox 14"/>
-          <p:cNvSpPr txBox="1"/>
-          <p:nvPr/>
-        </p:nvSpPr>
-        <p:spPr>
-          <a:xfrm>
-            <a:off x="8229600" y="5486399"/>
-            <a:ext cx="5029200" cy="320040"/>
-          </a:xfrm>
-          <a:prstGeom prst="rect">
-            <a:avLst/>
-          </a:prstGeom>
-          <a:noFill/>
-        </p:spPr>
-        <p:txBody>
-          <a:bodyPr wrap="square">
-            <a:spAutoFit/>
-          </a:bodyPr>
-          <a:lstStyle/>
-          <a:p>
-            <a:pPr algn="l">
-              <a:defRPr sz="1500" b="1">
-                <a:solidFill>
-                  <a:srgbClr val="FFCD00"/>
-                </a:solidFill>
-                <a:latin typeface="Calibri"/>
-              </a:defRPr>
-            </a:pPr>
-            <a:r>
-              <a:t>Utilization Rate</a:t>
-            </a:r>
-          </a:p>
-        </p:txBody>
-      </p:sp>
-      <p:sp>
-        <p:nvSpPr>
-          <p:cNvPr id="16" name="TextBox 15"/>
-          <p:cNvSpPr txBox="1"/>
-          <p:nvPr/>
-        </p:nvSpPr>
-        <p:spPr>
-          <a:xfrm>
-            <a:off x="8229600" y="5806439"/>
-            <a:ext cx="5029200" cy="365760"/>
-          </a:xfrm>
-          <a:prstGeom prst="rect">
-            <a:avLst/>
-          </a:prstGeom>
-          <a:noFill/>
-        </p:spPr>
-        <p:txBody>
-          <a:bodyPr wrap="square">
-            <a:spAutoFit/>
-          </a:bodyPr>
-          <a:lstStyle/>
-          <a:p>
-            <a:pPr algn="l">
-              <a:defRPr sz="1300" b="0">
-                <a:solidFill>
-                  <a:srgbClr val="BBBBBB"/>
-                </a:solidFill>
-                <a:latin typeface="Calibri"/>
-              </a:defRPr>
-            </a:pPr>
-            <a:r>
-              <a:t>% of pool currently borrowed — drives interest rates</a:t>
-            </a:r>
-          </a:p>
-        </p:txBody>
-      </p:sp>
-      <p:sp>
-        <p:nvSpPr>
-          <p:cNvPr id="17" name="TextBox 16"/>
-          <p:cNvSpPr txBox="1"/>
-          <p:nvPr/>
-        </p:nvSpPr>
-        <p:spPr>
-          <a:xfrm>
-            <a:off x="8229600" y="6355079"/>
-            <a:ext cx="5029200" cy="320040"/>
-          </a:xfrm>
-          <a:prstGeom prst="rect">
-            <a:avLst/>
-          </a:prstGeom>
-          <a:noFill/>
-        </p:spPr>
-        <p:txBody>
-          <a:bodyPr wrap="square">
-            <a:spAutoFit/>
-          </a:bodyPr>
-          <a:lstStyle/>
-          <a:p>
-            <a:pPr algn="l">
-              <a:defRPr sz="1500" b="1">
-                <a:solidFill>
-                  <a:srgbClr val="FFCD00"/>
-                </a:solidFill>
-                <a:latin typeface="Calibri"/>
-              </a:defRPr>
-            </a:pPr>
-            <a:r>
-              <a:t>Flash Loans</a:t>
-            </a:r>
-          </a:p>
-        </p:txBody>
-      </p:sp>
-      <p:sp>
-        <p:nvSpPr>
-          <p:cNvPr id="18" name="TextBox 17"/>
-          <p:cNvSpPr txBox="1"/>
-          <p:nvPr/>
-        </p:nvSpPr>
-        <p:spPr>
-          <a:xfrm>
-            <a:off x="8229600" y="6675119"/>
-            <a:ext cx="5029200" cy="365760"/>
-          </a:xfrm>
-          <a:prstGeom prst="rect">
-            <a:avLst/>
-          </a:prstGeom>
-          <a:noFill/>
-        </p:spPr>
-        <p:txBody>
-          <a:bodyPr wrap="square">
-            <a:spAutoFit/>
-          </a:bodyPr>
-          <a:lstStyle/>
-          <a:p>
-            <a:pPr algn="l">
-              <a:defRPr sz="1300" b="0">
-                <a:solidFill>
-                  <a:srgbClr val="BBBBBB"/>
-                </a:solidFill>
-                <a:latin typeface="Calibri"/>
-              </a:defRPr>
-            </a:pPr>
-            <a:r>
-              <a:t>Borrow + repay in single transaction — no collateral needed</a:t>
-            </a:r>
-          </a:p>
-        </p:txBody>
-      </p:sp>
-      <p:sp>
-        <p:nvSpPr>
-          <p:cNvPr id="19" name="TextBox 18"/>
-          <p:cNvSpPr txBox="1"/>
-          <p:nvPr/>
-        </p:nvSpPr>
-        <p:spPr>
-          <a:xfrm>
-            <a:off x="1371600" y="7589520"/>
-            <a:ext cx="11887200" cy="365760"/>
-          </a:xfrm>
-          <a:prstGeom prst="rect">
-            <a:avLst/>
-          </a:prstGeom>
-          <a:noFill/>
-        </p:spPr>
-        <p:txBody>
-          <a:bodyPr wrap="square">
-            <a:spAutoFit/>
-          </a:bodyPr>
-          <a:lstStyle/>
-          <a:p>
-            <a:pPr algn="ctr">
-              <a:defRPr sz="1400" b="0">
-                <a:solidFill>
-                  <a:srgbClr val="BBBBBB"/>
-                </a:solidFill>
-                <a:latin typeface="Calibri"/>
-              </a:defRPr>
-            </a:pPr>
-            <a:r>
-              <a:t>Protocols: Aave, Compound, Euler, Joule (Movement)</a:t>
+              <a:t>• UST: almost purely algorithmic, which amplified its collapse</a:t>
             </a:r>
           </a:p>
         </p:txBody>
@@ -8201,7 +7338,7 @@
       </p:grpSpPr>
       <p:sp>
         <p:nvSpPr>
-          <p:cNvPr id="2" name="Rectangle 1"/>
+          <p:cNvPr id="2" name="TopBar"/>
           <p:cNvSpPr/>
           <p:nvPr/>
         </p:nvSpPr>
@@ -8220,119 +7357,63 @@
             <a:noFill/>
           </a:ln>
         </p:spPr>
-        <p:style>
-          <a:lnRef idx="1">
-            <a:schemeClr val="accent1"/>
-          </a:lnRef>
-          <a:fillRef idx="3">
-            <a:schemeClr val="accent1"/>
-          </a:fillRef>
-          <a:effectRef idx="2">
-            <a:schemeClr val="accent1"/>
-          </a:effectRef>
-          <a:fontRef idx="minor">
-            <a:schemeClr val="lt1"/>
-          </a:fontRef>
-        </p:style>
         <p:txBody>
           <a:bodyPr rtlCol="0" anchor="ctr"/>
           <a:lstStyle/>
           <a:p>
-            <a:pPr algn="ctr"/>
             <a:endParaRPr/>
           </a:p>
         </p:txBody>
       </p:sp>
       <p:sp>
         <p:nvSpPr>
-          <p:cNvPr id="3" name="TextBox 2"/>
-          <p:cNvSpPr txBox="1"/>
-          <p:nvPr/>
-        </p:nvSpPr>
-        <p:spPr>
-          <a:xfrm>
-            <a:off x="1371600" y="731520"/>
-            <a:ext cx="11887200" cy="731520"/>
-          </a:xfrm>
-          <a:prstGeom prst="rect">
-            <a:avLst/>
-          </a:prstGeom>
-          <a:noFill/>
-        </p:spPr>
-        <p:txBody>
-          <a:bodyPr wrap="square">
-            <a:spAutoFit/>
-          </a:bodyPr>
-          <a:lstStyle/>
-          <a:p>
-            <a:pPr algn="l">
-              <a:defRPr sz="4000" b="1">
-                <a:solidFill>
-                  <a:srgbClr val="FFFFFF"/>
-                </a:solidFill>
-                <a:latin typeface="Calibri"/>
-              </a:defRPr>
-            </a:pPr>
-            <a:r>
-              <a:t>The DeFi Stack — Composability</a:t>
-            </a:r>
-          </a:p>
-        </p:txBody>
-      </p:sp>
-      <p:sp>
-        <p:nvSpPr>
-          <p:cNvPr id="4" name="Rectangle 3"/>
+          <p:cNvPr id="3" name="Pill"/>
           <p:cNvSpPr/>
           <p:nvPr/>
         </p:nvSpPr>
         <p:spPr>
           <a:xfrm>
-            <a:off x="1371600" y="1463040"/>
-            <a:ext cx="1097280" cy="36576"/>
-          </a:xfrm>
-          <a:prstGeom prst="rect">
+            <a:off x="1371600" y="548640"/>
+            <a:ext cx="2743200" cy="365760"/>
+          </a:xfrm>
+          <a:prstGeom prst="roundRect">
             <a:avLst/>
           </a:prstGeom>
           <a:solidFill>
-            <a:srgbClr val="FFCD00"/>
+            <a:srgbClr val="02C39A"/>
           </a:solidFill>
           <a:ln>
             <a:noFill/>
           </a:ln>
         </p:spPr>
-        <p:style>
-          <a:lnRef idx="1">
-            <a:schemeClr val="accent1"/>
-          </a:lnRef>
-          <a:fillRef idx="3">
-            <a:schemeClr val="accent1"/>
-          </a:fillRef>
-          <a:effectRef idx="2">
-            <a:schemeClr val="accent1"/>
-          </a:effectRef>
-          <a:fontRef idx="minor">
-            <a:schemeClr val="lt1"/>
-          </a:fontRef>
-        </p:style>
         <p:txBody>
           <a:bodyPr rtlCol="0" anchor="ctr"/>
           <a:lstStyle/>
           <a:p>
-            <a:pPr algn="ctr"/>
-            <a:endParaRPr/>
-          </a:p>
-        </p:txBody>
-      </p:sp>
-      <p:sp>
-        <p:nvSpPr>
-          <p:cNvPr id="5" name="TextBox 4"/>
-          <p:cNvSpPr txBox="1"/>
-          <p:nvPr/>
-        </p:nvSpPr>
-        <p:spPr>
-          <a:xfrm>
-            <a:off x="1371600" y="2011680"/>
-            <a:ext cx="11887200" cy="548640"/>
+            <a:pPr algn="ctr">
+              <a:defRPr sz="1200" b="1">
+                <a:solidFill>
+                  <a:srgbClr val="FFFFFF"/>
+                </a:solidFill>
+                <a:latin typeface="Calibri"/>
+              </a:defRPr>
+            </a:pPr>
+            <a:r>
+              <a:t>AXIS 03 of 03</a:t>
+            </a:r>
+          </a:p>
+        </p:txBody>
+      </p:sp>
+      <p:sp>
+        <p:nvSpPr>
+          <p:cNvPr id="4" name="Title"/>
+          <p:cNvSpPr txBox="1"/>
+          <p:nvPr/>
+        </p:nvSpPr>
+        <p:spPr>
+          <a:xfrm>
+            <a:off x="1371600" y="1005840"/>
+            <a:ext cx="11887200" cy="731520"/>
           </a:xfrm>
           <a:prstGeom prst="rect">
             <a:avLst/>
@@ -8346,7 +7427,43 @@
           <a:lstStyle/>
           <a:p>
             <a:pPr algn="l">
-              <a:defRPr sz="2000" b="0">
+              <a:defRPr sz="4000" b="1">
+                <a:solidFill>
+                  <a:srgbClr val="FFFFFF"/>
+                </a:solidFill>
+                <a:latin typeface="Calibri"/>
+              </a:defRPr>
+            </a:pPr>
+            <a:r>
+              <a:t>Collateral Type — Exogenous vs. Endogenous</a:t>
+            </a:r>
+          </a:p>
+        </p:txBody>
+      </p:sp>
+      <p:sp>
+        <p:nvSpPr>
+          <p:cNvPr id="5" name="Subtitle"/>
+          <p:cNvSpPr txBox="1"/>
+          <p:nvPr/>
+        </p:nvSpPr>
+        <p:spPr>
+          <a:xfrm>
+            <a:off x="1371600" y="1828800"/>
+            <a:ext cx="11887200" cy="365760"/>
+          </a:xfrm>
+          <a:prstGeom prst="rect">
+            <a:avLst/>
+          </a:prstGeom>
+          <a:noFill/>
+        </p:spPr>
+        <p:txBody>
+          <a:bodyPr wrap="square">
+            <a:spAutoFit/>
+          </a:bodyPr>
+          <a:lstStyle/>
+          <a:p>
+            <a:pPr algn="l">
+              <a:defRPr sz="1600" b="0">
                 <a:solidFill>
                   <a:srgbClr val="BBBBBB"/>
                 </a:solidFill>
@@ -8354,21 +7471,21 @@
               </a:defRPr>
             </a:pPr>
             <a:r>
-              <a:t>"Money Legos" — each protocol is a building block that others can plug into.</a:t>
-            </a:r>
-          </a:p>
-        </p:txBody>
-      </p:sp>
-      <p:sp>
-        <p:nvSpPr>
-          <p:cNvPr id="6" name="Rounded Rectangle 5"/>
+              <a:t>The most critical axis for risk assessment. Key test: if the stablecoin fails, does the collateral also fail?</a:t>
+            </a:r>
+          </a:p>
+        </p:txBody>
+      </p:sp>
+      <p:sp>
+        <p:nvSpPr>
+          <p:cNvPr id="10" name="CardExo"/>
           <p:cNvSpPr/>
           <p:nvPr/>
         </p:nvSpPr>
         <p:spPr>
           <a:xfrm>
-            <a:off x="1371600" y="2926080"/>
-            <a:ext cx="11887200" cy="1188720"/>
+            <a:off x="1097280" y="2468880"/>
+            <a:ext cx="5943600" cy="5029200"/>
           </a:xfrm>
           <a:prstGeom prst="roundRect">
             <a:avLst/>
@@ -8380,39 +7497,53 @@
             <a:noFill/>
           </a:ln>
         </p:spPr>
-        <p:style>
-          <a:lnRef idx="1">
-            <a:schemeClr val="accent1"/>
-          </a:lnRef>
-          <a:fillRef idx="3">
-            <a:schemeClr val="accent1"/>
-          </a:fillRef>
-          <a:effectRef idx="2">
-            <a:schemeClr val="accent1"/>
-          </a:effectRef>
-          <a:fontRef idx="minor">
-            <a:schemeClr val="lt1"/>
-          </a:fontRef>
-        </p:style>
         <p:txBody>
           <a:bodyPr rtlCol="0" anchor="ctr"/>
           <a:lstStyle/>
           <a:p>
-            <a:pPr algn="ctr"/>
             <a:endParaRPr/>
           </a:p>
         </p:txBody>
       </p:sp>
       <p:sp>
         <p:nvSpPr>
-          <p:cNvPr id="7" name="TextBox 6"/>
-          <p:cNvSpPr txBox="1"/>
-          <p:nvPr/>
-        </p:nvSpPr>
-        <p:spPr>
-          <a:xfrm>
-            <a:off x="1828800" y="3063240"/>
-            <a:ext cx="1645920" cy="365760"/>
+          <p:cNvPr id="11" name="CardExoBar"/>
+          <p:cNvSpPr/>
+          <p:nvPr/>
+        </p:nvSpPr>
+        <p:spPr>
+          <a:xfrm>
+            <a:off x="1097280" y="2468880"/>
+            <a:ext cx="5943600" cy="91440"/>
+          </a:xfrm>
+          <a:prstGeom prst="roundRect">
+            <a:avLst/>
+          </a:prstGeom>
+          <a:solidFill>
+            <a:srgbClr val="02C39A"/>
+          </a:solidFill>
+          <a:ln>
+            <a:noFill/>
+          </a:ln>
+        </p:spPr>
+        <p:txBody>
+          <a:bodyPr rtlCol="0" anchor="ctr"/>
+          <a:lstStyle/>
+          <a:p>
+            <a:endParaRPr/>
+          </a:p>
+        </p:txBody>
+      </p:sp>
+      <p:sp>
+        <p:nvSpPr>
+          <p:cNvPr id="12" name="CardExoContent"/>
+          <p:cNvSpPr txBox="1"/>
+          <p:nvPr/>
+        </p:nvSpPr>
+        <p:spPr>
+          <a:xfrm>
+            <a:off x="1371600" y="2651760"/>
+            <a:ext cx="5486400" cy="4846320"/>
           </a:xfrm>
           <a:prstGeom prst="rect">
             <a:avLst/>
@@ -8426,79 +7557,42 @@
           <a:lstStyle/>
           <a:p>
             <a:pPr algn="l">
-              <a:defRPr sz="1800" b="1">
-                <a:solidFill>
-                  <a:srgbClr val="FFCD00"/>
-                </a:solidFill>
-                <a:latin typeface="Calibri"/>
-              </a:defRPr>
-            </a:pPr>
-            <a:r>
-              <a:t>Layer 4</a:t>
-            </a:r>
-          </a:p>
-        </p:txBody>
-      </p:sp>
-      <p:sp>
-        <p:nvSpPr>
-          <p:cNvPr id="8" name="TextBox 7"/>
-          <p:cNvSpPr txBox="1"/>
-          <p:nvPr/>
-        </p:nvSpPr>
-        <p:spPr>
-          <a:xfrm>
-            <a:off x="3657600" y="3063240"/>
-            <a:ext cx="3657600" cy="365760"/>
-          </a:xfrm>
-          <a:prstGeom prst="rect">
-            <a:avLst/>
-          </a:prstGeom>
-          <a:noFill/>
-        </p:spPr>
-        <p:txBody>
-          <a:bodyPr wrap="square">
-            <a:spAutoFit/>
-          </a:bodyPr>
-          <a:lstStyle/>
+              <a:spcAft>
+                <a:spcPts val="100"/>
+              </a:spcAft>
+              <a:defRPr sz="2400" b="1">
+                <a:solidFill>
+                  <a:srgbClr val="02C39A"/>
+                </a:solidFill>
+                <a:latin typeface="Calibri"/>
+              </a:defRPr>
+            </a:pPr>
+            <a:r>
+              <a:t>Exogenous — Safer</a:t>
+            </a:r>
+          </a:p>
           <a:p>
             <a:pPr algn="l">
-              <a:defRPr sz="1800" b="1">
-                <a:solidFill>
-                  <a:srgbClr val="FFFFFF"/>
-                </a:solidFill>
-                <a:latin typeface="Calibri"/>
-              </a:defRPr>
-            </a:pPr>
-            <a:r>
-              <a:t>Aggregators &amp; Frontends</a:t>
-            </a:r>
-          </a:p>
-        </p:txBody>
-      </p:sp>
-      <p:sp>
-        <p:nvSpPr>
-          <p:cNvPr id="9" name="TextBox 8"/>
-          <p:cNvSpPr txBox="1"/>
-          <p:nvPr/>
-        </p:nvSpPr>
-        <p:spPr>
-          <a:xfrm>
-            <a:off x="3657600" y="3474720"/>
-            <a:ext cx="8686800" cy="457200"/>
-          </a:xfrm>
-          <a:prstGeom prst="rect">
-            <a:avLst/>
-          </a:prstGeom>
-          <a:noFill/>
-        </p:spPr>
-        <p:txBody>
-          <a:bodyPr wrap="square">
-            <a:spAutoFit/>
-          </a:bodyPr>
-          <a:lstStyle/>
+              <a:spcAft>
+                <a:spcPts val="200"/>
+              </a:spcAft>
+              <a:defRPr sz="1300" b="0">
+                <a:solidFill>
+                  <a:srgbClr val="BBBBBB"/>
+                </a:solidFill>
+                <a:latin typeface="Calibri"/>
+              </a:defRPr>
+            </a:pPr>
+            <a:r>
+              <a:t>Collateral originates outside the protocol and has independent value. If the stablecoin collapses, the collateral survives.</a:t>
+            </a:r>
+          </a:p>
           <a:p>
             <a:pPr algn="l">
-              <a:defRPr sz="1400" b="0">
+              <a:spcAft>
+                <a:spcPts val="150"/>
+              </a:spcAft>
+              <a:defRPr sz="1300" b="0">
                 <a:solidFill>
                   <a:srgbClr val="BBBBBB"/>
                 </a:solidFill>
@@ -8506,21 +7600,53 @@
               </a:defRPr>
             </a:pPr>
             <a:r>
-              <a:t>1inch, Zapper, DefiLlama — unified access to multiple protocols</a:t>
-            </a:r>
-          </a:p>
-        </p:txBody>
-      </p:sp>
-      <p:sp>
-        <p:nvSpPr>
-          <p:cNvPr id="10" name="Rounded Rectangle 9"/>
+              <a:t>• USDC fails? The US dollar keeps existing</a:t>
+            </a:r>
+          </a:p>
+          <a:p>
+            <a:pPr algn="l">
+              <a:spcAft>
+                <a:spcPts val="150"/>
+              </a:spcAft>
+              <a:defRPr sz="1300" b="0">
+                <a:solidFill>
+                  <a:srgbClr val="BBBBBB"/>
+                </a:solidFill>
+                <a:latin typeface="Calibri"/>
+              </a:defRPr>
+            </a:pPr>
+            <a:r>
+              <a:t>• DAI fails? ETH keeps existing and has value</a:t>
+            </a:r>
+          </a:p>
+          <a:p>
+            <a:pPr algn="l">
+              <a:spcAft>
+                <a:spcPts val="200"/>
+              </a:spcAft>
+              <a:defRPr sz="1200" b="1">
+                <a:solidFill>
+                  <a:srgbClr val="02C39A"/>
+                </a:solidFill>
+                <a:latin typeface="Calibri"/>
+              </a:defRPr>
+            </a:pPr>
+            <a:r>
+              <a:t>Limitation: cannot scale beyond onboarded collateral</a:t>
+            </a:r>
+          </a:p>
+        </p:txBody>
+      </p:sp>
+      <p:sp>
+        <p:nvSpPr>
+          <p:cNvPr id="20" name="CardEndo"/>
           <p:cNvSpPr/>
           <p:nvPr/>
         </p:nvSpPr>
         <p:spPr>
           <a:xfrm>
-            <a:off x="1371600" y="4297680"/>
-            <a:ext cx="11887200" cy="1188720"/>
+            <a:off x="7588800" y="2468880"/>
+            <a:ext cx="5943600" cy="5029200"/>
           </a:xfrm>
           <a:prstGeom prst="roundRect">
             <a:avLst/>
@@ -8532,191 +7658,53 @@
             <a:noFill/>
           </a:ln>
         </p:spPr>
-        <p:style>
-          <a:lnRef idx="1">
-            <a:schemeClr val="accent1"/>
-          </a:lnRef>
-          <a:fillRef idx="3">
-            <a:schemeClr val="accent1"/>
-          </a:fillRef>
-          <a:effectRef idx="2">
-            <a:schemeClr val="accent1"/>
-          </a:effectRef>
-          <a:fontRef idx="minor">
-            <a:schemeClr val="lt1"/>
-          </a:fontRef>
-        </p:style>
         <p:txBody>
           <a:bodyPr rtlCol="0" anchor="ctr"/>
           <a:lstStyle/>
           <a:p>
-            <a:pPr algn="ctr"/>
             <a:endParaRPr/>
           </a:p>
         </p:txBody>
       </p:sp>
       <p:sp>
         <p:nvSpPr>
-          <p:cNvPr id="11" name="TextBox 10"/>
-          <p:cNvSpPr txBox="1"/>
-          <p:nvPr/>
-        </p:nvSpPr>
-        <p:spPr>
-          <a:xfrm>
-            <a:off x="1828800" y="4434840"/>
-            <a:ext cx="1645920" cy="365760"/>
-          </a:xfrm>
-          <a:prstGeom prst="rect">
-            <a:avLst/>
-          </a:prstGeom>
-          <a:noFill/>
-        </p:spPr>
-        <p:txBody>
-          <a:bodyPr wrap="square">
-            <a:spAutoFit/>
-          </a:bodyPr>
-          <a:lstStyle/>
-          <a:p>
-            <a:pPr algn="l">
-              <a:defRPr sz="1800" b="1">
-                <a:solidFill>
-                  <a:srgbClr val="FFFFFF"/>
-                </a:solidFill>
-                <a:latin typeface="Calibri"/>
-              </a:defRPr>
-            </a:pPr>
-            <a:r>
-              <a:t>Layer 3</a:t>
-            </a:r>
-          </a:p>
-        </p:txBody>
-      </p:sp>
-      <p:sp>
-        <p:nvSpPr>
-          <p:cNvPr id="12" name="TextBox 11"/>
-          <p:cNvSpPr txBox="1"/>
-          <p:nvPr/>
-        </p:nvSpPr>
-        <p:spPr>
-          <a:xfrm>
-            <a:off x="3657600" y="4434840"/>
-            <a:ext cx="3657600" cy="365760"/>
-          </a:xfrm>
-          <a:prstGeom prst="rect">
-            <a:avLst/>
-          </a:prstGeom>
-          <a:noFill/>
-        </p:spPr>
-        <p:txBody>
-          <a:bodyPr wrap="square">
-            <a:spAutoFit/>
-          </a:bodyPr>
-          <a:lstStyle/>
-          <a:p>
-            <a:pPr algn="l">
-              <a:defRPr sz="1800" b="1">
-                <a:solidFill>
-                  <a:srgbClr val="FFFFFF"/>
-                </a:solidFill>
-                <a:latin typeface="Calibri"/>
-              </a:defRPr>
-            </a:pPr>
-            <a:r>
-              <a:t>Applications</a:t>
-            </a:r>
-          </a:p>
-        </p:txBody>
-      </p:sp>
-      <p:sp>
-        <p:nvSpPr>
-          <p:cNvPr id="13" name="TextBox 12"/>
-          <p:cNvSpPr txBox="1"/>
-          <p:nvPr/>
-        </p:nvSpPr>
-        <p:spPr>
-          <a:xfrm>
-            <a:off x="3657600" y="4846320"/>
-            <a:ext cx="8686800" cy="457200"/>
-          </a:xfrm>
-          <a:prstGeom prst="rect">
-            <a:avLst/>
-          </a:prstGeom>
-          <a:noFill/>
-        </p:spPr>
-        <p:txBody>
-          <a:bodyPr wrap="square">
-            <a:spAutoFit/>
-          </a:bodyPr>
-          <a:lstStyle/>
-          <a:p>
-            <a:pPr algn="l">
-              <a:defRPr sz="1400" b="0">
-                <a:solidFill>
-                  <a:srgbClr val="BBBBBB"/>
-                </a:solidFill>
-                <a:latin typeface="Calibri"/>
-              </a:defRPr>
-            </a:pPr>
-            <a:r>
-              <a:t>Lending (Aave), DEXs (Uniswap), Derivatives (GMX)</a:t>
-            </a:r>
-          </a:p>
-        </p:txBody>
-      </p:sp>
-      <p:sp>
-        <p:nvSpPr>
-          <p:cNvPr id="14" name="Rounded Rectangle 13"/>
+          <p:cNvPr id="21" name="CardEndoBar"/>
           <p:cNvSpPr/>
           <p:nvPr/>
         </p:nvSpPr>
         <p:spPr>
           <a:xfrm>
-            <a:off x="1371600" y="5669280"/>
-            <a:ext cx="11887200" cy="1188720"/>
+            <a:off x="7588800" y="2468880"/>
+            <a:ext cx="5943600" cy="91440"/>
           </a:xfrm>
           <a:prstGeom prst="roundRect">
             <a:avLst/>
           </a:prstGeom>
           <a:solidFill>
-            <a:srgbClr val="1A1A2E"/>
+            <a:srgbClr val="F96167"/>
           </a:solidFill>
           <a:ln>
             <a:noFill/>
           </a:ln>
         </p:spPr>
-        <p:style>
-          <a:lnRef idx="1">
-            <a:schemeClr val="accent1"/>
-          </a:lnRef>
-          <a:fillRef idx="3">
-            <a:schemeClr val="accent1"/>
-          </a:fillRef>
-          <a:effectRef idx="2">
-            <a:schemeClr val="accent1"/>
-          </a:effectRef>
-          <a:fontRef idx="minor">
-            <a:schemeClr val="lt1"/>
-          </a:fontRef>
-        </p:style>
         <p:txBody>
           <a:bodyPr rtlCol="0" anchor="ctr"/>
           <a:lstStyle/>
           <a:p>
-            <a:pPr algn="ctr"/>
             <a:endParaRPr/>
           </a:p>
         </p:txBody>
       </p:sp>
       <p:sp>
         <p:nvSpPr>
-          <p:cNvPr id="15" name="TextBox 14"/>
-          <p:cNvSpPr txBox="1"/>
-          <p:nvPr/>
-        </p:nvSpPr>
-        <p:spPr>
-          <a:xfrm>
-            <a:off x="1828800" y="5806440"/>
-            <a:ext cx="1645920" cy="365760"/>
+          <p:cNvPr id="22" name="CardEndoContent"/>
+          <p:cNvSpPr txBox="1"/>
+          <p:nvPr/>
+        </p:nvSpPr>
+        <p:spPr>
+          <a:xfrm>
+            <a:off x="7863120" y="2651760"/>
+            <a:ext cx="5486400" cy="4846320"/>
           </a:xfrm>
           <a:prstGeom prst="rect">
             <a:avLst/>
@@ -8730,79 +7718,42 @@
           <a:lstStyle/>
           <a:p>
             <a:pPr algn="l">
-              <a:defRPr sz="1800" b="1">
-                <a:solidFill>
-                  <a:srgbClr val="00B4D8"/>
-                </a:solidFill>
-                <a:latin typeface="Calibri"/>
-              </a:defRPr>
-            </a:pPr>
-            <a:r>
-              <a:t>Layer 2</a:t>
-            </a:r>
-          </a:p>
-        </p:txBody>
-      </p:sp>
-      <p:sp>
-        <p:nvSpPr>
-          <p:cNvPr id="16" name="TextBox 15"/>
-          <p:cNvSpPr txBox="1"/>
-          <p:nvPr/>
-        </p:nvSpPr>
-        <p:spPr>
-          <a:xfrm>
-            <a:off x="3657600" y="5806440"/>
-            <a:ext cx="3657600" cy="365760"/>
-          </a:xfrm>
-          <a:prstGeom prst="rect">
-            <a:avLst/>
-          </a:prstGeom>
-          <a:noFill/>
-        </p:spPr>
-        <p:txBody>
-          <a:bodyPr wrap="square">
-            <a:spAutoFit/>
-          </a:bodyPr>
-          <a:lstStyle/>
+              <a:spcAft>
+                <a:spcPts val="100"/>
+              </a:spcAft>
+              <a:defRPr sz="2400" b="1">
+                <a:solidFill>
+                  <a:srgbClr val="F96167"/>
+                </a:solidFill>
+                <a:latin typeface="Calibri"/>
+              </a:defRPr>
+            </a:pPr>
+            <a:r>
+              <a:t>Endogenous — High Risk</a:t>
+            </a:r>
+          </a:p>
           <a:p>
             <a:pPr algn="l">
-              <a:defRPr sz="1800" b="1">
-                <a:solidFill>
-                  <a:srgbClr val="FFFFFF"/>
-                </a:solidFill>
-                <a:latin typeface="Calibri"/>
-              </a:defRPr>
-            </a:pPr>
-            <a:r>
-              <a:t>Asset Layer</a:t>
-            </a:r>
-          </a:p>
-        </p:txBody>
-      </p:sp>
-      <p:sp>
-        <p:nvSpPr>
-          <p:cNvPr id="17" name="TextBox 16"/>
-          <p:cNvSpPr txBox="1"/>
-          <p:nvPr/>
-        </p:nvSpPr>
-        <p:spPr>
-          <a:xfrm>
-            <a:off x="3657600" y="6217920"/>
-            <a:ext cx="8686800" cy="457200"/>
-          </a:xfrm>
-          <a:prstGeom prst="rect">
-            <a:avLst/>
-          </a:prstGeom>
-          <a:noFill/>
-        </p:spPr>
-        <p:txBody>
-          <a:bodyPr wrap="square">
-            <a:spAutoFit/>
-          </a:bodyPr>
-          <a:lstStyle/>
+              <a:spcAft>
+                <a:spcPts val="200"/>
+              </a:spcAft>
+              <a:defRPr sz="1300" b="0">
+                <a:solidFill>
+                  <a:srgbClr val="BBBBBB"/>
+                </a:solidFill>
+                <a:latin typeface="Calibri"/>
+              </a:defRPr>
+            </a:pPr>
+            <a:r>
+              <a:t>Collateral was created by and for the protocol. Its value is reflexive — collateral and stablecoin rise and fall together.</a:t>
+            </a:r>
+          </a:p>
           <a:p>
             <a:pPr algn="l">
-              <a:defRPr sz="1400" b="0">
+              <a:spcAft>
+                <a:spcPts val="150"/>
+              </a:spcAft>
+              <a:defRPr sz="1300" b="0">
                 <a:solidFill>
                   <a:srgbClr val="BBBBBB"/>
                 </a:solidFill>
@@ -8810,159 +7761,39 @@
               </a:defRPr>
             </a:pPr>
             <a:r>
-              <a:t>ERC-20 tokens, stablecoins, wrapped assets, LP tokens</a:t>
-            </a:r>
-          </a:p>
-        </p:txBody>
-      </p:sp>
-      <p:sp>
-        <p:nvSpPr>
-          <p:cNvPr id="18" name="Rounded Rectangle 17"/>
-          <p:cNvSpPr/>
-          <p:nvPr/>
-        </p:nvSpPr>
-        <p:spPr>
-          <a:xfrm>
-            <a:off x="1371600" y="7040880"/>
-            <a:ext cx="11887200" cy="1188720"/>
-          </a:xfrm>
-          <a:prstGeom prst="roundRect">
-            <a:avLst/>
-          </a:prstGeom>
-          <a:solidFill>
-            <a:srgbClr val="1A1A2E"/>
-          </a:solidFill>
-          <a:ln>
-            <a:noFill/>
-          </a:ln>
-        </p:spPr>
-        <p:style>
-          <a:lnRef idx="1">
-            <a:schemeClr val="accent1"/>
-          </a:lnRef>
-          <a:fillRef idx="3">
-            <a:schemeClr val="accent1"/>
-          </a:fillRef>
-          <a:effectRef idx="2">
-            <a:schemeClr val="accent1"/>
-          </a:effectRef>
-          <a:fontRef idx="minor">
-            <a:schemeClr val="lt1"/>
-          </a:fontRef>
-        </p:style>
-        <p:txBody>
-          <a:bodyPr rtlCol="0" anchor="ctr"/>
-          <a:lstStyle/>
-          <a:p>
-            <a:pPr algn="ctr"/>
-            <a:endParaRPr/>
-          </a:p>
-        </p:txBody>
-      </p:sp>
-      <p:sp>
-        <p:nvSpPr>
-          <p:cNvPr id="19" name="TextBox 18"/>
-          <p:cNvSpPr txBox="1"/>
-          <p:nvPr/>
-        </p:nvSpPr>
-        <p:spPr>
-          <a:xfrm>
-            <a:off x="1828800" y="7178040"/>
-            <a:ext cx="1645920" cy="365760"/>
-          </a:xfrm>
-          <a:prstGeom prst="rect">
-            <a:avLst/>
-          </a:prstGeom>
-          <a:noFill/>
-        </p:spPr>
-        <p:txBody>
-          <a:bodyPr wrap="square">
-            <a:spAutoFit/>
-          </a:bodyPr>
-          <a:lstStyle/>
+              <a:t>• UST fails? Luna also collapses — $40B wiped in days</a:t>
+            </a:r>
+          </a:p>
           <a:p>
             <a:pPr algn="l">
-              <a:defRPr sz="1800" b="1">
-                <a:solidFill>
-                  <a:srgbClr val="00E676"/>
-                </a:solidFill>
-                <a:latin typeface="Calibri"/>
-              </a:defRPr>
-            </a:pPr>
-            <a:r>
-              <a:t>Layer 1</a:t>
-            </a:r>
-          </a:p>
-        </p:txBody>
-      </p:sp>
-      <p:sp>
-        <p:nvSpPr>
-          <p:cNvPr id="20" name="TextBox 19"/>
-          <p:cNvSpPr txBox="1"/>
-          <p:nvPr/>
-        </p:nvSpPr>
-        <p:spPr>
-          <a:xfrm>
-            <a:off x="3657600" y="7178040"/>
-            <a:ext cx="3657600" cy="365760"/>
-          </a:xfrm>
-          <a:prstGeom prst="rect">
-            <a:avLst/>
-          </a:prstGeom>
-          <a:noFill/>
-        </p:spPr>
-        <p:txBody>
-          <a:bodyPr wrap="square">
-            <a:spAutoFit/>
-          </a:bodyPr>
-          <a:lstStyle/>
+              <a:spcAft>
+                <a:spcPts val="150"/>
+              </a:spcAft>
+              <a:defRPr sz="1300" b="0">
+                <a:solidFill>
+                  <a:srgbClr val="BBBBBB"/>
+                </a:solidFill>
+                <a:latin typeface="Calibri"/>
+              </a:defRPr>
+            </a:pPr>
+            <a:r>
+              <a:t>• Tests: Was collateral created solely to be collateral? Does protocol own collateral issuance? If yes — endogenous.</a:t>
+            </a:r>
+          </a:p>
           <a:p>
             <a:pPr algn="l">
-              <a:defRPr sz="1800" b="1">
-                <a:solidFill>
-                  <a:srgbClr val="FFFFFF"/>
-                </a:solidFill>
-                <a:latin typeface="Calibri"/>
-              </a:defRPr>
-            </a:pPr>
-            <a:r>
-              <a:t>Settlement Layer</a:t>
-            </a:r>
-          </a:p>
-        </p:txBody>
-      </p:sp>
-      <p:sp>
-        <p:nvSpPr>
-          <p:cNvPr id="21" name="TextBox 20"/>
-          <p:cNvSpPr txBox="1"/>
-          <p:nvPr/>
-        </p:nvSpPr>
-        <p:spPr>
-          <a:xfrm>
-            <a:off x="3657600" y="7589520"/>
-            <a:ext cx="8686800" cy="457200"/>
-          </a:xfrm>
-          <a:prstGeom prst="rect">
-            <a:avLst/>
-          </a:prstGeom>
-          <a:noFill/>
-        </p:spPr>
-        <p:txBody>
-          <a:bodyPr wrap="square">
-            <a:spAutoFit/>
-          </a:bodyPr>
-          <a:lstStyle/>
-          <a:p>
-            <a:pPr algn="l">
-              <a:defRPr sz="1400" b="0">
-                <a:solidFill>
-                  <a:srgbClr val="BBBBBB"/>
-                </a:solidFill>
-                <a:latin typeface="Calibri"/>
-              </a:defRPr>
-            </a:pPr>
-            <a:r>
-              <a:t>Blockchain (Movement, Ethereum) — consensus &amp; finality</a:t>
+              <a:spcAft>
+                <a:spcPts val="200"/>
+              </a:spcAft>
+              <a:defRPr sz="1200" b="1">
+                <a:solidFill>
+                  <a:srgbClr val="F96167"/>
+                </a:solidFill>
+                <a:latin typeface="Calibri"/>
+              </a:defRPr>
+            </a:pPr>
+            <a:r>
+              <a:t>Advantage: can scale without onboarding real collateral</a:t>
             </a:r>
           </a:p>
         </p:txBody>
@@ -9075,7 +7906,7 @@
               </a:defRPr>
             </a:pPr>
             <a:r>
-              <a:t>Building DeFi on Movement</a:t>
+              <a:t>Stablecoin Lifecycle — How It Works</a:t>
             </a:r>
           </a:p>
         </p:txBody>
@@ -9126,14 +7957,50 @@
       </p:sp>
       <p:sp>
         <p:nvSpPr>
-          <p:cNvPr id="5" name="Rounded Rectangle 4"/>
+          <p:cNvPr id="5" name="TextBox 4"/>
+          <p:cNvSpPr txBox="1"/>
+          <p:nvPr/>
+        </p:nvSpPr>
+        <p:spPr>
+          <a:xfrm>
+            <a:off x="1371600" y="1920240"/>
+            <a:ext cx="11887200" cy="457200"/>
+          </a:xfrm>
+          <a:prstGeom prst="rect">
+            <a:avLst/>
+          </a:prstGeom>
+          <a:noFill/>
+        </p:spPr>
+        <p:txBody>
+          <a:bodyPr wrap="square">
+            <a:spAutoFit/>
+          </a:bodyPr>
+          <a:lstStyle/>
+          <a:p>
+            <a:pPr algn="l">
+              <a:defRPr sz="1800" b="0">
+                <a:solidFill>
+                  <a:srgbClr val="BBBBBB"/>
+                </a:solidFill>
+                <a:latin typeface="Calibri"/>
+              </a:defRPr>
+            </a:pPr>
+            <a:r>
+              <a:t>The four core mechanisms that keep stablecoins functioning: Deposit → Mint → Burn → Liquidation</a:t>
+            </a:r>
+          </a:p>
+        </p:txBody>
+      </p:sp>
+      <p:sp>
+        <p:nvSpPr>
+          <p:cNvPr id="6" name="Rounded Rectangle 5"/>
           <p:cNvSpPr/>
           <p:nvPr/>
         </p:nvSpPr>
         <p:spPr>
           <a:xfrm>
-            <a:off x="1371600" y="2103120"/>
-            <a:ext cx="5669280" cy="5303520"/>
+            <a:off x="548640" y="2651760"/>
+            <a:ext cx="3200400" cy="4846320"/>
           </a:xfrm>
           <a:prstGeom prst="roundRect">
             <a:avLst/>
@@ -9170,50 +8037,138 @@
       </p:sp>
       <p:sp>
         <p:nvSpPr>
-          <p:cNvPr id="6" name="TextBox 5"/>
-          <p:cNvSpPr txBox="1"/>
-          <p:nvPr/>
-        </p:nvSpPr>
-        <p:spPr>
-          <a:xfrm>
-            <a:off x="1828800" y="2286000"/>
-            <a:ext cx="5029200" cy="457200"/>
-          </a:xfrm>
-          <a:prstGeom prst="rect">
-            <a:avLst/>
-          </a:prstGeom>
-          <a:noFill/>
-        </p:spPr>
-        <p:txBody>
-          <a:bodyPr wrap="square">
-            <a:spAutoFit/>
-          </a:bodyPr>
-          <a:lstStyle/>
-          <a:p>
-            <a:pPr algn="l">
+          <p:cNvPr id="7" name="Oval 6"/>
+          <p:cNvSpPr/>
+          <p:nvPr/>
+        </p:nvSpPr>
+        <p:spPr>
+          <a:xfrm>
+            <a:off x="1691640" y="2788920"/>
+            <a:ext cx="502920" cy="502920"/>
+          </a:xfrm>
+          <a:prstGeom prst="ellipse">
+            <a:avLst/>
+          </a:prstGeom>
+          <a:solidFill>
+            <a:srgbClr val="00B4D8"/>
+          </a:solidFill>
+          <a:ln>
+            <a:noFill/>
+          </a:ln>
+        </p:spPr>
+        <p:style>
+          <a:lnRef idx="1">
+            <a:schemeClr val="accent1"/>
+          </a:lnRef>
+          <a:fillRef idx="3">
+            <a:schemeClr val="accent1"/>
+          </a:fillRef>
+          <a:effectRef idx="2">
+            <a:schemeClr val="accent1"/>
+          </a:effectRef>
+          <a:fontRef idx="minor">
+            <a:schemeClr val="lt1"/>
+          </a:fontRef>
+        </p:style>
+        <p:txBody>
+          <a:bodyPr rtlCol="0" anchor="ctr"/>
+          <a:lstStyle/>
+          <a:p>
+            <a:pPr algn="ctr">
+              <a:defRPr sz="1800" b="1">
+                <a:solidFill>
+                  <a:srgbClr val="FFFFFF"/>
+                </a:solidFill>
+              </a:defRPr>
+            </a:pPr>
+            <a:r>
+              <a:t>1</a:t>
+            </a:r>
+          </a:p>
+        </p:txBody>
+      </p:sp>
+      <p:sp>
+        <p:nvSpPr>
+          <p:cNvPr id="8" name="TextBox 7"/>
+          <p:cNvSpPr txBox="1"/>
+          <p:nvPr/>
+        </p:nvSpPr>
+        <p:spPr>
+          <a:xfrm>
+            <a:off x="822960" y="3383280"/>
+            <a:ext cx="2834640" cy="457200"/>
+          </a:xfrm>
+          <a:prstGeom prst="rect">
+            <a:avLst/>
+          </a:prstGeom>
+          <a:noFill/>
+        </p:spPr>
+        <p:txBody>
+          <a:bodyPr wrap="square">
+            <a:spAutoFit/>
+          </a:bodyPr>
+          <a:lstStyle/>
+          <a:p>
+            <a:pPr algn="ctr">
               <a:defRPr sz="2000" b="1">
                 <a:solidFill>
-                  <a:srgbClr val="FFCD00"/>
-                </a:solidFill>
-                <a:latin typeface="Calibri"/>
-              </a:defRPr>
-            </a:pPr>
-            <a:r>
-              <a:t>⚡ Movement Advantages for DeFi</a:t>
-            </a:r>
-          </a:p>
-        </p:txBody>
-      </p:sp>
-      <p:sp>
-        <p:nvSpPr>
-          <p:cNvPr id="7" name="TextBox 6"/>
-          <p:cNvSpPr txBox="1"/>
-          <p:nvPr/>
-        </p:nvSpPr>
-        <p:spPr>
-          <a:xfrm>
-            <a:off x="1828800" y="3017520"/>
-            <a:ext cx="5029200" cy="4114800"/>
+                  <a:srgbClr val="00B4D8"/>
+                </a:solidFill>
+                <a:latin typeface="Calibri"/>
+              </a:defRPr>
+            </a:pPr>
+            <a:r>
+              <a:t>📥  DEPOSIT</a:t>
+            </a:r>
+          </a:p>
+        </p:txBody>
+      </p:sp>
+      <p:sp>
+        <p:nvSpPr>
+          <p:cNvPr id="9" name="TextBox 8"/>
+          <p:cNvSpPr txBox="1"/>
+          <p:nvPr/>
+        </p:nvSpPr>
+        <p:spPr>
+          <a:xfrm>
+            <a:off x="822960" y="3840480"/>
+            <a:ext cx="2834640" cy="365760"/>
+          </a:xfrm>
+          <a:prstGeom prst="rect">
+            <a:avLst/>
+          </a:prstGeom>
+          <a:noFill/>
+        </p:spPr>
+        <p:txBody>
+          <a:bodyPr wrap="square">
+            <a:spAutoFit/>
+          </a:bodyPr>
+          <a:lstStyle/>
+          <a:p>
+            <a:pPr algn="ctr">
+              <a:defRPr sz="1600" b="1">
+                <a:solidFill>
+                  <a:srgbClr val="FFFFFF"/>
+                </a:solidFill>
+                <a:latin typeface="Calibri"/>
+              </a:defRPr>
+            </a:pPr>
+            <a:r>
+              <a:t>Lock Collateral</a:t>
+            </a:r>
+          </a:p>
+        </p:txBody>
+      </p:sp>
+      <p:sp>
+        <p:nvSpPr>
+          <p:cNvPr id="10" name="TextBox 9"/>
+          <p:cNvSpPr txBox="1"/>
+          <p:nvPr/>
+        </p:nvSpPr>
+        <p:spPr>
+          <a:xfrm>
+            <a:off x="731520" y="4389120"/>
+            <a:ext cx="2834640" cy="1821011"/>
           </a:xfrm>
           <a:prstGeom prst="rect">
             <a:avLst/>
@@ -9230,7 +8185,7 @@
               <a:spcAft>
                 <a:spcPts val="400"/>
               </a:spcAft>
-              <a:defRPr sz="1500">
+              <a:defRPr sz="1100">
                 <a:solidFill>
                   <a:srgbClr val="BBBBBB"/>
                 </a:solidFill>
@@ -9238,7 +8193,16 @@
               </a:defRPr>
             </a:pPr>
             <a:r>
-              <a:t>•  Sub-second finality for real-time trading</a:t>
+              <a:rPr dirty="0"/>
+              <a:t>•  User deposits collateral (</a:t>
+            </a:r>
+            <a:r>
+              <a:rPr lang="en-US" dirty="0"/>
+              <a:t>MOVE,</a:t>
+            </a:r>
+            <a:r>
+              <a:rPr dirty="0"/>
+              <a:t> BTC, etc.) into a Vault / CDP smart contract</a:t>
             </a:r>
           </a:p>
           <a:p>
@@ -9246,7 +8210,7 @@
               <a:spcAft>
                 <a:spcPts val="400"/>
               </a:spcAft>
-              <a:defRPr sz="1500">
+              <a:defRPr sz="1100">
                 <a:solidFill>
                   <a:srgbClr val="BBBBBB"/>
                 </a:solidFill>
@@ -9254,7 +8218,8 @@
               </a:defRPr>
             </a:pPr>
             <a:r>
-              <a:t>•  Parallel execution → higher throughput</a:t>
+              <a:rPr dirty="0"/>
+              <a:t>•  Collateral is locked and tracked on-chain</a:t>
             </a:r>
           </a:p>
           <a:p>
@@ -9262,7 +8227,7 @@
               <a:spcAft>
                 <a:spcPts val="400"/>
               </a:spcAft>
-              <a:defRPr sz="1500">
+              <a:defRPr sz="1100">
                 <a:solidFill>
                   <a:srgbClr val="BBBBBB"/>
                 </a:solidFill>
@@ -9270,7 +8235,8 @@
               </a:defRPr>
             </a:pPr>
             <a:r>
-              <a:t>•  Move's safety prevents DeFi exploits</a:t>
+              <a:rPr dirty="0"/>
+              <a:t>•  Collateral ratio must exceed minimum (e.g. 150%)</a:t>
             </a:r>
           </a:p>
           <a:p>
@@ -9278,7 +8244,7 @@
               <a:spcAft>
                 <a:spcPts val="400"/>
               </a:spcAft>
-              <a:defRPr sz="1500">
+              <a:defRPr sz="1100">
                 <a:solidFill>
                   <a:srgbClr val="BBBBBB"/>
                 </a:solidFill>
@@ -9286,7 +8252,8 @@
               </a:defRPr>
             </a:pPr>
             <a:r>
-              <a:t>•  EVM compatibility via Fractal</a:t>
+              <a:rPr dirty="0"/>
+              <a:t>•  Over-collateralization protects against volatility</a:t>
             </a:r>
           </a:p>
           <a:p>
@@ -9294,7 +8261,7 @@
               <a:spcAft>
                 <a:spcPts val="400"/>
               </a:spcAft>
-              <a:defRPr sz="1500">
+              <a:defRPr sz="1100">
                 <a:solidFill>
                   <a:srgbClr val="BBBBBB"/>
                 </a:solidFill>
@@ -9302,37 +8269,58 @@
               </a:defRPr>
             </a:pPr>
             <a:r>
-              <a:t>•  Low gas costs for complex DeFi ops</a:t>
-            </a:r>
-          </a:p>
-          <a:p>
-            <a:pPr>
-              <a:spcAft>
-                <a:spcPts val="400"/>
-              </a:spcAft>
-              <a:defRPr sz="1500">
-                <a:solidFill>
-                  <a:srgbClr val="BBBBBB"/>
-                </a:solidFill>
-                <a:latin typeface="Calibri"/>
-              </a:defRPr>
-            </a:pPr>
-            <a:r>
-              <a:t>•  Native formal verification tooling</a:t>
-            </a:r>
-          </a:p>
-        </p:txBody>
-      </p:sp>
-      <p:sp>
-        <p:nvSpPr>
-          <p:cNvPr id="8" name="Rounded Rectangle 7"/>
+              <a:rPr dirty="0"/>
+              <a:t>•  Vault records the user's position &amp; debt ratio</a:t>
+            </a:r>
+          </a:p>
+        </p:txBody>
+      </p:sp>
+      <p:sp>
+        <p:nvSpPr>
+          <p:cNvPr id="11" name="TextBox 10"/>
+          <p:cNvSpPr txBox="1"/>
+          <p:nvPr/>
+        </p:nvSpPr>
+        <p:spPr>
+          <a:xfrm>
+            <a:off x="3703320" y="4754880"/>
+            <a:ext cx="457200" cy="457200"/>
+          </a:xfrm>
+          <a:prstGeom prst="rect">
+            <a:avLst/>
+          </a:prstGeom>
+          <a:noFill/>
+        </p:spPr>
+        <p:txBody>
+          <a:bodyPr wrap="square">
+            <a:spAutoFit/>
+          </a:bodyPr>
+          <a:lstStyle/>
+          <a:p>
+            <a:pPr algn="ctr">
+              <a:defRPr sz="2800" b="0">
+                <a:solidFill>
+                  <a:srgbClr val="FFCD00"/>
+                </a:solidFill>
+                <a:latin typeface="Calibri"/>
+              </a:defRPr>
+            </a:pPr>
+            <a:r>
+              <a:t>→</a:t>
+            </a:r>
+          </a:p>
+        </p:txBody>
+      </p:sp>
+      <p:sp>
+        <p:nvSpPr>
+          <p:cNvPr id="12" name="Rounded Rectangle 11"/>
           <p:cNvSpPr/>
           <p:nvPr/>
         </p:nvSpPr>
         <p:spPr>
           <a:xfrm>
-            <a:off x="7772400" y="2103120"/>
-            <a:ext cx="5669280" cy="5303520"/>
+            <a:off x="4023360" y="2651760"/>
+            <a:ext cx="3200400" cy="4846320"/>
           </a:xfrm>
           <a:prstGeom prst="roundRect">
             <a:avLst/>
@@ -9369,50 +8357,138 @@
       </p:sp>
       <p:sp>
         <p:nvSpPr>
-          <p:cNvPr id="9" name="TextBox 8"/>
-          <p:cNvSpPr txBox="1"/>
-          <p:nvPr/>
-        </p:nvSpPr>
-        <p:spPr>
-          <a:xfrm>
-            <a:off x="8229600" y="2286000"/>
-            <a:ext cx="5029200" cy="457200"/>
-          </a:xfrm>
-          <a:prstGeom prst="rect">
-            <a:avLst/>
-          </a:prstGeom>
-          <a:noFill/>
-        </p:spPr>
-        <p:txBody>
-          <a:bodyPr wrap="square">
-            <a:spAutoFit/>
-          </a:bodyPr>
-          <a:lstStyle/>
-          <a:p>
-            <a:pPr algn="l">
+          <p:cNvPr id="13" name="Oval 12"/>
+          <p:cNvSpPr/>
+          <p:nvPr/>
+        </p:nvSpPr>
+        <p:spPr>
+          <a:xfrm>
+            <a:off x="5166360" y="2788920"/>
+            <a:ext cx="502920" cy="502920"/>
+          </a:xfrm>
+          <a:prstGeom prst="ellipse">
+            <a:avLst/>
+          </a:prstGeom>
+          <a:solidFill>
+            <a:srgbClr val="00E676"/>
+          </a:solidFill>
+          <a:ln>
+            <a:noFill/>
+          </a:ln>
+        </p:spPr>
+        <p:style>
+          <a:lnRef idx="1">
+            <a:schemeClr val="accent1"/>
+          </a:lnRef>
+          <a:fillRef idx="3">
+            <a:schemeClr val="accent1"/>
+          </a:fillRef>
+          <a:effectRef idx="2">
+            <a:schemeClr val="accent1"/>
+          </a:effectRef>
+          <a:fontRef idx="minor">
+            <a:schemeClr val="lt1"/>
+          </a:fontRef>
+        </p:style>
+        <p:txBody>
+          <a:bodyPr rtlCol="0" anchor="ctr"/>
+          <a:lstStyle/>
+          <a:p>
+            <a:pPr algn="ctr">
+              <a:defRPr sz="1800" b="1">
+                <a:solidFill>
+                  <a:srgbClr val="FFFFFF"/>
+                </a:solidFill>
+              </a:defRPr>
+            </a:pPr>
+            <a:r>
+              <a:t>2</a:t>
+            </a:r>
+          </a:p>
+        </p:txBody>
+      </p:sp>
+      <p:sp>
+        <p:nvSpPr>
+          <p:cNvPr id="14" name="TextBox 13"/>
+          <p:cNvSpPr txBox="1"/>
+          <p:nvPr/>
+        </p:nvSpPr>
+        <p:spPr>
+          <a:xfrm>
+            <a:off x="4297680" y="3383280"/>
+            <a:ext cx="2834640" cy="457200"/>
+          </a:xfrm>
+          <a:prstGeom prst="rect">
+            <a:avLst/>
+          </a:prstGeom>
+          <a:noFill/>
+        </p:spPr>
+        <p:txBody>
+          <a:bodyPr wrap="square">
+            <a:spAutoFit/>
+          </a:bodyPr>
+          <a:lstStyle/>
+          <a:p>
+            <a:pPr algn="ctr">
               <a:defRPr sz="2000" b="1">
                 <a:solidFill>
-                  <a:srgbClr val="FFCD00"/>
-                </a:solidFill>
-                <a:latin typeface="Calibri"/>
-              </a:defRPr>
-            </a:pPr>
-            <a:r>
-              <a:t>🏗️ Movement DeFi Ecosystem</a:t>
-            </a:r>
-          </a:p>
-        </p:txBody>
-      </p:sp>
-      <p:sp>
-        <p:nvSpPr>
-          <p:cNvPr id="10" name="TextBox 9"/>
-          <p:cNvSpPr txBox="1"/>
-          <p:nvPr/>
-        </p:nvSpPr>
-        <p:spPr>
-          <a:xfrm>
-            <a:off x="8229600" y="3017520"/>
-            <a:ext cx="5029200" cy="4114800"/>
+                  <a:srgbClr val="00E676"/>
+                </a:solidFill>
+                <a:latin typeface="Calibri"/>
+              </a:defRPr>
+            </a:pPr>
+            <a:r>
+              <a:t>🪙  MINT</a:t>
+            </a:r>
+          </a:p>
+        </p:txBody>
+      </p:sp>
+      <p:sp>
+        <p:nvSpPr>
+          <p:cNvPr id="15" name="TextBox 14"/>
+          <p:cNvSpPr txBox="1"/>
+          <p:nvPr/>
+        </p:nvSpPr>
+        <p:spPr>
+          <a:xfrm>
+            <a:off x="4297680" y="3840480"/>
+            <a:ext cx="2834640" cy="365760"/>
+          </a:xfrm>
+          <a:prstGeom prst="rect">
+            <a:avLst/>
+          </a:prstGeom>
+          <a:noFill/>
+        </p:spPr>
+        <p:txBody>
+          <a:bodyPr wrap="square">
+            <a:spAutoFit/>
+          </a:bodyPr>
+          <a:lstStyle/>
+          <a:p>
+            <a:pPr algn="ctr">
+              <a:defRPr sz="1600" b="1">
+                <a:solidFill>
+                  <a:srgbClr val="FFFFFF"/>
+                </a:solidFill>
+                <a:latin typeface="Calibri"/>
+              </a:defRPr>
+            </a:pPr>
+            <a:r>
+              <a:t>Create Stablecoins</a:t>
+            </a:r>
+          </a:p>
+        </p:txBody>
+      </p:sp>
+      <p:sp>
+        <p:nvSpPr>
+          <p:cNvPr id="16" name="TextBox 15"/>
+          <p:cNvSpPr txBox="1"/>
+          <p:nvPr/>
+        </p:nvSpPr>
+        <p:spPr>
+          <a:xfrm>
+            <a:off x="4206240" y="4389120"/>
+            <a:ext cx="2834640" cy="2926080"/>
           </a:xfrm>
           <a:prstGeom prst="rect">
             <a:avLst/>
@@ -9429,7 +8505,7 @@
               <a:spcAft>
                 <a:spcPts val="400"/>
               </a:spcAft>
-              <a:defRPr sz="1500">
+              <a:defRPr sz="1100">
                 <a:solidFill>
                   <a:srgbClr val="BBBBBB"/>
                 </a:solidFill>
@@ -9437,7 +8513,7 @@
               </a:defRPr>
             </a:pPr>
             <a:r>
-              <a:t>•  Meridian — DEX &amp; AMM</a:t>
+              <a:t>•  Smart contract mints new stablecoins against locked collateral</a:t>
             </a:r>
           </a:p>
           <a:p>
@@ -9445,7 +8521,7 @@
               <a:spcAft>
                 <a:spcPts val="400"/>
               </a:spcAft>
-              <a:defRPr sz="1500">
+              <a:defRPr sz="1100">
                 <a:solidFill>
                   <a:srgbClr val="BBBBBB"/>
                 </a:solidFill>
@@ -9453,7 +8529,7 @@
               </a:defRPr>
             </a:pPr>
             <a:r>
-              <a:t>•  Joule — Lending &amp; Borrowing</a:t>
+              <a:t>•  Amount minted is limited by collateral ratio</a:t>
             </a:r>
           </a:p>
           <a:p>
@@ -9461,7 +8537,7 @@
               <a:spcAft>
                 <a:spcPts val="400"/>
               </a:spcAft>
-              <a:defRPr sz="1500">
+              <a:defRPr sz="1100">
                 <a:solidFill>
                   <a:srgbClr val="BBBBBB"/>
                 </a:solidFill>
@@ -9469,7 +8545,7 @@
               </a:defRPr>
             </a:pPr>
             <a:r>
-              <a:t>•  Echelon — Money Markets</a:t>
+              <a:t>•  e.g. $1500 ETH → mint up to $1000 stablecoins</a:t>
             </a:r>
           </a:p>
           <a:p>
@@ -9477,7 +8553,7 @@
               <a:spcAft>
                 <a:spcPts val="400"/>
               </a:spcAft>
-              <a:defRPr sz="1500">
+              <a:defRPr sz="1100">
                 <a:solidFill>
                   <a:srgbClr val="BBBBBB"/>
                 </a:solidFill>
@@ -9485,7 +8561,7 @@
               </a:defRPr>
             </a:pPr>
             <a:r>
-              <a:t>•  Mosaic — Stablecoin Infrastructure</a:t>
+              <a:t>•  Minted tokens are sent to the user's wallet</a:t>
             </a:r>
           </a:p>
           <a:p>
@@ -9493,7 +8569,7 @@
               <a:spcAft>
                 <a:spcPts val="400"/>
               </a:spcAft>
-              <a:defRPr sz="1500">
+              <a:defRPr sz="1100">
                 <a:solidFill>
                   <a:srgbClr val="BBBBBB"/>
                 </a:solidFill>
@@ -9501,15 +8577,242 @@
               </a:defRPr>
             </a:pPr>
             <a:r>
-              <a:t>•  Canopy — Yield Aggregation</a:t>
-            </a:r>
-          </a:p>
+              <a:t>•  Debt is recorded — user now owes the protocol</a:t>
+            </a:r>
+          </a:p>
+        </p:txBody>
+      </p:sp>
+      <p:sp>
+        <p:nvSpPr>
+          <p:cNvPr id="17" name="TextBox 16"/>
+          <p:cNvSpPr txBox="1"/>
+          <p:nvPr/>
+        </p:nvSpPr>
+        <p:spPr>
+          <a:xfrm>
+            <a:off x="7178040" y="4754880"/>
+            <a:ext cx="457200" cy="457200"/>
+          </a:xfrm>
+          <a:prstGeom prst="rect">
+            <a:avLst/>
+          </a:prstGeom>
+          <a:noFill/>
+        </p:spPr>
+        <p:txBody>
+          <a:bodyPr wrap="square">
+            <a:spAutoFit/>
+          </a:bodyPr>
+          <a:lstStyle/>
+          <a:p>
+            <a:pPr algn="ctr">
+              <a:defRPr sz="2800" b="0">
+                <a:solidFill>
+                  <a:srgbClr val="FFCD00"/>
+                </a:solidFill>
+                <a:latin typeface="Calibri"/>
+              </a:defRPr>
+            </a:pPr>
+            <a:r>
+              <a:t>→</a:t>
+            </a:r>
+          </a:p>
+        </p:txBody>
+      </p:sp>
+      <p:sp>
+        <p:nvSpPr>
+          <p:cNvPr id="18" name="Rounded Rectangle 17"/>
+          <p:cNvSpPr/>
+          <p:nvPr/>
+        </p:nvSpPr>
+        <p:spPr>
+          <a:xfrm>
+            <a:off x="7498079" y="2651760"/>
+            <a:ext cx="3200400" cy="4846320"/>
+          </a:xfrm>
+          <a:prstGeom prst="roundRect">
+            <a:avLst/>
+          </a:prstGeom>
+          <a:solidFill>
+            <a:srgbClr val="1A1A2E"/>
+          </a:solidFill>
+          <a:ln>
+            <a:noFill/>
+          </a:ln>
+        </p:spPr>
+        <p:style>
+          <a:lnRef idx="1">
+            <a:schemeClr val="accent1"/>
+          </a:lnRef>
+          <a:fillRef idx="3">
+            <a:schemeClr val="accent1"/>
+          </a:fillRef>
+          <a:effectRef idx="2">
+            <a:schemeClr val="accent1"/>
+          </a:effectRef>
+          <a:fontRef idx="minor">
+            <a:schemeClr val="lt1"/>
+          </a:fontRef>
+        </p:style>
+        <p:txBody>
+          <a:bodyPr rtlCol="0" anchor="ctr"/>
+          <a:lstStyle/>
+          <a:p>
+            <a:pPr algn="ctr"/>
+            <a:endParaRPr/>
+          </a:p>
+        </p:txBody>
+      </p:sp>
+      <p:sp>
+        <p:nvSpPr>
+          <p:cNvPr id="19" name="Oval 18"/>
+          <p:cNvSpPr/>
+          <p:nvPr/>
+        </p:nvSpPr>
+        <p:spPr>
+          <a:xfrm>
+            <a:off x="8641079" y="2788920"/>
+            <a:ext cx="502920" cy="502920"/>
+          </a:xfrm>
+          <a:prstGeom prst="ellipse">
+            <a:avLst/>
+          </a:prstGeom>
+          <a:solidFill>
+            <a:srgbClr val="FFA500"/>
+          </a:solidFill>
+          <a:ln>
+            <a:noFill/>
+          </a:ln>
+        </p:spPr>
+        <p:style>
+          <a:lnRef idx="1">
+            <a:schemeClr val="accent1"/>
+          </a:lnRef>
+          <a:fillRef idx="3">
+            <a:schemeClr val="accent1"/>
+          </a:fillRef>
+          <a:effectRef idx="2">
+            <a:schemeClr val="accent1"/>
+          </a:effectRef>
+          <a:fontRef idx="minor">
+            <a:schemeClr val="lt1"/>
+          </a:fontRef>
+        </p:style>
+        <p:txBody>
+          <a:bodyPr rtlCol="0" anchor="ctr"/>
+          <a:lstStyle/>
+          <a:p>
+            <a:pPr algn="ctr">
+              <a:defRPr sz="1800" b="1">
+                <a:solidFill>
+                  <a:srgbClr val="FFFFFF"/>
+                </a:solidFill>
+              </a:defRPr>
+            </a:pPr>
+            <a:r>
+              <a:t>3</a:t>
+            </a:r>
+          </a:p>
+        </p:txBody>
+      </p:sp>
+      <p:sp>
+        <p:nvSpPr>
+          <p:cNvPr id="20" name="TextBox 19"/>
+          <p:cNvSpPr txBox="1"/>
+          <p:nvPr/>
+        </p:nvSpPr>
+        <p:spPr>
+          <a:xfrm>
+            <a:off x="7772399" y="3383280"/>
+            <a:ext cx="2834640" cy="457200"/>
+          </a:xfrm>
+          <a:prstGeom prst="rect">
+            <a:avLst/>
+          </a:prstGeom>
+          <a:noFill/>
+        </p:spPr>
+        <p:txBody>
+          <a:bodyPr wrap="square">
+            <a:spAutoFit/>
+          </a:bodyPr>
+          <a:lstStyle/>
+          <a:p>
+            <a:pPr algn="ctr">
+              <a:defRPr sz="2000" b="1">
+                <a:solidFill>
+                  <a:srgbClr val="FFA500"/>
+                </a:solidFill>
+                <a:latin typeface="Calibri"/>
+              </a:defRPr>
+            </a:pPr>
+            <a:r>
+              <a:t>🔥  BURN</a:t>
+            </a:r>
+          </a:p>
+        </p:txBody>
+      </p:sp>
+      <p:sp>
+        <p:nvSpPr>
+          <p:cNvPr id="21" name="TextBox 20"/>
+          <p:cNvSpPr txBox="1"/>
+          <p:nvPr/>
+        </p:nvSpPr>
+        <p:spPr>
+          <a:xfrm>
+            <a:off x="7772399" y="3840480"/>
+            <a:ext cx="2834640" cy="365760"/>
+          </a:xfrm>
+          <a:prstGeom prst="rect">
+            <a:avLst/>
+          </a:prstGeom>
+          <a:noFill/>
+        </p:spPr>
+        <p:txBody>
+          <a:bodyPr wrap="square">
+            <a:spAutoFit/>
+          </a:bodyPr>
+          <a:lstStyle/>
+          <a:p>
+            <a:pPr algn="ctr">
+              <a:defRPr sz="1600" b="1">
+                <a:solidFill>
+                  <a:srgbClr val="FFFFFF"/>
+                </a:solidFill>
+                <a:latin typeface="Calibri"/>
+              </a:defRPr>
+            </a:pPr>
+            <a:r>
+              <a:t>Repay &amp; Redeem</a:t>
+            </a:r>
+          </a:p>
+        </p:txBody>
+      </p:sp>
+      <p:sp>
+        <p:nvSpPr>
+          <p:cNvPr id="22" name="TextBox 21"/>
+          <p:cNvSpPr txBox="1"/>
+          <p:nvPr/>
+        </p:nvSpPr>
+        <p:spPr>
+          <a:xfrm>
+            <a:off x="7680959" y="4389120"/>
+            <a:ext cx="2834640" cy="2926080"/>
+          </a:xfrm>
+          <a:prstGeom prst="rect">
+            <a:avLst/>
+          </a:prstGeom>
+          <a:noFill/>
+        </p:spPr>
+        <p:txBody>
+          <a:bodyPr wrap="square">
+            <a:spAutoFit/>
+          </a:bodyPr>
+          <a:lstStyle/>
           <a:p>
             <a:pPr>
               <a:spcAft>
                 <a:spcPts val="400"/>
               </a:spcAft>
-              <a:defRPr sz="1500">
+              <a:defRPr sz="1100">
                 <a:solidFill>
                   <a:srgbClr val="BBBBBB"/>
                 </a:solidFill>
@@ -9517,7 +8820,458 @@
               </a:defRPr>
             </a:pPr>
             <a:r>
-              <a:t>•  ...and growing every week</a:t>
+              <a:t>•  User returns stablecoins to repay debt</a:t>
+            </a:r>
+          </a:p>
+          <a:p>
+            <a:pPr>
+              <a:spcAft>
+                <a:spcPts val="400"/>
+              </a:spcAft>
+              <a:defRPr sz="1100">
+                <a:solidFill>
+                  <a:srgbClr val="BBBBBB"/>
+                </a:solidFill>
+                <a:latin typeface="Calibri"/>
+              </a:defRPr>
+            </a:pPr>
+            <a:r>
+              <a:t>•  Smart contract burns (destroys) the returned tokens</a:t>
+            </a:r>
+          </a:p>
+          <a:p>
+            <a:pPr>
+              <a:spcAft>
+                <a:spcPts val="400"/>
+              </a:spcAft>
+              <a:defRPr sz="1100">
+                <a:solidFill>
+                  <a:srgbClr val="BBBBBB"/>
+                </a:solidFill>
+                <a:latin typeface="Calibri"/>
+              </a:defRPr>
+            </a:pPr>
+            <a:r>
+              <a:t>•  Reduces total supply — maintaining the peg</a:t>
+            </a:r>
+          </a:p>
+          <a:p>
+            <a:pPr>
+              <a:spcAft>
+                <a:spcPts val="400"/>
+              </a:spcAft>
+              <a:defRPr sz="1100">
+                <a:solidFill>
+                  <a:srgbClr val="BBBBBB"/>
+                </a:solidFill>
+                <a:latin typeface="Calibri"/>
+              </a:defRPr>
+            </a:pPr>
+            <a:r>
+              <a:t>•  Collateral is unlocked and returned to user</a:t>
+            </a:r>
+          </a:p>
+          <a:p>
+            <a:pPr>
+              <a:spcAft>
+                <a:spcPts val="400"/>
+              </a:spcAft>
+              <a:defRPr sz="1100">
+                <a:solidFill>
+                  <a:srgbClr val="BBBBBB"/>
+                </a:solidFill>
+                <a:latin typeface="Calibri"/>
+              </a:defRPr>
+            </a:pPr>
+            <a:r>
+              <a:t>•  Stability fee (interest) may be charged</a:t>
+            </a:r>
+          </a:p>
+        </p:txBody>
+      </p:sp>
+      <p:sp>
+        <p:nvSpPr>
+          <p:cNvPr id="23" name="TextBox 22"/>
+          <p:cNvSpPr txBox="1"/>
+          <p:nvPr/>
+        </p:nvSpPr>
+        <p:spPr>
+          <a:xfrm>
+            <a:off x="10652759" y="4754880"/>
+            <a:ext cx="457200" cy="457200"/>
+          </a:xfrm>
+          <a:prstGeom prst="rect">
+            <a:avLst/>
+          </a:prstGeom>
+          <a:noFill/>
+        </p:spPr>
+        <p:txBody>
+          <a:bodyPr wrap="square">
+            <a:spAutoFit/>
+          </a:bodyPr>
+          <a:lstStyle/>
+          <a:p>
+            <a:pPr algn="ctr">
+              <a:defRPr sz="2800" b="0">
+                <a:solidFill>
+                  <a:srgbClr val="FFCD00"/>
+                </a:solidFill>
+                <a:latin typeface="Calibri"/>
+              </a:defRPr>
+            </a:pPr>
+            <a:r>
+              <a:t>→</a:t>
+            </a:r>
+          </a:p>
+        </p:txBody>
+      </p:sp>
+      <p:sp>
+        <p:nvSpPr>
+          <p:cNvPr id="24" name="Rounded Rectangle 23"/>
+          <p:cNvSpPr/>
+          <p:nvPr/>
+        </p:nvSpPr>
+        <p:spPr>
+          <a:xfrm>
+            <a:off x="10972800" y="2651760"/>
+            <a:ext cx="3200400" cy="4846320"/>
+          </a:xfrm>
+          <a:prstGeom prst="roundRect">
+            <a:avLst/>
+          </a:prstGeom>
+          <a:solidFill>
+            <a:srgbClr val="1A1A2E"/>
+          </a:solidFill>
+          <a:ln>
+            <a:noFill/>
+          </a:ln>
+        </p:spPr>
+        <p:style>
+          <a:lnRef idx="1">
+            <a:schemeClr val="accent1"/>
+          </a:lnRef>
+          <a:fillRef idx="3">
+            <a:schemeClr val="accent1"/>
+          </a:fillRef>
+          <a:effectRef idx="2">
+            <a:schemeClr val="accent1"/>
+          </a:effectRef>
+          <a:fontRef idx="minor">
+            <a:schemeClr val="lt1"/>
+          </a:fontRef>
+        </p:style>
+        <p:txBody>
+          <a:bodyPr rtlCol="0" anchor="ctr"/>
+          <a:lstStyle/>
+          <a:p>
+            <a:pPr algn="ctr"/>
+            <a:endParaRPr/>
+          </a:p>
+        </p:txBody>
+      </p:sp>
+      <p:sp>
+        <p:nvSpPr>
+          <p:cNvPr id="25" name="Oval 24"/>
+          <p:cNvSpPr/>
+          <p:nvPr/>
+        </p:nvSpPr>
+        <p:spPr>
+          <a:xfrm>
+            <a:off x="12115800" y="2788920"/>
+            <a:ext cx="502920" cy="502920"/>
+          </a:xfrm>
+          <a:prstGeom prst="ellipse">
+            <a:avLst/>
+          </a:prstGeom>
+          <a:solidFill>
+            <a:srgbClr val="FF6B6B"/>
+          </a:solidFill>
+          <a:ln>
+            <a:noFill/>
+          </a:ln>
+        </p:spPr>
+        <p:style>
+          <a:lnRef idx="1">
+            <a:schemeClr val="accent1"/>
+          </a:lnRef>
+          <a:fillRef idx="3">
+            <a:schemeClr val="accent1"/>
+          </a:fillRef>
+          <a:effectRef idx="2">
+            <a:schemeClr val="accent1"/>
+          </a:effectRef>
+          <a:fontRef idx="minor">
+            <a:schemeClr val="lt1"/>
+          </a:fontRef>
+        </p:style>
+        <p:txBody>
+          <a:bodyPr rtlCol="0" anchor="ctr"/>
+          <a:lstStyle/>
+          <a:p>
+            <a:pPr algn="ctr">
+              <a:defRPr sz="1800" b="1">
+                <a:solidFill>
+                  <a:srgbClr val="FFFFFF"/>
+                </a:solidFill>
+              </a:defRPr>
+            </a:pPr>
+            <a:r>
+              <a:t>4</a:t>
+            </a:r>
+          </a:p>
+        </p:txBody>
+      </p:sp>
+      <p:sp>
+        <p:nvSpPr>
+          <p:cNvPr id="26" name="TextBox 25"/>
+          <p:cNvSpPr txBox="1"/>
+          <p:nvPr/>
+        </p:nvSpPr>
+        <p:spPr>
+          <a:xfrm>
+            <a:off x="11247120" y="3383280"/>
+            <a:ext cx="2834640" cy="457200"/>
+          </a:xfrm>
+          <a:prstGeom prst="rect">
+            <a:avLst/>
+          </a:prstGeom>
+          <a:noFill/>
+        </p:spPr>
+        <p:txBody>
+          <a:bodyPr wrap="square">
+            <a:spAutoFit/>
+          </a:bodyPr>
+          <a:lstStyle/>
+          <a:p>
+            <a:pPr algn="ctr">
+              <a:defRPr sz="2000" b="1">
+                <a:solidFill>
+                  <a:srgbClr val="FF6B6B"/>
+                </a:solidFill>
+                <a:latin typeface="Calibri"/>
+              </a:defRPr>
+            </a:pPr>
+            <a:r>
+              <a:t>⚠️  LIQUIDATION</a:t>
+            </a:r>
+          </a:p>
+        </p:txBody>
+      </p:sp>
+      <p:sp>
+        <p:nvSpPr>
+          <p:cNvPr id="27" name="TextBox 26"/>
+          <p:cNvSpPr txBox="1"/>
+          <p:nvPr/>
+        </p:nvSpPr>
+        <p:spPr>
+          <a:xfrm>
+            <a:off x="11247120" y="3840480"/>
+            <a:ext cx="2834640" cy="365760"/>
+          </a:xfrm>
+          <a:prstGeom prst="rect">
+            <a:avLst/>
+          </a:prstGeom>
+          <a:noFill/>
+        </p:spPr>
+        <p:txBody>
+          <a:bodyPr wrap="square">
+            <a:spAutoFit/>
+          </a:bodyPr>
+          <a:lstStyle/>
+          <a:p>
+            <a:pPr algn="ctr">
+              <a:defRPr sz="1600" b="1">
+                <a:solidFill>
+                  <a:srgbClr val="FFFFFF"/>
+                </a:solidFill>
+                <a:latin typeface="Calibri"/>
+              </a:defRPr>
+            </a:pPr>
+            <a:r>
+              <a:t>Forced Closure</a:t>
+            </a:r>
+          </a:p>
+        </p:txBody>
+      </p:sp>
+      <p:sp>
+        <p:nvSpPr>
+          <p:cNvPr id="28" name="TextBox 27"/>
+          <p:cNvSpPr txBox="1"/>
+          <p:nvPr/>
+        </p:nvSpPr>
+        <p:spPr>
+          <a:xfrm>
+            <a:off x="11155680" y="4389120"/>
+            <a:ext cx="2834640" cy="2926080"/>
+          </a:xfrm>
+          <a:prstGeom prst="rect">
+            <a:avLst/>
+          </a:prstGeom>
+          <a:noFill/>
+        </p:spPr>
+        <p:txBody>
+          <a:bodyPr wrap="square">
+            <a:spAutoFit/>
+          </a:bodyPr>
+          <a:lstStyle/>
+          <a:p>
+            <a:pPr>
+              <a:spcAft>
+                <a:spcPts val="400"/>
+              </a:spcAft>
+              <a:defRPr sz="1100">
+                <a:solidFill>
+                  <a:srgbClr val="BBBBBB"/>
+                </a:solidFill>
+                <a:latin typeface="Calibri"/>
+              </a:defRPr>
+            </a:pPr>
+            <a:r>
+              <a:t>•  Triggered when collateral ratio falls below minimum</a:t>
+            </a:r>
+          </a:p>
+          <a:p>
+            <a:pPr>
+              <a:spcAft>
+                <a:spcPts val="400"/>
+              </a:spcAft>
+              <a:defRPr sz="1100">
+                <a:solidFill>
+                  <a:srgbClr val="BBBBBB"/>
+                </a:solidFill>
+                <a:latin typeface="Calibri"/>
+              </a:defRPr>
+            </a:pPr>
+            <a:r>
+              <a:t>•  Oracle price feeds detect the collateral value drop</a:t>
+            </a:r>
+          </a:p>
+          <a:p>
+            <a:pPr>
+              <a:spcAft>
+                <a:spcPts val="400"/>
+              </a:spcAft>
+              <a:defRPr sz="1100">
+                <a:solidFill>
+                  <a:srgbClr val="BBBBBB"/>
+                </a:solidFill>
+                <a:latin typeface="Calibri"/>
+              </a:defRPr>
+            </a:pPr>
+            <a:r>
+              <a:t>•  Liquidators repay the debt at a discount</a:t>
+            </a:r>
+          </a:p>
+          <a:p>
+            <a:pPr>
+              <a:spcAft>
+                <a:spcPts val="400"/>
+              </a:spcAft>
+              <a:defRPr sz="1100">
+                <a:solidFill>
+                  <a:srgbClr val="BBBBBB"/>
+                </a:solidFill>
+                <a:latin typeface="Calibri"/>
+              </a:defRPr>
+            </a:pPr>
+            <a:r>
+              <a:t>•  They receive collateral + liquidation bonus (5-10%)</a:t>
+            </a:r>
+          </a:p>
+          <a:p>
+            <a:pPr>
+              <a:spcAft>
+                <a:spcPts val="400"/>
+              </a:spcAft>
+              <a:defRPr sz="1100">
+                <a:solidFill>
+                  <a:srgbClr val="BBBBBB"/>
+                </a:solidFill>
+                <a:latin typeface="Calibri"/>
+              </a:defRPr>
+            </a:pPr>
+            <a:r>
+              <a:t>•  Protects protocol from under-collateralization</a:t>
+            </a:r>
+          </a:p>
+        </p:txBody>
+      </p:sp>
+      <p:sp>
+        <p:nvSpPr>
+          <p:cNvPr id="29" name="Rectangle 28"/>
+          <p:cNvSpPr/>
+          <p:nvPr/>
+        </p:nvSpPr>
+        <p:spPr>
+          <a:xfrm>
+            <a:off x="548640" y="7635240"/>
+            <a:ext cx="13533120" cy="36576"/>
+          </a:xfrm>
+          <a:prstGeom prst="rect">
+            <a:avLst/>
+          </a:prstGeom>
+          <a:solidFill>
+            <a:srgbClr val="FFCD00"/>
+          </a:solidFill>
+          <a:ln>
+            <a:noFill/>
+          </a:ln>
+        </p:spPr>
+        <p:style>
+          <a:lnRef idx="1">
+            <a:schemeClr val="accent1"/>
+          </a:lnRef>
+          <a:fillRef idx="3">
+            <a:schemeClr val="accent1"/>
+          </a:fillRef>
+          <a:effectRef idx="2">
+            <a:schemeClr val="accent1"/>
+          </a:effectRef>
+          <a:fontRef idx="minor">
+            <a:schemeClr val="lt1"/>
+          </a:fontRef>
+        </p:style>
+        <p:txBody>
+          <a:bodyPr rtlCol="0" anchor="ctr"/>
+          <a:lstStyle/>
+          <a:p>
+            <a:pPr algn="ctr"/>
+            <a:endParaRPr/>
+          </a:p>
+        </p:txBody>
+      </p:sp>
+      <p:sp>
+        <p:nvSpPr>
+          <p:cNvPr id="30" name="TextBox 29"/>
+          <p:cNvSpPr txBox="1"/>
+          <p:nvPr/>
+        </p:nvSpPr>
+        <p:spPr>
+          <a:xfrm>
+            <a:off x="548640" y="7726679"/>
+            <a:ext cx="13533120" cy="365760"/>
+          </a:xfrm>
+          <a:prstGeom prst="rect">
+            <a:avLst/>
+          </a:prstGeom>
+          <a:noFill/>
+        </p:spPr>
+        <p:txBody>
+          <a:bodyPr wrap="square">
+            <a:spAutoFit/>
+          </a:bodyPr>
+          <a:lstStyle/>
+          <a:p>
+            <a:pPr algn="ctr">
+              <a:defRPr sz="1200" b="0">
+                <a:solidFill>
+                  <a:srgbClr val="BBBBBB"/>
+                </a:solidFill>
+                <a:latin typeface="Calibri"/>
+              </a:defRPr>
+            </a:pPr>
+            <a:r>
+              <a:t>💡  This cycle maintains the peg: minting increases supply when demand is high, burning decreases it when low, and liquidation ensures solvency.</a:t>
             </a:r>
           </a:p>
         </p:txBody>
@@ -9607,22 +9361,22 @@
         </p:nvSpPr>
         <p:spPr>
           <a:xfrm>
-            <a:off x="1371600" y="2286000"/>
-            <a:ext cx="11887200" cy="1097280"/>
-          </a:xfrm>
-          <a:prstGeom prst="rect">
-            <a:avLst/>
-          </a:prstGeom>
-          <a:noFill/>
-        </p:spPr>
-        <p:txBody>
-          <a:bodyPr wrap="square">
-            <a:spAutoFit/>
-          </a:bodyPr>
-          <a:lstStyle/>
-          <a:p>
-            <a:pPr algn="ctr">
-              <a:defRPr sz="5600" b="1">
+            <a:off x="1371600" y="731520"/>
+            <a:ext cx="11887200" cy="731520"/>
+          </a:xfrm>
+          <a:prstGeom prst="rect">
+            <a:avLst/>
+          </a:prstGeom>
+          <a:noFill/>
+        </p:spPr>
+        <p:txBody>
+          <a:bodyPr wrap="square">
+            <a:spAutoFit/>
+          </a:bodyPr>
+          <a:lstStyle/>
+          <a:p>
+            <a:pPr algn="l">
+              <a:defRPr sz="4000" b="1">
                 <a:solidFill>
                   <a:srgbClr val="FFFFFF"/>
                 </a:solidFill>
@@ -9630,57 +9384,21 @@
               </a:defRPr>
             </a:pPr>
             <a:r>
-              <a:t>Questions?</a:t>
-            </a:r>
-          </a:p>
-        </p:txBody>
-      </p:sp>
-      <p:sp>
-        <p:nvSpPr>
-          <p:cNvPr id="4" name="TextBox 3"/>
-          <p:cNvSpPr txBox="1"/>
-          <p:nvPr/>
-        </p:nvSpPr>
-        <p:spPr>
-          <a:xfrm>
-            <a:off x="1371600" y="3657600"/>
-            <a:ext cx="11887200" cy="731520"/>
-          </a:xfrm>
-          <a:prstGeom prst="rect">
-            <a:avLst/>
-          </a:prstGeom>
-          <a:noFill/>
-        </p:spPr>
-        <p:txBody>
-          <a:bodyPr wrap="square">
-            <a:spAutoFit/>
-          </a:bodyPr>
-          <a:lstStyle/>
-          <a:p>
-            <a:pPr algn="ctr">
-              <a:defRPr sz="2800" b="0">
-                <a:solidFill>
-                  <a:srgbClr val="FFCD00"/>
-                </a:solidFill>
-                <a:latin typeface="Calibri"/>
-              </a:defRPr>
-            </a:pPr>
-            <a:r>
-              <a:t>Let's build the future of finance — on Movement.</a:t>
-            </a:r>
-          </a:p>
-        </p:txBody>
-      </p:sp>
-      <p:sp>
-        <p:nvSpPr>
-          <p:cNvPr id="5" name="Rectangle 4"/>
+              <a:t>Lending &amp; Borrowing</a:t>
+            </a:r>
+          </a:p>
+        </p:txBody>
+      </p:sp>
+      <p:sp>
+        <p:nvSpPr>
+          <p:cNvPr id="4" name="Rectangle 3"/>
           <p:cNvSpPr/>
           <p:nvPr/>
         </p:nvSpPr>
         <p:spPr>
           <a:xfrm>
-            <a:off x="6400800" y="4754880"/>
-            <a:ext cx="1828800" cy="36576"/>
+            <a:off x="1371600" y="1463040"/>
+            <a:ext cx="1097280" cy="36576"/>
           </a:xfrm>
           <a:prstGeom prst="rect">
             <a:avLst/>
@@ -9717,6 +9435,2194 @@
       </p:sp>
       <p:sp>
         <p:nvSpPr>
+          <p:cNvPr id="5" name="TextBox 4"/>
+          <p:cNvSpPr txBox="1"/>
+          <p:nvPr/>
+        </p:nvSpPr>
+        <p:spPr>
+          <a:xfrm>
+            <a:off x="1371600" y="2011680"/>
+            <a:ext cx="11887200" cy="548640"/>
+          </a:xfrm>
+          <a:prstGeom prst="rect">
+            <a:avLst/>
+          </a:prstGeom>
+          <a:noFill/>
+        </p:spPr>
+        <p:txBody>
+          <a:bodyPr wrap="square">
+            <a:spAutoFit/>
+          </a:bodyPr>
+          <a:lstStyle/>
+          <a:p>
+            <a:pPr algn="l">
+              <a:defRPr sz="1800" b="0">
+                <a:solidFill>
+                  <a:srgbClr val="BBBBBB"/>
+                </a:solidFill>
+                <a:latin typeface="Calibri"/>
+              </a:defRPr>
+            </a:pPr>
+            <a:r>
+              <a:t>Earn yield by supplying assets, or borrow against your collateral — all without a bank.</a:t>
+            </a:r>
+          </a:p>
+        </p:txBody>
+      </p:sp>
+      <p:sp>
+        <p:nvSpPr>
+          <p:cNvPr id="6" name="Rounded Rectangle 5"/>
+          <p:cNvSpPr/>
+          <p:nvPr/>
+        </p:nvSpPr>
+        <p:spPr>
+          <a:xfrm>
+            <a:off x="1371600" y="2926080"/>
+            <a:ext cx="5943600" cy="4572000"/>
+          </a:xfrm>
+          <a:prstGeom prst="roundRect">
+            <a:avLst/>
+          </a:prstGeom>
+          <a:solidFill>
+            <a:srgbClr val="1A1A2E"/>
+          </a:solidFill>
+          <a:ln>
+            <a:noFill/>
+          </a:ln>
+        </p:spPr>
+        <p:style>
+          <a:lnRef idx="1">
+            <a:schemeClr val="accent1"/>
+          </a:lnRef>
+          <a:fillRef idx="3">
+            <a:schemeClr val="accent1"/>
+          </a:fillRef>
+          <a:effectRef idx="2">
+            <a:schemeClr val="accent1"/>
+          </a:effectRef>
+          <a:fontRef idx="minor">
+            <a:schemeClr val="lt1"/>
+          </a:fontRef>
+        </p:style>
+        <p:txBody>
+          <a:bodyPr rtlCol="0" anchor="ctr"/>
+          <a:lstStyle/>
+          <a:p>
+            <a:pPr algn="ctr"/>
+            <a:endParaRPr/>
+          </a:p>
+        </p:txBody>
+      </p:sp>
+      <p:sp>
+        <p:nvSpPr>
+          <p:cNvPr id="7" name="TextBox 6"/>
+          <p:cNvSpPr txBox="1"/>
+          <p:nvPr/>
+        </p:nvSpPr>
+        <p:spPr>
+          <a:xfrm>
+            <a:off x="1828800" y="3108960"/>
+            <a:ext cx="5029200" cy="457200"/>
+          </a:xfrm>
+          <a:prstGeom prst="rect">
+            <a:avLst/>
+          </a:prstGeom>
+          <a:noFill/>
+        </p:spPr>
+        <p:txBody>
+          <a:bodyPr wrap="square">
+            <a:spAutoFit/>
+          </a:bodyPr>
+          <a:lstStyle/>
+          <a:p>
+            <a:pPr algn="l">
+              <a:defRPr sz="2200" b="1">
+                <a:solidFill>
+                  <a:srgbClr val="FFCD00"/>
+                </a:solidFill>
+                <a:latin typeface="Calibri"/>
+              </a:defRPr>
+            </a:pPr>
+            <a:r>
+              <a:t>How It Works</a:t>
+            </a:r>
+          </a:p>
+        </p:txBody>
+      </p:sp>
+      <p:sp>
+        <p:nvSpPr>
+          <p:cNvPr id="8" name="TextBox 7"/>
+          <p:cNvSpPr txBox="1"/>
+          <p:nvPr/>
+        </p:nvSpPr>
+        <p:spPr>
+          <a:xfrm>
+            <a:off x="1828800" y="3749039"/>
+            <a:ext cx="5029200" cy="3474720"/>
+          </a:xfrm>
+          <a:prstGeom prst="rect">
+            <a:avLst/>
+          </a:prstGeom>
+          <a:noFill/>
+        </p:spPr>
+        <p:txBody>
+          <a:bodyPr wrap="square">
+            <a:spAutoFit/>
+          </a:bodyPr>
+          <a:lstStyle/>
+          <a:p>
+            <a:pPr>
+              <a:spcAft>
+                <a:spcPts val="400"/>
+              </a:spcAft>
+              <a:defRPr sz="1400">
+                <a:solidFill>
+                  <a:srgbClr val="BBBBBB"/>
+                </a:solidFill>
+                <a:latin typeface="Calibri"/>
+              </a:defRPr>
+            </a:pPr>
+            <a:r>
+              <a:t>•  Lenders deposit assets into a lending pool</a:t>
+            </a:r>
+          </a:p>
+          <a:p>
+            <a:pPr>
+              <a:spcAft>
+                <a:spcPts val="400"/>
+              </a:spcAft>
+              <a:defRPr sz="1400">
+                <a:solidFill>
+                  <a:srgbClr val="BBBBBB"/>
+                </a:solidFill>
+                <a:latin typeface="Calibri"/>
+              </a:defRPr>
+            </a:pPr>
+            <a:r>
+              <a:t>•  Pool issues interest-bearing tokens (aTokens, cTokens)</a:t>
+            </a:r>
+          </a:p>
+          <a:p>
+            <a:pPr>
+              <a:spcAft>
+                <a:spcPts val="400"/>
+              </a:spcAft>
+              <a:defRPr sz="1400">
+                <a:solidFill>
+                  <a:srgbClr val="BBBBBB"/>
+                </a:solidFill>
+                <a:latin typeface="Calibri"/>
+              </a:defRPr>
+            </a:pPr>
+            <a:r>
+              <a:t>•  Borrowers deposit collateral and borrow from pool</a:t>
+            </a:r>
+          </a:p>
+          <a:p>
+            <a:pPr>
+              <a:spcAft>
+                <a:spcPts val="400"/>
+              </a:spcAft>
+              <a:defRPr sz="1400">
+                <a:solidFill>
+                  <a:srgbClr val="BBBBBB"/>
+                </a:solidFill>
+                <a:latin typeface="Calibri"/>
+              </a:defRPr>
+            </a:pPr>
+            <a:r>
+              <a:t>•  Interest rates adjust algorithmically based on utilization</a:t>
+            </a:r>
+          </a:p>
+          <a:p>
+            <a:pPr>
+              <a:spcAft>
+                <a:spcPts val="400"/>
+              </a:spcAft>
+              <a:defRPr sz="1400">
+                <a:solidFill>
+                  <a:srgbClr val="BBBBBB"/>
+                </a:solidFill>
+                <a:latin typeface="Calibri"/>
+              </a:defRPr>
+            </a:pPr>
+            <a:r>
+              <a:t>•  If collateral value drops → liquidation kicks in</a:t>
+            </a:r>
+          </a:p>
+          <a:p>
+            <a:pPr>
+              <a:spcAft>
+                <a:spcPts val="400"/>
+              </a:spcAft>
+              <a:defRPr sz="1400">
+                <a:solidFill>
+                  <a:srgbClr val="BBBBBB"/>
+                </a:solidFill>
+                <a:latin typeface="Calibri"/>
+              </a:defRPr>
+            </a:pPr>
+            <a:r>
+              <a:t>•  Everything automated — no credit checks needed</a:t>
+            </a:r>
+          </a:p>
+        </p:txBody>
+      </p:sp>
+      <p:sp>
+        <p:nvSpPr>
+          <p:cNvPr id="9" name="Rounded Rectangle 8"/>
+          <p:cNvSpPr/>
+          <p:nvPr/>
+        </p:nvSpPr>
+        <p:spPr>
+          <a:xfrm>
+            <a:off x="7772400" y="2926080"/>
+            <a:ext cx="5943600" cy="4572000"/>
+          </a:xfrm>
+          <a:prstGeom prst="roundRect">
+            <a:avLst/>
+          </a:prstGeom>
+          <a:solidFill>
+            <a:srgbClr val="1A1A2E"/>
+          </a:solidFill>
+          <a:ln>
+            <a:noFill/>
+          </a:ln>
+        </p:spPr>
+        <p:style>
+          <a:lnRef idx="1">
+            <a:schemeClr val="accent1"/>
+          </a:lnRef>
+          <a:fillRef idx="3">
+            <a:schemeClr val="accent1"/>
+          </a:fillRef>
+          <a:effectRef idx="2">
+            <a:schemeClr val="accent1"/>
+          </a:effectRef>
+          <a:fontRef idx="minor">
+            <a:schemeClr val="lt1"/>
+          </a:fontRef>
+        </p:style>
+        <p:txBody>
+          <a:bodyPr rtlCol="0" anchor="ctr"/>
+          <a:lstStyle/>
+          <a:p>
+            <a:pPr algn="ctr"/>
+            <a:endParaRPr/>
+          </a:p>
+        </p:txBody>
+      </p:sp>
+      <p:sp>
+        <p:nvSpPr>
+          <p:cNvPr id="10" name="TextBox 9"/>
+          <p:cNvSpPr txBox="1"/>
+          <p:nvPr/>
+        </p:nvSpPr>
+        <p:spPr>
+          <a:xfrm>
+            <a:off x="8229600" y="3108960"/>
+            <a:ext cx="5029200" cy="457200"/>
+          </a:xfrm>
+          <a:prstGeom prst="rect">
+            <a:avLst/>
+          </a:prstGeom>
+          <a:noFill/>
+        </p:spPr>
+        <p:txBody>
+          <a:bodyPr wrap="square">
+            <a:spAutoFit/>
+          </a:bodyPr>
+          <a:lstStyle/>
+          <a:p>
+            <a:pPr algn="l">
+              <a:defRPr sz="2200" b="1">
+                <a:solidFill>
+                  <a:srgbClr val="FFCD00"/>
+                </a:solidFill>
+                <a:latin typeface="Calibri"/>
+              </a:defRPr>
+            </a:pPr>
+            <a:r>
+              <a:t>Key Concepts</a:t>
+            </a:r>
+          </a:p>
+        </p:txBody>
+      </p:sp>
+      <p:sp>
+        <p:nvSpPr>
+          <p:cNvPr id="11" name="TextBox 10"/>
+          <p:cNvSpPr txBox="1"/>
+          <p:nvPr/>
+        </p:nvSpPr>
+        <p:spPr>
+          <a:xfrm>
+            <a:off x="8229600" y="3749039"/>
+            <a:ext cx="5029200" cy="320040"/>
+          </a:xfrm>
+          <a:prstGeom prst="rect">
+            <a:avLst/>
+          </a:prstGeom>
+          <a:noFill/>
+        </p:spPr>
+        <p:txBody>
+          <a:bodyPr wrap="square">
+            <a:spAutoFit/>
+          </a:bodyPr>
+          <a:lstStyle/>
+          <a:p>
+            <a:pPr algn="l">
+              <a:defRPr sz="1500" b="1">
+                <a:solidFill>
+                  <a:srgbClr val="FFCD00"/>
+                </a:solidFill>
+                <a:latin typeface="Calibri"/>
+              </a:defRPr>
+            </a:pPr>
+            <a:r>
+              <a:t>Collateral Ratio</a:t>
+            </a:r>
+          </a:p>
+        </p:txBody>
+      </p:sp>
+      <p:sp>
+        <p:nvSpPr>
+          <p:cNvPr id="12" name="TextBox 11"/>
+          <p:cNvSpPr txBox="1"/>
+          <p:nvPr/>
+        </p:nvSpPr>
+        <p:spPr>
+          <a:xfrm>
+            <a:off x="8229600" y="4069079"/>
+            <a:ext cx="5029200" cy="365760"/>
+          </a:xfrm>
+          <a:prstGeom prst="rect">
+            <a:avLst/>
+          </a:prstGeom>
+          <a:noFill/>
+        </p:spPr>
+        <p:txBody>
+          <a:bodyPr wrap="square">
+            <a:spAutoFit/>
+          </a:bodyPr>
+          <a:lstStyle/>
+          <a:p>
+            <a:pPr algn="l">
+              <a:defRPr sz="1300" b="0">
+                <a:solidFill>
+                  <a:srgbClr val="BBBBBB"/>
+                </a:solidFill>
+                <a:latin typeface="Calibri"/>
+              </a:defRPr>
+            </a:pPr>
+            <a:r>
+              <a:t>How much collateral vs borrowed (e.g. 150%)</a:t>
+            </a:r>
+          </a:p>
+        </p:txBody>
+      </p:sp>
+      <p:sp>
+        <p:nvSpPr>
+          <p:cNvPr id="13" name="TextBox 12"/>
+          <p:cNvSpPr txBox="1"/>
+          <p:nvPr/>
+        </p:nvSpPr>
+        <p:spPr>
+          <a:xfrm>
+            <a:off x="8229600" y="4617719"/>
+            <a:ext cx="5029200" cy="320040"/>
+          </a:xfrm>
+          <a:prstGeom prst="rect">
+            <a:avLst/>
+          </a:prstGeom>
+          <a:noFill/>
+        </p:spPr>
+        <p:txBody>
+          <a:bodyPr wrap="square">
+            <a:spAutoFit/>
+          </a:bodyPr>
+          <a:lstStyle/>
+          <a:p>
+            <a:pPr algn="l">
+              <a:defRPr sz="1500" b="1">
+                <a:solidFill>
+                  <a:srgbClr val="FFCD00"/>
+                </a:solidFill>
+                <a:latin typeface="Calibri"/>
+              </a:defRPr>
+            </a:pPr>
+            <a:r>
+              <a:t>Liquidation</a:t>
+            </a:r>
+          </a:p>
+        </p:txBody>
+      </p:sp>
+      <p:sp>
+        <p:nvSpPr>
+          <p:cNvPr id="14" name="TextBox 13"/>
+          <p:cNvSpPr txBox="1"/>
+          <p:nvPr/>
+        </p:nvSpPr>
+        <p:spPr>
+          <a:xfrm>
+            <a:off x="8229600" y="4937759"/>
+            <a:ext cx="5029200" cy="365760"/>
+          </a:xfrm>
+          <a:prstGeom prst="rect">
+            <a:avLst/>
+          </a:prstGeom>
+          <a:noFill/>
+        </p:spPr>
+        <p:txBody>
+          <a:bodyPr wrap="square">
+            <a:spAutoFit/>
+          </a:bodyPr>
+          <a:lstStyle/>
+          <a:p>
+            <a:pPr algn="l">
+              <a:defRPr sz="1300" b="0">
+                <a:solidFill>
+                  <a:srgbClr val="BBBBBB"/>
+                </a:solidFill>
+                <a:latin typeface="Calibri"/>
+              </a:defRPr>
+            </a:pPr>
+            <a:r>
+              <a:t>Automated sell-off when collateral drops below threshold</a:t>
+            </a:r>
+          </a:p>
+        </p:txBody>
+      </p:sp>
+      <p:sp>
+        <p:nvSpPr>
+          <p:cNvPr id="15" name="TextBox 14"/>
+          <p:cNvSpPr txBox="1"/>
+          <p:nvPr/>
+        </p:nvSpPr>
+        <p:spPr>
+          <a:xfrm>
+            <a:off x="8229600" y="5486399"/>
+            <a:ext cx="5029200" cy="320040"/>
+          </a:xfrm>
+          <a:prstGeom prst="rect">
+            <a:avLst/>
+          </a:prstGeom>
+          <a:noFill/>
+        </p:spPr>
+        <p:txBody>
+          <a:bodyPr wrap="square">
+            <a:spAutoFit/>
+          </a:bodyPr>
+          <a:lstStyle/>
+          <a:p>
+            <a:pPr algn="l">
+              <a:defRPr sz="1500" b="1">
+                <a:solidFill>
+                  <a:srgbClr val="FFCD00"/>
+                </a:solidFill>
+                <a:latin typeface="Calibri"/>
+              </a:defRPr>
+            </a:pPr>
+            <a:r>
+              <a:t>Utilization Rate</a:t>
+            </a:r>
+          </a:p>
+        </p:txBody>
+      </p:sp>
+      <p:sp>
+        <p:nvSpPr>
+          <p:cNvPr id="16" name="TextBox 15"/>
+          <p:cNvSpPr txBox="1"/>
+          <p:nvPr/>
+        </p:nvSpPr>
+        <p:spPr>
+          <a:xfrm>
+            <a:off x="8229600" y="5806439"/>
+            <a:ext cx="5029200" cy="365760"/>
+          </a:xfrm>
+          <a:prstGeom prst="rect">
+            <a:avLst/>
+          </a:prstGeom>
+          <a:noFill/>
+        </p:spPr>
+        <p:txBody>
+          <a:bodyPr wrap="square">
+            <a:spAutoFit/>
+          </a:bodyPr>
+          <a:lstStyle/>
+          <a:p>
+            <a:pPr algn="l">
+              <a:defRPr sz="1300" b="0">
+                <a:solidFill>
+                  <a:srgbClr val="BBBBBB"/>
+                </a:solidFill>
+                <a:latin typeface="Calibri"/>
+              </a:defRPr>
+            </a:pPr>
+            <a:r>
+              <a:t>% of pool currently borrowed — drives interest rates</a:t>
+            </a:r>
+          </a:p>
+        </p:txBody>
+      </p:sp>
+      <p:sp>
+        <p:nvSpPr>
+          <p:cNvPr id="17" name="TextBox 16"/>
+          <p:cNvSpPr txBox="1"/>
+          <p:nvPr/>
+        </p:nvSpPr>
+        <p:spPr>
+          <a:xfrm>
+            <a:off x="8229600" y="6355079"/>
+            <a:ext cx="5029200" cy="320040"/>
+          </a:xfrm>
+          <a:prstGeom prst="rect">
+            <a:avLst/>
+          </a:prstGeom>
+          <a:noFill/>
+        </p:spPr>
+        <p:txBody>
+          <a:bodyPr wrap="square">
+            <a:spAutoFit/>
+          </a:bodyPr>
+          <a:lstStyle/>
+          <a:p>
+            <a:pPr algn="l">
+              <a:defRPr sz="1500" b="1">
+                <a:solidFill>
+                  <a:srgbClr val="FFCD00"/>
+                </a:solidFill>
+                <a:latin typeface="Calibri"/>
+              </a:defRPr>
+            </a:pPr>
+            <a:r>
+              <a:t>Flash Loans</a:t>
+            </a:r>
+          </a:p>
+        </p:txBody>
+      </p:sp>
+      <p:sp>
+        <p:nvSpPr>
+          <p:cNvPr id="18" name="TextBox 17"/>
+          <p:cNvSpPr txBox="1"/>
+          <p:nvPr/>
+        </p:nvSpPr>
+        <p:spPr>
+          <a:xfrm>
+            <a:off x="8229600" y="6675119"/>
+            <a:ext cx="5029200" cy="365760"/>
+          </a:xfrm>
+          <a:prstGeom prst="rect">
+            <a:avLst/>
+          </a:prstGeom>
+          <a:noFill/>
+        </p:spPr>
+        <p:txBody>
+          <a:bodyPr wrap="square">
+            <a:spAutoFit/>
+          </a:bodyPr>
+          <a:lstStyle/>
+          <a:p>
+            <a:pPr algn="l">
+              <a:defRPr sz="1300" b="0">
+                <a:solidFill>
+                  <a:srgbClr val="BBBBBB"/>
+                </a:solidFill>
+                <a:latin typeface="Calibri"/>
+              </a:defRPr>
+            </a:pPr>
+            <a:r>
+              <a:t>Borrow + repay in single transaction — no collateral needed</a:t>
+            </a:r>
+          </a:p>
+        </p:txBody>
+      </p:sp>
+      <p:sp>
+        <p:nvSpPr>
+          <p:cNvPr id="19" name="TextBox 18"/>
+          <p:cNvSpPr txBox="1"/>
+          <p:nvPr/>
+        </p:nvSpPr>
+        <p:spPr>
+          <a:xfrm>
+            <a:off x="1371600" y="7589520"/>
+            <a:ext cx="11887200" cy="365760"/>
+          </a:xfrm>
+          <a:prstGeom prst="rect">
+            <a:avLst/>
+          </a:prstGeom>
+          <a:noFill/>
+        </p:spPr>
+        <p:txBody>
+          <a:bodyPr wrap="square">
+            <a:spAutoFit/>
+          </a:bodyPr>
+          <a:lstStyle/>
+          <a:p>
+            <a:pPr algn="ctr">
+              <a:defRPr sz="1400" b="0">
+                <a:solidFill>
+                  <a:srgbClr val="BBBBBB"/>
+                </a:solidFill>
+                <a:latin typeface="Calibri"/>
+              </a:defRPr>
+            </a:pPr>
+            <a:r>
+              <a:t>Protocols: Aave, Compound, Euler, Joule (Movement)</a:t>
+            </a:r>
+          </a:p>
+        </p:txBody>
+      </p:sp>
+    </p:spTree>
+  </p:cSld>
+  <p:clrMapOvr>
+    <a:masterClrMapping/>
+  </p:clrMapOvr>
+</p:sld>
+</file>
+
+<file path=ppt/slides/slide17.xml><?xml version="1.0" encoding="utf-8"?>
+<p:sld xmlns:a="http://schemas.openxmlformats.org/drawingml/2006/main" xmlns:r="http://schemas.openxmlformats.org/officeDocument/2006/relationships" xmlns:p="http://schemas.openxmlformats.org/presentationml/2006/main">
+  <p:cSld>
+    <p:bg>
+      <p:bgPr>
+        <a:solidFill>
+          <a:srgbClr val="0D0D0D"/>
+        </a:solidFill>
+        <a:effectLst/>
+      </p:bgPr>
+    </p:bg>
+    <p:spTree>
+      <p:nvGrpSpPr>
+        <p:cNvPr id="1" name=""/>
+        <p:cNvGrpSpPr/>
+        <p:nvPr/>
+      </p:nvGrpSpPr>
+      <p:grpSpPr>
+        <a:xfrm>
+          <a:off x="0" y="0"/>
+          <a:ext cx="0" cy="0"/>
+          <a:chOff x="0" y="0"/>
+          <a:chExt cx="0" cy="0"/>
+        </a:xfrm>
+      </p:grpSpPr>
+      <p:sp>
+        <p:nvSpPr>
+          <p:cNvPr id="2" name="Rectangle 1"/>
+          <p:cNvSpPr/>
+          <p:nvPr/>
+        </p:nvSpPr>
+        <p:spPr>
+          <a:xfrm>
+            <a:off x="0" y="0"/>
+            <a:ext cx="14630400" cy="54864"/>
+          </a:xfrm>
+          <a:prstGeom prst="rect">
+            <a:avLst/>
+          </a:prstGeom>
+          <a:solidFill>
+            <a:srgbClr val="FFCD00"/>
+          </a:solidFill>
+          <a:ln>
+            <a:noFill/>
+          </a:ln>
+        </p:spPr>
+        <p:style>
+          <a:lnRef idx="1">
+            <a:schemeClr val="accent1"/>
+          </a:lnRef>
+          <a:fillRef idx="3">
+            <a:schemeClr val="accent1"/>
+          </a:fillRef>
+          <a:effectRef idx="2">
+            <a:schemeClr val="accent1"/>
+          </a:effectRef>
+          <a:fontRef idx="minor">
+            <a:schemeClr val="lt1"/>
+          </a:fontRef>
+        </p:style>
+        <p:txBody>
+          <a:bodyPr rtlCol="0" anchor="ctr"/>
+          <a:lstStyle/>
+          <a:p>
+            <a:pPr algn="ctr"/>
+            <a:endParaRPr/>
+          </a:p>
+        </p:txBody>
+      </p:sp>
+      <p:sp>
+        <p:nvSpPr>
+          <p:cNvPr id="3" name="TextBox 2"/>
+          <p:cNvSpPr txBox="1"/>
+          <p:nvPr/>
+        </p:nvSpPr>
+        <p:spPr>
+          <a:xfrm>
+            <a:off x="1371600" y="731520"/>
+            <a:ext cx="11887200" cy="731520"/>
+          </a:xfrm>
+          <a:prstGeom prst="rect">
+            <a:avLst/>
+          </a:prstGeom>
+          <a:noFill/>
+        </p:spPr>
+        <p:txBody>
+          <a:bodyPr wrap="square">
+            <a:spAutoFit/>
+          </a:bodyPr>
+          <a:lstStyle/>
+          <a:p>
+            <a:pPr algn="l">
+              <a:defRPr sz="4000" b="1">
+                <a:solidFill>
+                  <a:srgbClr val="FFFFFF"/>
+                </a:solidFill>
+                <a:latin typeface="Calibri"/>
+              </a:defRPr>
+            </a:pPr>
+            <a:r>
+              <a:t>The DeFi Stack — Composability</a:t>
+            </a:r>
+          </a:p>
+        </p:txBody>
+      </p:sp>
+      <p:sp>
+        <p:nvSpPr>
+          <p:cNvPr id="4" name="Rectangle 3"/>
+          <p:cNvSpPr/>
+          <p:nvPr/>
+        </p:nvSpPr>
+        <p:spPr>
+          <a:xfrm>
+            <a:off x="1371600" y="1463040"/>
+            <a:ext cx="1097280" cy="36576"/>
+          </a:xfrm>
+          <a:prstGeom prst="rect">
+            <a:avLst/>
+          </a:prstGeom>
+          <a:solidFill>
+            <a:srgbClr val="FFCD00"/>
+          </a:solidFill>
+          <a:ln>
+            <a:noFill/>
+          </a:ln>
+        </p:spPr>
+        <p:style>
+          <a:lnRef idx="1">
+            <a:schemeClr val="accent1"/>
+          </a:lnRef>
+          <a:fillRef idx="3">
+            <a:schemeClr val="accent1"/>
+          </a:fillRef>
+          <a:effectRef idx="2">
+            <a:schemeClr val="accent1"/>
+          </a:effectRef>
+          <a:fontRef idx="minor">
+            <a:schemeClr val="lt1"/>
+          </a:fontRef>
+        </p:style>
+        <p:txBody>
+          <a:bodyPr rtlCol="0" anchor="ctr"/>
+          <a:lstStyle/>
+          <a:p>
+            <a:pPr algn="ctr"/>
+            <a:endParaRPr/>
+          </a:p>
+        </p:txBody>
+      </p:sp>
+      <p:sp>
+        <p:nvSpPr>
+          <p:cNvPr id="5" name="TextBox 4"/>
+          <p:cNvSpPr txBox="1"/>
+          <p:nvPr/>
+        </p:nvSpPr>
+        <p:spPr>
+          <a:xfrm>
+            <a:off x="1371600" y="2011680"/>
+            <a:ext cx="11887200" cy="548640"/>
+          </a:xfrm>
+          <a:prstGeom prst="rect">
+            <a:avLst/>
+          </a:prstGeom>
+          <a:noFill/>
+        </p:spPr>
+        <p:txBody>
+          <a:bodyPr wrap="square">
+            <a:spAutoFit/>
+          </a:bodyPr>
+          <a:lstStyle/>
+          <a:p>
+            <a:pPr algn="l">
+              <a:defRPr sz="2000" b="0">
+                <a:solidFill>
+                  <a:srgbClr val="BBBBBB"/>
+                </a:solidFill>
+                <a:latin typeface="Calibri"/>
+              </a:defRPr>
+            </a:pPr>
+            <a:r>
+              <a:t>"Money Legos" — each protocol is a building block that others can plug into.</a:t>
+            </a:r>
+          </a:p>
+        </p:txBody>
+      </p:sp>
+      <p:sp>
+        <p:nvSpPr>
+          <p:cNvPr id="6" name="Rounded Rectangle 5"/>
+          <p:cNvSpPr/>
+          <p:nvPr/>
+        </p:nvSpPr>
+        <p:spPr>
+          <a:xfrm>
+            <a:off x="1371600" y="2560320"/>
+            <a:ext cx="11887200" cy="1188720"/>
+          </a:xfrm>
+          <a:prstGeom prst="roundRect">
+            <a:avLst/>
+          </a:prstGeom>
+          <a:solidFill>
+            <a:srgbClr val="1A1A2E"/>
+          </a:solidFill>
+          <a:ln>
+            <a:noFill/>
+          </a:ln>
+        </p:spPr>
+        <p:style>
+          <a:lnRef idx="1">
+            <a:schemeClr val="accent1"/>
+          </a:lnRef>
+          <a:fillRef idx="3">
+            <a:schemeClr val="accent1"/>
+          </a:fillRef>
+          <a:effectRef idx="2">
+            <a:schemeClr val="accent1"/>
+          </a:effectRef>
+          <a:fontRef idx="minor">
+            <a:schemeClr val="lt1"/>
+          </a:fontRef>
+        </p:style>
+        <p:txBody>
+          <a:bodyPr rtlCol="0" anchor="ctr"/>
+          <a:lstStyle/>
+          <a:p>
+            <a:pPr algn="ctr"/>
+            <a:endParaRPr/>
+          </a:p>
+        </p:txBody>
+      </p:sp>
+      <p:sp>
+        <p:nvSpPr>
+          <p:cNvPr id="7" name="TextBox 6"/>
+          <p:cNvSpPr txBox="1"/>
+          <p:nvPr/>
+        </p:nvSpPr>
+        <p:spPr>
+          <a:xfrm>
+            <a:off x="1828800" y="2697480"/>
+            <a:ext cx="1645920" cy="365760"/>
+          </a:xfrm>
+          <a:prstGeom prst="rect">
+            <a:avLst/>
+          </a:prstGeom>
+          <a:noFill/>
+        </p:spPr>
+        <p:txBody>
+          <a:bodyPr wrap="square">
+            <a:spAutoFit/>
+          </a:bodyPr>
+          <a:lstStyle/>
+          <a:p>
+            <a:pPr algn="l">
+              <a:defRPr sz="1800" b="1">
+                <a:solidFill>
+                  <a:srgbClr val="FFCD00"/>
+                </a:solidFill>
+                <a:latin typeface="Calibri"/>
+              </a:defRPr>
+            </a:pPr>
+            <a:r>
+              <a:t>Layer 4</a:t>
+            </a:r>
+          </a:p>
+        </p:txBody>
+      </p:sp>
+      <p:sp>
+        <p:nvSpPr>
+          <p:cNvPr id="8" name="TextBox 7"/>
+          <p:cNvSpPr txBox="1"/>
+          <p:nvPr/>
+        </p:nvSpPr>
+        <p:spPr>
+          <a:xfrm>
+            <a:off x="3657600" y="2697480"/>
+            <a:ext cx="3657600" cy="365760"/>
+          </a:xfrm>
+          <a:prstGeom prst="rect">
+            <a:avLst/>
+          </a:prstGeom>
+          <a:noFill/>
+        </p:spPr>
+        <p:txBody>
+          <a:bodyPr wrap="square">
+            <a:spAutoFit/>
+          </a:bodyPr>
+          <a:lstStyle/>
+          <a:p>
+            <a:pPr algn="l">
+              <a:defRPr sz="1800" b="1">
+                <a:solidFill>
+                  <a:srgbClr val="FFFFFF"/>
+                </a:solidFill>
+                <a:latin typeface="Calibri"/>
+              </a:defRPr>
+            </a:pPr>
+            <a:r>
+              <a:t>Aggregators &amp; Frontends</a:t>
+            </a:r>
+          </a:p>
+        </p:txBody>
+      </p:sp>
+      <p:sp>
+        <p:nvSpPr>
+          <p:cNvPr id="9" name="TextBox 8"/>
+          <p:cNvSpPr txBox="1"/>
+          <p:nvPr/>
+        </p:nvSpPr>
+        <p:spPr>
+          <a:xfrm>
+            <a:off x="3657600" y="3108960"/>
+            <a:ext cx="8686800" cy="457200"/>
+          </a:xfrm>
+          <a:prstGeom prst="rect">
+            <a:avLst/>
+          </a:prstGeom>
+          <a:noFill/>
+        </p:spPr>
+        <p:txBody>
+          <a:bodyPr wrap="square">
+            <a:spAutoFit/>
+          </a:bodyPr>
+          <a:lstStyle/>
+          <a:p>
+            <a:pPr algn="l">
+              <a:defRPr sz="1400" b="0">
+                <a:solidFill>
+                  <a:srgbClr val="BBBBBB"/>
+                </a:solidFill>
+                <a:latin typeface="Calibri"/>
+              </a:defRPr>
+            </a:pPr>
+            <a:r>
+              <a:t>1inch, Zapper, DefiLlama — unified access to multiple protocols</a:t>
+            </a:r>
+          </a:p>
+        </p:txBody>
+      </p:sp>
+      <p:sp>
+        <p:nvSpPr>
+          <p:cNvPr id="10" name="Rounded Rectangle 9"/>
+          <p:cNvSpPr/>
+          <p:nvPr/>
+        </p:nvSpPr>
+        <p:spPr>
+          <a:xfrm>
+            <a:off x="1371600" y="3931920"/>
+            <a:ext cx="11887200" cy="1188720"/>
+          </a:xfrm>
+          <a:prstGeom prst="roundRect">
+            <a:avLst/>
+          </a:prstGeom>
+          <a:solidFill>
+            <a:srgbClr val="1A1A2E"/>
+          </a:solidFill>
+          <a:ln>
+            <a:noFill/>
+          </a:ln>
+        </p:spPr>
+        <p:style>
+          <a:lnRef idx="1">
+            <a:schemeClr val="accent1"/>
+          </a:lnRef>
+          <a:fillRef idx="3">
+            <a:schemeClr val="accent1"/>
+          </a:fillRef>
+          <a:effectRef idx="2">
+            <a:schemeClr val="accent1"/>
+          </a:effectRef>
+          <a:fontRef idx="minor">
+            <a:schemeClr val="lt1"/>
+          </a:fontRef>
+        </p:style>
+        <p:txBody>
+          <a:bodyPr rtlCol="0" anchor="ctr"/>
+          <a:lstStyle/>
+          <a:p>
+            <a:pPr algn="ctr"/>
+            <a:endParaRPr/>
+          </a:p>
+        </p:txBody>
+      </p:sp>
+      <p:sp>
+        <p:nvSpPr>
+          <p:cNvPr id="11" name="TextBox 10"/>
+          <p:cNvSpPr txBox="1"/>
+          <p:nvPr/>
+        </p:nvSpPr>
+        <p:spPr>
+          <a:xfrm>
+            <a:off x="1828800" y="4069080"/>
+            <a:ext cx="1645920" cy="365760"/>
+          </a:xfrm>
+          <a:prstGeom prst="rect">
+            <a:avLst/>
+          </a:prstGeom>
+          <a:noFill/>
+        </p:spPr>
+        <p:txBody>
+          <a:bodyPr wrap="square">
+            <a:spAutoFit/>
+          </a:bodyPr>
+          <a:lstStyle/>
+          <a:p>
+            <a:pPr algn="l">
+              <a:defRPr sz="1800" b="1">
+                <a:solidFill>
+                  <a:srgbClr val="FFFFFF"/>
+                </a:solidFill>
+                <a:latin typeface="Calibri"/>
+              </a:defRPr>
+            </a:pPr>
+            <a:r>
+              <a:t>Layer 3</a:t>
+            </a:r>
+          </a:p>
+        </p:txBody>
+      </p:sp>
+      <p:sp>
+        <p:nvSpPr>
+          <p:cNvPr id="12" name="TextBox 11"/>
+          <p:cNvSpPr txBox="1"/>
+          <p:nvPr/>
+        </p:nvSpPr>
+        <p:spPr>
+          <a:xfrm>
+            <a:off x="3657600" y="4069080"/>
+            <a:ext cx="3657600" cy="365760"/>
+          </a:xfrm>
+          <a:prstGeom prst="rect">
+            <a:avLst/>
+          </a:prstGeom>
+          <a:noFill/>
+        </p:spPr>
+        <p:txBody>
+          <a:bodyPr wrap="square">
+            <a:spAutoFit/>
+          </a:bodyPr>
+          <a:lstStyle/>
+          <a:p>
+            <a:pPr algn="l">
+              <a:defRPr sz="1800" b="1">
+                <a:solidFill>
+                  <a:srgbClr val="FFFFFF"/>
+                </a:solidFill>
+                <a:latin typeface="Calibri"/>
+              </a:defRPr>
+            </a:pPr>
+            <a:r>
+              <a:t>Applications</a:t>
+            </a:r>
+          </a:p>
+        </p:txBody>
+      </p:sp>
+      <p:sp>
+        <p:nvSpPr>
+          <p:cNvPr id="13" name="TextBox 12"/>
+          <p:cNvSpPr txBox="1"/>
+          <p:nvPr/>
+        </p:nvSpPr>
+        <p:spPr>
+          <a:xfrm>
+            <a:off x="3657600" y="4480560"/>
+            <a:ext cx="8686800" cy="457200"/>
+          </a:xfrm>
+          <a:prstGeom prst="rect">
+            <a:avLst/>
+          </a:prstGeom>
+          <a:noFill/>
+        </p:spPr>
+        <p:txBody>
+          <a:bodyPr wrap="square">
+            <a:spAutoFit/>
+          </a:bodyPr>
+          <a:lstStyle/>
+          <a:p>
+            <a:pPr algn="l">
+              <a:defRPr sz="1400" b="0">
+                <a:solidFill>
+                  <a:srgbClr val="BBBBBB"/>
+                </a:solidFill>
+                <a:latin typeface="Calibri"/>
+              </a:defRPr>
+            </a:pPr>
+            <a:r>
+              <a:t>Lending (Aave), DEXs (Uniswap), Derivatives (GMX)</a:t>
+            </a:r>
+          </a:p>
+        </p:txBody>
+      </p:sp>
+      <p:sp>
+        <p:nvSpPr>
+          <p:cNvPr id="14" name="Rounded Rectangle 13"/>
+          <p:cNvSpPr/>
+          <p:nvPr/>
+        </p:nvSpPr>
+        <p:spPr>
+          <a:xfrm>
+            <a:off x="1371600" y="5303520"/>
+            <a:ext cx="11887200" cy="1188720"/>
+          </a:xfrm>
+          <a:prstGeom prst="roundRect">
+            <a:avLst/>
+          </a:prstGeom>
+          <a:solidFill>
+            <a:srgbClr val="1A1A2E"/>
+          </a:solidFill>
+          <a:ln>
+            <a:noFill/>
+          </a:ln>
+        </p:spPr>
+        <p:style>
+          <a:lnRef idx="1">
+            <a:schemeClr val="accent1"/>
+          </a:lnRef>
+          <a:fillRef idx="3">
+            <a:schemeClr val="accent1"/>
+          </a:fillRef>
+          <a:effectRef idx="2">
+            <a:schemeClr val="accent1"/>
+          </a:effectRef>
+          <a:fontRef idx="minor">
+            <a:schemeClr val="lt1"/>
+          </a:fontRef>
+        </p:style>
+        <p:txBody>
+          <a:bodyPr rtlCol="0" anchor="ctr"/>
+          <a:lstStyle/>
+          <a:p>
+            <a:pPr algn="ctr"/>
+            <a:endParaRPr/>
+          </a:p>
+        </p:txBody>
+      </p:sp>
+      <p:sp>
+        <p:nvSpPr>
+          <p:cNvPr id="15" name="TextBox 14"/>
+          <p:cNvSpPr txBox="1"/>
+          <p:nvPr/>
+        </p:nvSpPr>
+        <p:spPr>
+          <a:xfrm>
+            <a:off x="1828800" y="5440680"/>
+            <a:ext cx="1645920" cy="365760"/>
+          </a:xfrm>
+          <a:prstGeom prst="rect">
+            <a:avLst/>
+          </a:prstGeom>
+          <a:noFill/>
+        </p:spPr>
+        <p:txBody>
+          <a:bodyPr wrap="square">
+            <a:spAutoFit/>
+          </a:bodyPr>
+          <a:lstStyle/>
+          <a:p>
+            <a:pPr algn="l">
+              <a:defRPr sz="1800" b="1">
+                <a:solidFill>
+                  <a:srgbClr val="00B4D8"/>
+                </a:solidFill>
+                <a:latin typeface="Calibri"/>
+              </a:defRPr>
+            </a:pPr>
+            <a:r>
+              <a:t>Layer 2</a:t>
+            </a:r>
+          </a:p>
+        </p:txBody>
+      </p:sp>
+      <p:sp>
+        <p:nvSpPr>
+          <p:cNvPr id="16" name="TextBox 15"/>
+          <p:cNvSpPr txBox="1"/>
+          <p:nvPr/>
+        </p:nvSpPr>
+        <p:spPr>
+          <a:xfrm>
+            <a:off x="3657600" y="5440680"/>
+            <a:ext cx="3657600" cy="365760"/>
+          </a:xfrm>
+          <a:prstGeom prst="rect">
+            <a:avLst/>
+          </a:prstGeom>
+          <a:noFill/>
+        </p:spPr>
+        <p:txBody>
+          <a:bodyPr wrap="square">
+            <a:spAutoFit/>
+          </a:bodyPr>
+          <a:lstStyle/>
+          <a:p>
+            <a:pPr algn="l">
+              <a:defRPr sz="1800" b="1">
+                <a:solidFill>
+                  <a:srgbClr val="FFFFFF"/>
+                </a:solidFill>
+                <a:latin typeface="Calibri"/>
+              </a:defRPr>
+            </a:pPr>
+            <a:r>
+              <a:t>Asset Layer</a:t>
+            </a:r>
+          </a:p>
+        </p:txBody>
+      </p:sp>
+      <p:sp>
+        <p:nvSpPr>
+          <p:cNvPr id="17" name="TextBox 16"/>
+          <p:cNvSpPr txBox="1"/>
+          <p:nvPr/>
+        </p:nvSpPr>
+        <p:spPr>
+          <a:xfrm>
+            <a:off x="3657600" y="5852160"/>
+            <a:ext cx="8686800" cy="457200"/>
+          </a:xfrm>
+          <a:prstGeom prst="rect">
+            <a:avLst/>
+          </a:prstGeom>
+          <a:noFill/>
+        </p:spPr>
+        <p:txBody>
+          <a:bodyPr wrap="square">
+            <a:spAutoFit/>
+          </a:bodyPr>
+          <a:lstStyle/>
+          <a:p>
+            <a:pPr algn="l">
+              <a:defRPr sz="1400" b="0">
+                <a:solidFill>
+                  <a:srgbClr val="BBBBBB"/>
+                </a:solidFill>
+                <a:latin typeface="Calibri"/>
+              </a:defRPr>
+            </a:pPr>
+            <a:r>
+              <a:t>ERC-20 tokens, stablecoins, wrapped assets, LP tokens</a:t>
+            </a:r>
+          </a:p>
+        </p:txBody>
+      </p:sp>
+      <p:sp>
+        <p:nvSpPr>
+          <p:cNvPr id="18" name="Rounded Rectangle 17"/>
+          <p:cNvSpPr/>
+          <p:nvPr/>
+        </p:nvSpPr>
+        <p:spPr>
+          <a:xfrm>
+            <a:off x="1371600" y="6675120"/>
+            <a:ext cx="11887200" cy="1188720"/>
+          </a:xfrm>
+          <a:prstGeom prst="roundRect">
+            <a:avLst/>
+          </a:prstGeom>
+          <a:solidFill>
+            <a:srgbClr val="1A1A2E"/>
+          </a:solidFill>
+          <a:ln>
+            <a:noFill/>
+          </a:ln>
+        </p:spPr>
+        <p:style>
+          <a:lnRef idx="1">
+            <a:schemeClr val="accent1"/>
+          </a:lnRef>
+          <a:fillRef idx="3">
+            <a:schemeClr val="accent1"/>
+          </a:fillRef>
+          <a:effectRef idx="2">
+            <a:schemeClr val="accent1"/>
+          </a:effectRef>
+          <a:fontRef idx="minor">
+            <a:schemeClr val="lt1"/>
+          </a:fontRef>
+        </p:style>
+        <p:txBody>
+          <a:bodyPr rtlCol="0" anchor="ctr"/>
+          <a:lstStyle/>
+          <a:p>
+            <a:pPr algn="ctr"/>
+            <a:endParaRPr/>
+          </a:p>
+        </p:txBody>
+      </p:sp>
+      <p:sp>
+        <p:nvSpPr>
+          <p:cNvPr id="19" name="TextBox 18"/>
+          <p:cNvSpPr txBox="1"/>
+          <p:nvPr/>
+        </p:nvSpPr>
+        <p:spPr>
+          <a:xfrm>
+            <a:off x="1828800" y="6812280"/>
+            <a:ext cx="1645920" cy="365760"/>
+          </a:xfrm>
+          <a:prstGeom prst="rect">
+            <a:avLst/>
+          </a:prstGeom>
+          <a:noFill/>
+        </p:spPr>
+        <p:txBody>
+          <a:bodyPr wrap="square">
+            <a:spAutoFit/>
+          </a:bodyPr>
+          <a:lstStyle/>
+          <a:p>
+            <a:pPr algn="l">
+              <a:defRPr sz="1800" b="1">
+                <a:solidFill>
+                  <a:srgbClr val="00E676"/>
+                </a:solidFill>
+                <a:latin typeface="Calibri"/>
+              </a:defRPr>
+            </a:pPr>
+            <a:r>
+              <a:t>Layer 1</a:t>
+            </a:r>
+          </a:p>
+        </p:txBody>
+      </p:sp>
+      <p:sp>
+        <p:nvSpPr>
+          <p:cNvPr id="20" name="TextBox 19"/>
+          <p:cNvSpPr txBox="1"/>
+          <p:nvPr/>
+        </p:nvSpPr>
+        <p:spPr>
+          <a:xfrm>
+            <a:off x="3657600" y="6812280"/>
+            <a:ext cx="3657600" cy="365760"/>
+          </a:xfrm>
+          <a:prstGeom prst="rect">
+            <a:avLst/>
+          </a:prstGeom>
+          <a:noFill/>
+        </p:spPr>
+        <p:txBody>
+          <a:bodyPr wrap="square">
+            <a:spAutoFit/>
+          </a:bodyPr>
+          <a:lstStyle/>
+          <a:p>
+            <a:pPr algn="l">
+              <a:defRPr sz="1800" b="1">
+                <a:solidFill>
+                  <a:srgbClr val="FFFFFF"/>
+                </a:solidFill>
+                <a:latin typeface="Calibri"/>
+              </a:defRPr>
+            </a:pPr>
+            <a:r>
+              <a:t>Settlement Layer</a:t>
+            </a:r>
+          </a:p>
+        </p:txBody>
+      </p:sp>
+      <p:sp>
+        <p:nvSpPr>
+          <p:cNvPr id="21" name="TextBox 20"/>
+          <p:cNvSpPr txBox="1"/>
+          <p:nvPr/>
+        </p:nvSpPr>
+        <p:spPr>
+          <a:xfrm>
+            <a:off x="3657600" y="7223760"/>
+            <a:ext cx="8686800" cy="457200"/>
+          </a:xfrm>
+          <a:prstGeom prst="rect">
+            <a:avLst/>
+          </a:prstGeom>
+          <a:noFill/>
+        </p:spPr>
+        <p:txBody>
+          <a:bodyPr wrap="square">
+            <a:spAutoFit/>
+          </a:bodyPr>
+          <a:lstStyle/>
+          <a:p>
+            <a:pPr algn="l">
+              <a:defRPr sz="1400" b="0">
+                <a:solidFill>
+                  <a:srgbClr val="BBBBBB"/>
+                </a:solidFill>
+                <a:latin typeface="Calibri"/>
+              </a:defRPr>
+            </a:pPr>
+            <a:r>
+              <a:t>Blockchain (Movement, Ethereum) — consensus &amp; finality</a:t>
+            </a:r>
+          </a:p>
+        </p:txBody>
+      </p:sp>
+    </p:spTree>
+  </p:cSld>
+  <p:clrMapOvr>
+    <a:masterClrMapping/>
+  </p:clrMapOvr>
+</p:sld>
+</file>
+
+<file path=ppt/slides/slide18.xml><?xml version="1.0" encoding="utf-8"?>
+<p:sld xmlns:a="http://schemas.openxmlformats.org/drawingml/2006/main" xmlns:r="http://schemas.openxmlformats.org/officeDocument/2006/relationships" xmlns:p="http://schemas.openxmlformats.org/presentationml/2006/main">
+  <p:cSld>
+    <p:bg>
+      <p:bgPr>
+        <a:solidFill>
+          <a:srgbClr val="0D0D0D"/>
+        </a:solidFill>
+        <a:effectLst/>
+      </p:bgPr>
+    </p:bg>
+    <p:spTree>
+      <p:nvGrpSpPr>
+        <p:cNvPr id="1" name=""/>
+        <p:cNvGrpSpPr/>
+        <p:nvPr/>
+      </p:nvGrpSpPr>
+      <p:grpSpPr>
+        <a:xfrm>
+          <a:off x="0" y="0"/>
+          <a:ext cx="0" cy="0"/>
+          <a:chOff x="0" y="0"/>
+          <a:chExt cx="0" cy="0"/>
+        </a:xfrm>
+      </p:grpSpPr>
+      <p:sp>
+        <p:nvSpPr>
+          <p:cNvPr id="2" name="Rectangle 1"/>
+          <p:cNvSpPr/>
+          <p:nvPr/>
+        </p:nvSpPr>
+        <p:spPr>
+          <a:xfrm>
+            <a:off x="0" y="0"/>
+            <a:ext cx="14630400" cy="54864"/>
+          </a:xfrm>
+          <a:prstGeom prst="rect">
+            <a:avLst/>
+          </a:prstGeom>
+          <a:solidFill>
+            <a:srgbClr val="FFCD00"/>
+          </a:solidFill>
+          <a:ln>
+            <a:noFill/>
+          </a:ln>
+        </p:spPr>
+        <p:style>
+          <a:lnRef idx="1">
+            <a:schemeClr val="accent1"/>
+          </a:lnRef>
+          <a:fillRef idx="3">
+            <a:schemeClr val="accent1"/>
+          </a:fillRef>
+          <a:effectRef idx="2">
+            <a:schemeClr val="accent1"/>
+          </a:effectRef>
+          <a:fontRef idx="minor">
+            <a:schemeClr val="lt1"/>
+          </a:fontRef>
+        </p:style>
+        <p:txBody>
+          <a:bodyPr rtlCol="0" anchor="ctr"/>
+          <a:lstStyle/>
+          <a:p>
+            <a:pPr algn="ctr"/>
+            <a:endParaRPr/>
+          </a:p>
+        </p:txBody>
+      </p:sp>
+      <p:sp>
+        <p:nvSpPr>
+          <p:cNvPr id="3" name="TextBox 2"/>
+          <p:cNvSpPr txBox="1"/>
+          <p:nvPr/>
+        </p:nvSpPr>
+        <p:spPr>
+          <a:xfrm>
+            <a:off x="1371600" y="731520"/>
+            <a:ext cx="11887200" cy="731520"/>
+          </a:xfrm>
+          <a:prstGeom prst="rect">
+            <a:avLst/>
+          </a:prstGeom>
+          <a:noFill/>
+        </p:spPr>
+        <p:txBody>
+          <a:bodyPr wrap="square">
+            <a:spAutoFit/>
+          </a:bodyPr>
+          <a:lstStyle/>
+          <a:p>
+            <a:pPr algn="l">
+              <a:defRPr sz="4000" b="1">
+                <a:solidFill>
+                  <a:srgbClr val="FFFFFF"/>
+                </a:solidFill>
+                <a:latin typeface="Calibri"/>
+              </a:defRPr>
+            </a:pPr>
+            <a:r>
+              <a:t>Building DeFi on Movement</a:t>
+            </a:r>
+          </a:p>
+        </p:txBody>
+      </p:sp>
+      <p:sp>
+        <p:nvSpPr>
+          <p:cNvPr id="4" name="Rectangle 3"/>
+          <p:cNvSpPr/>
+          <p:nvPr/>
+        </p:nvSpPr>
+        <p:spPr>
+          <a:xfrm>
+            <a:off x="1371600" y="1463040"/>
+            <a:ext cx="1097280" cy="36576"/>
+          </a:xfrm>
+          <a:prstGeom prst="rect">
+            <a:avLst/>
+          </a:prstGeom>
+          <a:solidFill>
+            <a:srgbClr val="FFCD00"/>
+          </a:solidFill>
+          <a:ln>
+            <a:noFill/>
+          </a:ln>
+        </p:spPr>
+        <p:style>
+          <a:lnRef idx="1">
+            <a:schemeClr val="accent1"/>
+          </a:lnRef>
+          <a:fillRef idx="3">
+            <a:schemeClr val="accent1"/>
+          </a:fillRef>
+          <a:effectRef idx="2">
+            <a:schemeClr val="accent1"/>
+          </a:effectRef>
+          <a:fontRef idx="minor">
+            <a:schemeClr val="lt1"/>
+          </a:fontRef>
+        </p:style>
+        <p:txBody>
+          <a:bodyPr rtlCol="0" anchor="ctr"/>
+          <a:lstStyle/>
+          <a:p>
+            <a:pPr algn="ctr"/>
+            <a:endParaRPr/>
+          </a:p>
+        </p:txBody>
+      </p:sp>
+      <p:sp>
+        <p:nvSpPr>
+          <p:cNvPr id="5" name="Rounded Rectangle 4"/>
+          <p:cNvSpPr/>
+          <p:nvPr/>
+        </p:nvSpPr>
+        <p:spPr>
+          <a:xfrm>
+            <a:off x="1371600" y="2103120"/>
+            <a:ext cx="5669280" cy="5303520"/>
+          </a:xfrm>
+          <a:prstGeom prst="roundRect">
+            <a:avLst/>
+          </a:prstGeom>
+          <a:solidFill>
+            <a:srgbClr val="1A1A2E"/>
+          </a:solidFill>
+          <a:ln>
+            <a:noFill/>
+          </a:ln>
+        </p:spPr>
+        <p:style>
+          <a:lnRef idx="1">
+            <a:schemeClr val="accent1"/>
+          </a:lnRef>
+          <a:fillRef idx="3">
+            <a:schemeClr val="accent1"/>
+          </a:fillRef>
+          <a:effectRef idx="2">
+            <a:schemeClr val="accent1"/>
+          </a:effectRef>
+          <a:fontRef idx="minor">
+            <a:schemeClr val="lt1"/>
+          </a:fontRef>
+        </p:style>
+        <p:txBody>
+          <a:bodyPr rtlCol="0" anchor="ctr"/>
+          <a:lstStyle/>
+          <a:p>
+            <a:pPr algn="ctr"/>
+            <a:endParaRPr/>
+          </a:p>
+        </p:txBody>
+      </p:sp>
+      <p:sp>
+        <p:nvSpPr>
+          <p:cNvPr id="6" name="TextBox 5"/>
+          <p:cNvSpPr txBox="1"/>
+          <p:nvPr/>
+        </p:nvSpPr>
+        <p:spPr>
+          <a:xfrm>
+            <a:off x="1828800" y="2286000"/>
+            <a:ext cx="5029200" cy="457200"/>
+          </a:xfrm>
+          <a:prstGeom prst="rect">
+            <a:avLst/>
+          </a:prstGeom>
+          <a:noFill/>
+        </p:spPr>
+        <p:txBody>
+          <a:bodyPr wrap="square">
+            <a:spAutoFit/>
+          </a:bodyPr>
+          <a:lstStyle/>
+          <a:p>
+            <a:pPr algn="l">
+              <a:defRPr sz="2000" b="1">
+                <a:solidFill>
+                  <a:srgbClr val="FFCD00"/>
+                </a:solidFill>
+                <a:latin typeface="Calibri"/>
+              </a:defRPr>
+            </a:pPr>
+            <a:r>
+              <a:t>⚡ Movement Advantages for DeFi</a:t>
+            </a:r>
+          </a:p>
+        </p:txBody>
+      </p:sp>
+      <p:sp>
+        <p:nvSpPr>
+          <p:cNvPr id="7" name="TextBox 6"/>
+          <p:cNvSpPr txBox="1"/>
+          <p:nvPr/>
+        </p:nvSpPr>
+        <p:spPr>
+          <a:xfrm>
+            <a:off x="1828800" y="3017520"/>
+            <a:ext cx="5029200" cy="4114800"/>
+          </a:xfrm>
+          <a:prstGeom prst="rect">
+            <a:avLst/>
+          </a:prstGeom>
+          <a:noFill/>
+        </p:spPr>
+        <p:txBody>
+          <a:bodyPr wrap="square">
+            <a:spAutoFit/>
+          </a:bodyPr>
+          <a:lstStyle/>
+          <a:p>
+            <a:pPr>
+              <a:spcAft>
+                <a:spcPts val="400"/>
+              </a:spcAft>
+              <a:defRPr sz="1500">
+                <a:solidFill>
+                  <a:srgbClr val="BBBBBB"/>
+                </a:solidFill>
+                <a:latin typeface="Calibri"/>
+              </a:defRPr>
+            </a:pPr>
+            <a:r>
+              <a:t>•  Sub-second finality for real-time trading</a:t>
+            </a:r>
+          </a:p>
+          <a:p>
+            <a:pPr>
+              <a:spcAft>
+                <a:spcPts val="400"/>
+              </a:spcAft>
+              <a:defRPr sz="1500">
+                <a:solidFill>
+                  <a:srgbClr val="BBBBBB"/>
+                </a:solidFill>
+                <a:latin typeface="Calibri"/>
+              </a:defRPr>
+            </a:pPr>
+            <a:r>
+              <a:t>•  Parallel execution → higher throughput</a:t>
+            </a:r>
+          </a:p>
+          <a:p>
+            <a:pPr>
+              <a:spcAft>
+                <a:spcPts val="400"/>
+              </a:spcAft>
+              <a:defRPr sz="1500">
+                <a:solidFill>
+                  <a:srgbClr val="BBBBBB"/>
+                </a:solidFill>
+                <a:latin typeface="Calibri"/>
+              </a:defRPr>
+            </a:pPr>
+            <a:r>
+              <a:t>•  Move's safety prevents DeFi exploits</a:t>
+            </a:r>
+          </a:p>
+          <a:p>
+            <a:pPr>
+              <a:spcAft>
+                <a:spcPts val="400"/>
+              </a:spcAft>
+              <a:defRPr sz="1500">
+                <a:solidFill>
+                  <a:srgbClr val="BBBBBB"/>
+                </a:solidFill>
+                <a:latin typeface="Calibri"/>
+              </a:defRPr>
+            </a:pPr>
+            <a:r>
+              <a:t>•  EVM compatibility via Fractal</a:t>
+            </a:r>
+          </a:p>
+          <a:p>
+            <a:pPr>
+              <a:spcAft>
+                <a:spcPts val="400"/>
+              </a:spcAft>
+              <a:defRPr sz="1500">
+                <a:solidFill>
+                  <a:srgbClr val="BBBBBB"/>
+                </a:solidFill>
+                <a:latin typeface="Calibri"/>
+              </a:defRPr>
+            </a:pPr>
+            <a:r>
+              <a:t>•  Low gas costs for complex DeFi ops</a:t>
+            </a:r>
+          </a:p>
+          <a:p>
+            <a:pPr>
+              <a:spcAft>
+                <a:spcPts val="400"/>
+              </a:spcAft>
+              <a:defRPr sz="1500">
+                <a:solidFill>
+                  <a:srgbClr val="BBBBBB"/>
+                </a:solidFill>
+                <a:latin typeface="Calibri"/>
+              </a:defRPr>
+            </a:pPr>
+            <a:r>
+              <a:t>•  Native formal verification tooling</a:t>
+            </a:r>
+          </a:p>
+        </p:txBody>
+      </p:sp>
+      <p:sp>
+        <p:nvSpPr>
+          <p:cNvPr id="8" name="Rounded Rectangle 7"/>
+          <p:cNvSpPr/>
+          <p:nvPr/>
+        </p:nvSpPr>
+        <p:spPr>
+          <a:xfrm>
+            <a:off x="7772400" y="2103120"/>
+            <a:ext cx="5669280" cy="5303520"/>
+          </a:xfrm>
+          <a:prstGeom prst="roundRect">
+            <a:avLst/>
+          </a:prstGeom>
+          <a:solidFill>
+            <a:srgbClr val="1A1A2E"/>
+          </a:solidFill>
+          <a:ln>
+            <a:noFill/>
+          </a:ln>
+        </p:spPr>
+        <p:style>
+          <a:lnRef idx="1">
+            <a:schemeClr val="accent1"/>
+          </a:lnRef>
+          <a:fillRef idx="3">
+            <a:schemeClr val="accent1"/>
+          </a:fillRef>
+          <a:effectRef idx="2">
+            <a:schemeClr val="accent1"/>
+          </a:effectRef>
+          <a:fontRef idx="minor">
+            <a:schemeClr val="lt1"/>
+          </a:fontRef>
+        </p:style>
+        <p:txBody>
+          <a:bodyPr rtlCol="0" anchor="ctr"/>
+          <a:lstStyle/>
+          <a:p>
+            <a:pPr algn="ctr"/>
+            <a:endParaRPr/>
+          </a:p>
+        </p:txBody>
+      </p:sp>
+      <p:sp>
+        <p:nvSpPr>
+          <p:cNvPr id="9" name="TextBox 8"/>
+          <p:cNvSpPr txBox="1"/>
+          <p:nvPr/>
+        </p:nvSpPr>
+        <p:spPr>
+          <a:xfrm>
+            <a:off x="8229600" y="2286000"/>
+            <a:ext cx="5029200" cy="457200"/>
+          </a:xfrm>
+          <a:prstGeom prst="rect">
+            <a:avLst/>
+          </a:prstGeom>
+          <a:noFill/>
+        </p:spPr>
+        <p:txBody>
+          <a:bodyPr wrap="square">
+            <a:spAutoFit/>
+          </a:bodyPr>
+          <a:lstStyle/>
+          <a:p>
+            <a:pPr algn="l">
+              <a:defRPr sz="2000" b="1">
+                <a:solidFill>
+                  <a:srgbClr val="FFCD00"/>
+                </a:solidFill>
+                <a:latin typeface="Calibri"/>
+              </a:defRPr>
+            </a:pPr>
+            <a:r>
+              <a:t>🏗️ Movement DeFi Ecosystem</a:t>
+            </a:r>
+          </a:p>
+        </p:txBody>
+      </p:sp>
+      <p:sp>
+        <p:nvSpPr>
+          <p:cNvPr id="10" name="TextBox 9"/>
+          <p:cNvSpPr txBox="1"/>
+          <p:nvPr/>
+        </p:nvSpPr>
+        <p:spPr>
+          <a:xfrm>
+            <a:off x="8229600" y="3017520"/>
+            <a:ext cx="5029200" cy="4114800"/>
+          </a:xfrm>
+          <a:prstGeom prst="rect">
+            <a:avLst/>
+          </a:prstGeom>
+          <a:noFill/>
+        </p:spPr>
+        <p:txBody>
+          <a:bodyPr wrap="square">
+            <a:spAutoFit/>
+          </a:bodyPr>
+          <a:lstStyle/>
+          <a:p>
+            <a:pPr>
+              <a:spcAft>
+                <a:spcPts val="400"/>
+              </a:spcAft>
+              <a:defRPr sz="1500">
+                <a:solidFill>
+                  <a:srgbClr val="BBBBBB"/>
+                </a:solidFill>
+                <a:latin typeface="Calibri"/>
+              </a:defRPr>
+            </a:pPr>
+            <a:r>
+              <a:t>•  Meridian — DEX &amp; AMM</a:t>
+            </a:r>
+          </a:p>
+          <a:p>
+            <a:pPr>
+              <a:spcAft>
+                <a:spcPts val="400"/>
+              </a:spcAft>
+              <a:defRPr sz="1500">
+                <a:solidFill>
+                  <a:srgbClr val="BBBBBB"/>
+                </a:solidFill>
+                <a:latin typeface="Calibri"/>
+              </a:defRPr>
+            </a:pPr>
+            <a:r>
+              <a:t>•  Joule — Lending &amp; Borrowing</a:t>
+            </a:r>
+          </a:p>
+          <a:p>
+            <a:pPr>
+              <a:spcAft>
+                <a:spcPts val="400"/>
+              </a:spcAft>
+              <a:defRPr sz="1500">
+                <a:solidFill>
+                  <a:srgbClr val="BBBBBB"/>
+                </a:solidFill>
+                <a:latin typeface="Calibri"/>
+              </a:defRPr>
+            </a:pPr>
+            <a:r>
+              <a:t>•  Echelon — Money Markets</a:t>
+            </a:r>
+          </a:p>
+          <a:p>
+            <a:pPr>
+              <a:spcAft>
+                <a:spcPts val="400"/>
+              </a:spcAft>
+              <a:defRPr sz="1500">
+                <a:solidFill>
+                  <a:srgbClr val="BBBBBB"/>
+                </a:solidFill>
+                <a:latin typeface="Calibri"/>
+              </a:defRPr>
+            </a:pPr>
+            <a:r>
+              <a:t>•  Mosaic — Stablecoin Infrastructure</a:t>
+            </a:r>
+          </a:p>
+          <a:p>
+            <a:pPr>
+              <a:spcAft>
+                <a:spcPts val="400"/>
+              </a:spcAft>
+              <a:defRPr sz="1500">
+                <a:solidFill>
+                  <a:srgbClr val="BBBBBB"/>
+                </a:solidFill>
+                <a:latin typeface="Calibri"/>
+              </a:defRPr>
+            </a:pPr>
+            <a:r>
+              <a:t>•  Canopy — Yield Aggregation</a:t>
+            </a:r>
+          </a:p>
+          <a:p>
+            <a:pPr>
+              <a:spcAft>
+                <a:spcPts val="400"/>
+              </a:spcAft>
+              <a:defRPr sz="1500">
+                <a:solidFill>
+                  <a:srgbClr val="BBBBBB"/>
+                </a:solidFill>
+                <a:latin typeface="Calibri"/>
+              </a:defRPr>
+            </a:pPr>
+            <a:r>
+              <a:t>•  ...and growing every week</a:t>
+            </a:r>
+          </a:p>
+        </p:txBody>
+      </p:sp>
+    </p:spTree>
+  </p:cSld>
+  <p:clrMapOvr>
+    <a:masterClrMapping/>
+  </p:clrMapOvr>
+</p:sld>
+</file>
+
+<file path=ppt/slides/slide19.xml><?xml version="1.0" encoding="utf-8"?>
+<p:sld xmlns:a="http://schemas.openxmlformats.org/drawingml/2006/main" xmlns:r="http://schemas.openxmlformats.org/officeDocument/2006/relationships" xmlns:p="http://schemas.openxmlformats.org/presentationml/2006/main">
+  <p:cSld>
+    <p:bg>
+      <p:bgPr>
+        <a:solidFill>
+          <a:srgbClr val="0D0D0D"/>
+        </a:solidFill>
+        <a:effectLst/>
+      </p:bgPr>
+    </p:bg>
+    <p:spTree>
+      <p:nvGrpSpPr>
+        <p:cNvPr id="1" name=""/>
+        <p:cNvGrpSpPr/>
+        <p:nvPr/>
+      </p:nvGrpSpPr>
+      <p:grpSpPr>
+        <a:xfrm>
+          <a:off x="0" y="0"/>
+          <a:ext cx="0" cy="0"/>
+          <a:chOff x="0" y="0"/>
+          <a:chExt cx="0" cy="0"/>
+        </a:xfrm>
+      </p:grpSpPr>
+      <p:sp>
+        <p:nvSpPr>
+          <p:cNvPr id="2" name="Rectangle 1"/>
+          <p:cNvSpPr/>
+          <p:nvPr/>
+        </p:nvSpPr>
+        <p:spPr>
+          <a:xfrm>
+            <a:off x="0" y="0"/>
+            <a:ext cx="14630400" cy="54864"/>
+          </a:xfrm>
+          <a:prstGeom prst="rect">
+            <a:avLst/>
+          </a:prstGeom>
+          <a:solidFill>
+            <a:srgbClr val="FFCD00"/>
+          </a:solidFill>
+          <a:ln>
+            <a:noFill/>
+          </a:ln>
+        </p:spPr>
+        <p:style>
+          <a:lnRef idx="1">
+            <a:schemeClr val="accent1"/>
+          </a:lnRef>
+          <a:fillRef idx="3">
+            <a:schemeClr val="accent1"/>
+          </a:fillRef>
+          <a:effectRef idx="2">
+            <a:schemeClr val="accent1"/>
+          </a:effectRef>
+          <a:fontRef idx="minor">
+            <a:schemeClr val="lt1"/>
+          </a:fontRef>
+        </p:style>
+        <p:txBody>
+          <a:bodyPr rtlCol="0" anchor="ctr"/>
+          <a:lstStyle/>
+          <a:p>
+            <a:pPr algn="ctr"/>
+            <a:endParaRPr/>
+          </a:p>
+        </p:txBody>
+      </p:sp>
+      <p:sp>
+        <p:nvSpPr>
+          <p:cNvPr id="3" name="TextBox 2"/>
+          <p:cNvSpPr txBox="1"/>
+          <p:nvPr/>
+        </p:nvSpPr>
+        <p:spPr>
+          <a:xfrm>
+            <a:off x="1371600" y="2286000"/>
+            <a:ext cx="11887200" cy="1097280"/>
+          </a:xfrm>
+          <a:prstGeom prst="rect">
+            <a:avLst/>
+          </a:prstGeom>
+          <a:noFill/>
+        </p:spPr>
+        <p:txBody>
+          <a:bodyPr wrap="square">
+            <a:spAutoFit/>
+          </a:bodyPr>
+          <a:lstStyle/>
+          <a:p>
+            <a:pPr algn="ctr">
+              <a:defRPr sz="5600" b="1">
+                <a:solidFill>
+                  <a:srgbClr val="FFFFFF"/>
+                </a:solidFill>
+                <a:latin typeface="Calibri"/>
+              </a:defRPr>
+            </a:pPr>
+            <a:r>
+              <a:t>Questions?</a:t>
+            </a:r>
+          </a:p>
+        </p:txBody>
+      </p:sp>
+      <p:sp>
+        <p:nvSpPr>
+          <p:cNvPr id="4" name="TextBox 3"/>
+          <p:cNvSpPr txBox="1"/>
+          <p:nvPr/>
+        </p:nvSpPr>
+        <p:spPr>
+          <a:xfrm>
+            <a:off x="1371600" y="3657600"/>
+            <a:ext cx="11887200" cy="731520"/>
+          </a:xfrm>
+          <a:prstGeom prst="rect">
+            <a:avLst/>
+          </a:prstGeom>
+          <a:noFill/>
+        </p:spPr>
+        <p:txBody>
+          <a:bodyPr wrap="square">
+            <a:spAutoFit/>
+          </a:bodyPr>
+          <a:lstStyle/>
+          <a:p>
+            <a:pPr algn="ctr">
+              <a:defRPr sz="2800" b="0">
+                <a:solidFill>
+                  <a:srgbClr val="FFCD00"/>
+                </a:solidFill>
+                <a:latin typeface="Calibri"/>
+              </a:defRPr>
+            </a:pPr>
+            <a:r>
+              <a:t>Let's build the future of finance — on Movement.</a:t>
+            </a:r>
+          </a:p>
+        </p:txBody>
+      </p:sp>
+      <p:sp>
+        <p:nvSpPr>
+          <p:cNvPr id="5" name="Rectangle 4"/>
+          <p:cNvSpPr/>
+          <p:nvPr/>
+        </p:nvSpPr>
+        <p:spPr>
+          <a:xfrm>
+            <a:off x="6400800" y="4754880"/>
+            <a:ext cx="1828800" cy="36576"/>
+          </a:xfrm>
+          <a:prstGeom prst="rect">
+            <a:avLst/>
+          </a:prstGeom>
+          <a:solidFill>
+            <a:srgbClr val="FFCD00"/>
+          </a:solidFill>
+          <a:ln>
+            <a:noFill/>
+          </a:ln>
+        </p:spPr>
+        <p:style>
+          <a:lnRef idx="1">
+            <a:schemeClr val="accent1"/>
+          </a:lnRef>
+          <a:fillRef idx="3">
+            <a:schemeClr val="accent1"/>
+          </a:fillRef>
+          <a:effectRef idx="2">
+            <a:schemeClr val="accent1"/>
+          </a:effectRef>
+          <a:fontRef idx="minor">
+            <a:schemeClr val="lt1"/>
+          </a:fontRef>
+        </p:style>
+        <p:txBody>
+          <a:bodyPr rtlCol="0" anchor="ctr"/>
+          <a:lstStyle/>
+          <a:p>
+            <a:pPr algn="ctr"/>
+            <a:endParaRPr/>
+          </a:p>
+        </p:txBody>
+      </p:sp>
+      <p:sp>
+        <p:nvSpPr>
           <p:cNvPr id="6" name="TextBox 5"/>
           <p:cNvSpPr txBox="1"/>
           <p:nvPr/>
@@ -9760,7 +11666,7 @@
         <p:spPr>
           <a:xfrm>
             <a:off x="1371600" y="5943600"/>
-            <a:ext cx="11887200" cy="457200"/>
+            <a:ext cx="11887200" cy="323165"/>
           </a:xfrm>
           <a:prstGeom prst="rect">
             <a:avLst/>
@@ -9782,8 +11688,32 @@
               </a:defRPr>
             </a:pPr>
             <a:r>
-              <a:t>[Your Name]  •  [your@email.com]  •  Developer Relations</a:t>
-            </a:r>
+              <a:rPr lang="en-US" dirty="0"/>
+              <a:t>Ulas </a:t>
+            </a:r>
+            <a:r>
+              <a:rPr dirty="0"/>
+              <a:t>•  </a:t>
+            </a:r>
+            <a:r>
+              <a:rPr lang="en-US" dirty="0">
+                <a:hlinkClick r:id="rId2"/>
+              </a:rPr>
+              <a:t>ulas@apilium.org</a:t>
+            </a:r>
+            <a:r>
+              <a:rPr lang="en-US" dirty="0"/>
+              <a:t> </a:t>
+            </a:r>
+            <a:r>
+              <a:rPr dirty="0"/>
+              <a:t>•  </a:t>
+            </a:r>
+            <a:r>
+              <a:rPr lang="en-US" dirty="0"/>
+              <a:t>Movement Turkey</a:t>
+            </a:r>
+            <a:endParaRPr dirty="0"/>
           </a:p>
         </p:txBody>
       </p:sp>
@@ -16941,4 +18871,319 @@
   </a:objectDefaults>
   <a:extraClrSchemeLst/>
 </a:theme>
+</file>
+
+<file path=ppt/theme/theme2.xml><?xml version="1.0" encoding="utf-8"?>
+<a:theme xmlns:a="http://schemas.openxmlformats.org/drawingml/2006/main" name="Office Theme">
+  <a:themeElements>
+    <a:clrScheme name="Office">
+      <a:dk1>
+        <a:sysClr val="windowText" lastClr="000000"/>
+      </a:dk1>
+      <a:lt1>
+        <a:sysClr val="window" lastClr="FFFFFF"/>
+      </a:lt1>
+      <a:dk2>
+        <a:srgbClr val="0E2841"/>
+      </a:dk2>
+      <a:lt2>
+        <a:srgbClr val="E8E8E8"/>
+      </a:lt2>
+      <a:accent1>
+        <a:srgbClr val="156082"/>
+      </a:accent1>
+      <a:accent2>
+        <a:srgbClr val="E97132"/>
+      </a:accent2>
+      <a:accent3>
+        <a:srgbClr val="196B24"/>
+      </a:accent3>
+      <a:accent4>
+        <a:srgbClr val="0F9ED5"/>
+      </a:accent4>
+      <a:accent5>
+        <a:srgbClr val="A02B93"/>
+      </a:accent5>
+      <a:accent6>
+        <a:srgbClr val="4EA72E"/>
+      </a:accent6>
+      <a:hlink>
+        <a:srgbClr val="467886"/>
+      </a:hlink>
+      <a:folHlink>
+        <a:srgbClr val="96607D"/>
+      </a:folHlink>
+    </a:clrScheme>
+    <a:fontScheme name="Office">
+      <a:majorFont>
+        <a:latin typeface="Aptos Display" panose="02110004020202020204"/>
+        <a:ea typeface=""/>
+        <a:cs typeface=""/>
+        <a:font script="Jpan" typeface="游ゴシック Light"/>
+        <a:font script="Hang" typeface="맑은 고딕"/>
+        <a:font script="Hans" typeface="等线 Light"/>
+        <a:font script="Hant" typeface="新細明體"/>
+        <a:font script="Arab" typeface="Times New Roman"/>
+        <a:font script="Hebr" typeface="Times New Roman"/>
+        <a:font script="Thai" typeface="Angsana New"/>
+        <a:font script="Ethi" typeface="Nyala"/>
+        <a:font script="Beng" typeface="Vrinda"/>
+        <a:font script="Gujr" typeface="Shruti"/>
+        <a:font script="Khmr" typeface="MoolBoran"/>
+        <a:font script="Knda" typeface="Tunga"/>
+        <a:font script="Guru" typeface="Raavi"/>
+        <a:font script="Cans" typeface="Euphemia"/>
+        <a:font script="Cher" typeface="Plantagenet Cherokee"/>
+        <a:font script="Yiii" typeface="Microsoft Yi Baiti"/>
+        <a:font script="Tibt" typeface="Microsoft Himalaya"/>
+        <a:font script="Thaa" typeface="MV Boli"/>
+        <a:font script="Deva" typeface="Mangal"/>
+        <a:font script="Telu" typeface="Gautami"/>
+        <a:font script="Taml" typeface="Latha"/>
+        <a:font script="Syrc" typeface="Estrangelo Edessa"/>
+        <a:font script="Orya" typeface="Kalinga"/>
+        <a:font script="Mlym" typeface="Kartika"/>
+        <a:font script="Laoo" typeface="DokChampa"/>
+        <a:font script="Sinh" typeface="Iskoola Pota"/>
+        <a:font script="Mong" typeface="Mongolian Baiti"/>
+        <a:font script="Viet" typeface="Times New Roman"/>
+        <a:font script="Uigh" typeface="Microsoft Uighur"/>
+        <a:font script="Geor" typeface="Sylfaen"/>
+        <a:font script="Armn" typeface="Arial"/>
+        <a:font script="Bugi" typeface="Leelawadee UI"/>
+        <a:font script="Bopo" typeface="Microsoft JhengHei"/>
+        <a:font script="Java" typeface="Javanese Text"/>
+        <a:font script="Lisu" typeface="Segoe UI"/>
+        <a:font script="Mymr" typeface="Myanmar Text"/>
+        <a:font script="Nkoo" typeface="Ebrima"/>
+        <a:font script="Olck" typeface="Nirmala UI"/>
+        <a:font script="Osma" typeface="Ebrima"/>
+        <a:font script="Phag" typeface="Phagspa"/>
+        <a:font script="Syrn" typeface="Estrangelo Edessa"/>
+        <a:font script="Syrj" typeface="Estrangelo Edessa"/>
+        <a:font script="Syre" typeface="Estrangelo Edessa"/>
+        <a:font script="Sora" typeface="Nirmala UI"/>
+        <a:font script="Tale" typeface="Microsoft Tai Le"/>
+        <a:font script="Talu" typeface="Microsoft New Tai Lue"/>
+        <a:font script="Tfng" typeface="Ebrima"/>
+      </a:majorFont>
+      <a:minorFont>
+        <a:latin typeface="Aptos" panose="02110004020202020204"/>
+        <a:ea typeface=""/>
+        <a:cs typeface=""/>
+        <a:font script="Jpan" typeface="游ゴシック"/>
+        <a:font script="Hang" typeface="맑은 고딕"/>
+        <a:font script="Hans" typeface="等线"/>
+        <a:font script="Hant" typeface="新細明體"/>
+        <a:font script="Arab" typeface="Arial"/>
+        <a:font script="Hebr" typeface="Arial"/>
+        <a:font script="Thai" typeface="Cordia New"/>
+        <a:font script="Ethi" typeface="Nyala"/>
+        <a:font script="Beng" typeface="Vrinda"/>
+        <a:font script="Gujr" typeface="Shruti"/>
+        <a:font script="Khmr" typeface="DaunPenh"/>
+        <a:font script="Knda" typeface="Tunga"/>
+        <a:font script="Guru" typeface="Raavi"/>
+        <a:font script="Cans" typeface="Euphemia"/>
+        <a:font script="Cher" typeface="Plantagenet Cherokee"/>
+        <a:font script="Yiii" typeface="Microsoft Yi Baiti"/>
+        <a:font script="Tibt" typeface="Microsoft Himalaya"/>
+        <a:font script="Thaa" typeface="MV Boli"/>
+        <a:font script="Deva" typeface="Mangal"/>
+        <a:font script="Telu" typeface="Gautami"/>
+        <a:font script="Taml" typeface="Latha"/>
+        <a:font script="Syrc" typeface="Estrangelo Edessa"/>
+        <a:font script="Orya" typeface="Kalinga"/>
+        <a:font script="Mlym" typeface="Kartika"/>
+        <a:font script="Laoo" typeface="DokChampa"/>
+        <a:font script="Sinh" typeface="Iskoola Pota"/>
+        <a:font script="Mong" typeface="Mongolian Baiti"/>
+        <a:font script="Viet" typeface="Arial"/>
+        <a:font script="Uigh" typeface="Microsoft Uighur"/>
+        <a:font script="Geor" typeface="Sylfaen"/>
+        <a:font script="Armn" typeface="Arial"/>
+        <a:font script="Bugi" typeface="Leelawadee UI"/>
+        <a:font script="Bopo" typeface="Microsoft JhengHei"/>
+        <a:font script="Java" typeface="Javanese Text"/>
+        <a:font script="Lisu" typeface="Segoe UI"/>
+        <a:font script="Mymr" typeface="Myanmar Text"/>
+        <a:font script="Nkoo" typeface="Ebrima"/>
+        <a:font script="Olck" typeface="Nirmala UI"/>
+        <a:font script="Osma" typeface="Ebrima"/>
+        <a:font script="Phag" typeface="Phagspa"/>
+        <a:font script="Syrn" typeface="Estrangelo Edessa"/>
+        <a:font script="Syrj" typeface="Estrangelo Edessa"/>
+        <a:font script="Syre" typeface="Estrangelo Edessa"/>
+        <a:font script="Sora" typeface="Nirmala UI"/>
+        <a:font script="Tale" typeface="Microsoft Tai Le"/>
+        <a:font script="Talu" typeface="Microsoft New Tai Lue"/>
+        <a:font script="Tfng" typeface="Ebrima"/>
+      </a:minorFont>
+    </a:fontScheme>
+    <a:fmtScheme name="Office">
+      <a:fillStyleLst>
+        <a:solidFill>
+          <a:schemeClr val="phClr"/>
+        </a:solidFill>
+        <a:gradFill rotWithShape="1">
+          <a:gsLst>
+            <a:gs pos="0">
+              <a:schemeClr val="phClr">
+                <a:lumMod val="110000"/>
+                <a:satMod val="105000"/>
+                <a:tint val="67000"/>
+              </a:schemeClr>
+            </a:gs>
+            <a:gs pos="50000">
+              <a:schemeClr val="phClr">
+                <a:lumMod val="105000"/>
+                <a:satMod val="103000"/>
+                <a:tint val="73000"/>
+              </a:schemeClr>
+            </a:gs>
+            <a:gs pos="100000">
+              <a:schemeClr val="phClr">
+                <a:lumMod val="105000"/>
+                <a:satMod val="109000"/>
+                <a:tint val="81000"/>
+              </a:schemeClr>
+            </a:gs>
+          </a:gsLst>
+          <a:lin ang="5400000" scaled="0"/>
+        </a:gradFill>
+        <a:gradFill rotWithShape="1">
+          <a:gsLst>
+            <a:gs pos="0">
+              <a:schemeClr val="phClr">
+                <a:satMod val="103000"/>
+                <a:lumMod val="102000"/>
+                <a:tint val="94000"/>
+              </a:schemeClr>
+            </a:gs>
+            <a:gs pos="50000">
+              <a:schemeClr val="phClr">
+                <a:satMod val="110000"/>
+                <a:lumMod val="100000"/>
+                <a:shade val="100000"/>
+              </a:schemeClr>
+            </a:gs>
+            <a:gs pos="100000">
+              <a:schemeClr val="phClr">
+                <a:lumMod val="99000"/>
+                <a:satMod val="120000"/>
+                <a:shade val="78000"/>
+              </a:schemeClr>
+            </a:gs>
+          </a:gsLst>
+          <a:lin ang="5400000" scaled="0"/>
+        </a:gradFill>
+      </a:fillStyleLst>
+      <a:lnStyleLst>
+        <a:ln w="12700" cap="flat" cmpd="sng" algn="ctr">
+          <a:solidFill>
+            <a:schemeClr val="phClr"/>
+          </a:solidFill>
+          <a:prstDash val="solid"/>
+          <a:miter lim="800000"/>
+        </a:ln>
+        <a:ln w="19050" cap="flat" cmpd="sng" algn="ctr">
+          <a:solidFill>
+            <a:schemeClr val="phClr"/>
+          </a:solidFill>
+          <a:prstDash val="solid"/>
+          <a:miter lim="800000"/>
+        </a:ln>
+        <a:ln w="25400" cap="flat" cmpd="sng" algn="ctr">
+          <a:solidFill>
+            <a:schemeClr val="phClr"/>
+          </a:solidFill>
+          <a:prstDash val="solid"/>
+          <a:miter lim="800000"/>
+        </a:ln>
+      </a:lnStyleLst>
+      <a:effectStyleLst>
+        <a:effectStyle>
+          <a:effectLst/>
+        </a:effectStyle>
+        <a:effectStyle>
+          <a:effectLst/>
+        </a:effectStyle>
+        <a:effectStyle>
+          <a:effectLst>
+            <a:outerShdw blurRad="57150" dist="19050" dir="5400000" algn="ctr" rotWithShape="0">
+              <a:srgbClr val="000000">
+                <a:alpha val="63000"/>
+              </a:srgbClr>
+            </a:outerShdw>
+          </a:effectLst>
+        </a:effectStyle>
+      </a:effectStyleLst>
+      <a:bgFillStyleLst>
+        <a:solidFill>
+          <a:schemeClr val="phClr"/>
+        </a:solidFill>
+        <a:solidFill>
+          <a:schemeClr val="phClr">
+            <a:tint val="95000"/>
+            <a:satMod val="170000"/>
+          </a:schemeClr>
+        </a:solidFill>
+        <a:gradFill rotWithShape="1">
+          <a:gsLst>
+            <a:gs pos="0">
+              <a:schemeClr val="phClr">
+                <a:tint val="93000"/>
+                <a:satMod val="150000"/>
+                <a:shade val="98000"/>
+                <a:lumMod val="102000"/>
+              </a:schemeClr>
+            </a:gs>
+            <a:gs pos="50000">
+              <a:schemeClr val="phClr">
+                <a:tint val="98000"/>
+                <a:satMod val="130000"/>
+                <a:shade val="90000"/>
+                <a:lumMod val="103000"/>
+              </a:schemeClr>
+            </a:gs>
+            <a:gs pos="100000">
+              <a:schemeClr val="phClr">
+                <a:shade val="63000"/>
+                <a:satMod val="120000"/>
+              </a:schemeClr>
+            </a:gs>
+          </a:gsLst>
+          <a:lin ang="5400000" scaled="0"/>
+        </a:gradFill>
+      </a:bgFillStyleLst>
+    </a:fmtScheme>
+  </a:themeElements>
+  <a:objectDefaults>
+    <a:lnDef>
+      <a:spPr/>
+      <a:bodyPr/>
+      <a:lstStyle/>
+      <a:style>
+        <a:lnRef idx="2">
+          <a:schemeClr val="accent1"/>
+        </a:lnRef>
+        <a:fillRef idx="0">
+          <a:schemeClr val="accent1"/>
+        </a:fillRef>
+        <a:effectRef idx="1">
+          <a:schemeClr val="accent1"/>
+        </a:effectRef>
+        <a:fontRef idx="minor">
+          <a:schemeClr val="tx1"/>
+        </a:fontRef>
+      </a:style>
+    </a:lnDef>
+  </a:objectDefaults>
+  <a:extraClrSchemeLst/>
+  <a:extLst>
+    <a:ext uri="{05A4C25C-085E-4340-85A3-A5531E510DB2}">
+      <thm15:themeFamily xmlns:thm15="http://schemas.microsoft.com/office/thememl/2012/main" name="Office Theme" id="{2E142A2C-CD16-42D6-873A-C26D2A0506FA}" vid="{1BDDFF52-6CD6-40A5-AB3C-68EB2F1E4D0A}"/>
+    </a:ext>
+  </a:extLst>
+</a:theme>
 </file>
--- a/docs/presentations/SmartContracts_DeFi_Movement.pptx
+++ b/docs/presentations/SmartContracts_DeFi_Movement.pptx
@@ -522,6 +522,13 @@
           </p:nvPr>
         </p:nvSpPr>
         <p:spPr/>
+        <p:txBody>
+          <a:bodyPr/>
+          <a:lstStyle/>
+          <a:p>
+            <a:endParaRPr lang="en-TR"/>
+          </a:p>
+        </p:txBody>
       </p:sp>
       <p:sp>
         <p:nvSpPr>
@@ -5599,7 +5606,7 @@
         <p:spPr>
           <a:xfrm>
             <a:off x="1097280" y="640080"/>
-            <a:ext cx="12436320" cy="822960"/>
+            <a:ext cx="12436320" cy="707886"/>
           </a:xfrm>
           <a:prstGeom prst="rect">
             <a:avLst/>
@@ -5621,7 +5628,16 @@
               </a:defRPr>
             </a:pPr>
             <a:r>
-              <a:t>Stablecoins — A Better Framework</a:t>
+              <a:rPr dirty="0" err="1"/>
+              <a:t>Stable</a:t>
+            </a:r>
+            <a:r>
+              <a:rPr lang="en-US" dirty="0" err="1"/>
+              <a:t>tokens</a:t>
+            </a:r>
+            <a:r>
+              <a:rPr dirty="0"/>
+              <a:t> — A Better Framework</a:t>
             </a:r>
           </a:p>
         </p:txBody>
@@ -5635,7 +5651,7 @@
         <p:spPr>
           <a:xfrm>
             <a:off x="1097280" y="1554480"/>
-            <a:ext cx="12436320" cy="457200"/>
+            <a:ext cx="12436320" cy="338554"/>
           </a:xfrm>
           <a:prstGeom prst="rect">
             <a:avLst/>
@@ -5657,7 +5673,16 @@
               </a:defRPr>
             </a:pPr>
             <a:r>
-              <a:t>The traditional Fiat / Crypto / Algorithmic split conflates independent properties. Evaluate every stablecoin on three separate axes instead.</a:t>
+              <a:rPr dirty="0"/>
+              <a:t>The traditional Fiat / Crypto / Algorithmic split conflates independent properties. Evaluate every </a:t>
+            </a:r>
+            <a:r>
+              <a:rPr lang="en-US" dirty="0" err="1"/>
+              <a:t>stabletoken</a:t>
+            </a:r>
+            <a:r>
+              <a:rPr dirty="0"/>
+              <a:t> on three separate axes instead.</a:t>
             </a:r>
           </a:p>
         </p:txBody>
@@ -5740,7 +5765,7 @@
         <p:spPr>
           <a:xfrm>
             <a:off x="1280160" y="2743200"/>
-            <a:ext cx="3566160" cy="5029200"/>
+            <a:ext cx="3566160" cy="1664558"/>
           </a:xfrm>
           <a:prstGeom prst="rect">
             <a:avLst/>
@@ -5768,6 +5793,7 @@
               </a:defRPr>
             </a:pPr>
             <a:r>
+              <a:rPr dirty="0"/>
               <a:t>Relative Stability</a:t>
             </a:r>
           </a:p>
@@ -5784,6 +5810,7 @@
               </a:defRPr>
             </a:pPr>
             <a:r>
+              <a:rPr dirty="0"/>
               <a:t>Pegged vs. Floating</a:t>
             </a:r>
           </a:p>
@@ -5800,7 +5827,16 @@
               </a:defRPr>
             </a:pPr>
             <a:r>
-              <a:t>What is the stablecoin stable relative to?</a:t>
+              <a:rPr dirty="0"/>
+              <a:t>What is the </a:t>
+            </a:r>
+            <a:r>
+              <a:rPr lang="en-US" dirty="0" err="1"/>
+              <a:t>stabletoken</a:t>
+            </a:r>
+            <a:r>
+              <a:rPr dirty="0"/>
+              <a:t> stable relative to?</a:t>
             </a:r>
           </a:p>
           <a:p>
@@ -5816,7 +5852,7 @@
               </a:defRPr>
             </a:pPr>
             <a:r>
-              <a:rPr b="1">
+              <a:rPr b="1" dirty="0">
                 <a:solidFill>
                   <a:srgbClr val="FFFFFF"/>
                 </a:solidFill>
@@ -5824,7 +5860,7 @@
               <a:t>Pegged: </a:t>
             </a:r>
             <a:r>
-              <a:rPr>
+              <a:rPr dirty="0">
                 <a:solidFill>
                   <a:srgbClr val="CCCCCC"/>
                 </a:solidFill>
@@ -5845,7 +5881,7 @@
               </a:defRPr>
             </a:pPr>
             <a:r>
-              <a:rPr b="1">
+              <a:rPr b="1" dirty="0">
                 <a:solidFill>
                   <a:srgbClr val="FFFFFF"/>
                 </a:solidFill>
@@ -5853,7 +5889,7 @@
               <a:t>Floating: </a:t>
             </a:r>
             <a:r>
-              <a:rPr>
+              <a:rPr dirty="0">
                 <a:solidFill>
                   <a:srgbClr val="CCCCCC"/>
                 </a:solidFill>
@@ -5874,6 +5910,7 @@
               </a:defRPr>
             </a:pPr>
             <a:r>
+              <a:rPr dirty="0"/>
               <a:t>USDC, DAI (pegged)  •  RAI (floating)</a:t>
             </a:r>
           </a:p>
@@ -6459,7 +6496,7 @@
         <p:spPr>
           <a:xfrm>
             <a:off x="1371600" y="1828800"/>
-            <a:ext cx="11887200" cy="365760"/>
+            <a:ext cx="11887200" cy="338554"/>
           </a:xfrm>
           <a:prstGeom prst="rect">
             <a:avLst/>
@@ -6481,7 +6518,20 @@
               </a:defRPr>
             </a:pPr>
             <a:r>
-              <a:t>Stability is always relative to something else — what is the stablecoin measuring itself against?</a:t>
+              <a:rPr dirty="0"/>
+              <a:t>Stability is always relative to something else — what is the </a:t>
+            </a:r>
+            <a:r>
+              <a:rPr dirty="0" err="1"/>
+              <a:t>stable</a:t>
+            </a:r>
+            <a:r>
+              <a:rPr lang="en-US" dirty="0" err="1"/>
+              <a:t>token</a:t>
+            </a:r>
+            <a:r>
+              <a:rPr dirty="0"/>
+              <a:t> measuring itself against?</a:t>
             </a:r>
           </a:p>
         </p:txBody>
@@ -7449,7 +7499,7 @@
         <p:spPr>
           <a:xfrm>
             <a:off x="1371600" y="1828800"/>
-            <a:ext cx="11887200" cy="365760"/>
+            <a:ext cx="11887200" cy="338554"/>
           </a:xfrm>
           <a:prstGeom prst="rect">
             <a:avLst/>
@@ -7471,7 +7521,16 @@
               </a:defRPr>
             </a:pPr>
             <a:r>
-              <a:t>The most critical axis for risk assessment. Key test: if the stablecoin fails, does the collateral also fail?</a:t>
+              <a:rPr dirty="0"/>
+              <a:t>The most critical axis for risk assessment. Key test: if the </a:t>
+            </a:r>
+            <a:r>
+              <a:rPr lang="en-US" dirty="0" err="1"/>
+              <a:t>stabletoken</a:t>
+            </a:r>
+            <a:r>
+              <a:rPr dirty="0"/>
+              <a:t> fails, does the collateral also fail?</a:t>
             </a:r>
           </a:p>
         </p:txBody>
@@ -7543,7 +7602,7 @@
         <p:spPr>
           <a:xfrm>
             <a:off x="1371600" y="2651760"/>
-            <a:ext cx="5486400" cy="4846320"/>
+            <a:ext cx="5486400" cy="1536318"/>
           </a:xfrm>
           <a:prstGeom prst="rect">
             <a:avLst/>
@@ -7568,6 +7627,7 @@
               </a:defRPr>
             </a:pPr>
             <a:r>
+              <a:rPr dirty="0"/>
               <a:t>Exogenous — Safer</a:t>
             </a:r>
           </a:p>
@@ -7584,7 +7644,16 @@
               </a:defRPr>
             </a:pPr>
             <a:r>
-              <a:t>Collateral originates outside the protocol and has independent value. If the stablecoin collapses, the collateral survives.</a:t>
+              <a:rPr dirty="0"/>
+              <a:t>Collateral originates outside the protocol and has independent value. If the </a:t>
+            </a:r>
+            <a:r>
+              <a:rPr lang="en-US" dirty="0" err="1"/>
+              <a:t>stabletoken</a:t>
+            </a:r>
+            <a:r>
+              <a:rPr dirty="0"/>
+              <a:t> collapses, the collateral survives.</a:t>
             </a:r>
           </a:p>
           <a:p>
@@ -7600,6 +7669,7 @@
               </a:defRPr>
             </a:pPr>
             <a:r>
+              <a:rPr dirty="0"/>
               <a:t>• USDC fails? The US dollar keeps existing</a:t>
             </a:r>
           </a:p>
@@ -7616,6 +7686,7 @@
               </a:defRPr>
             </a:pPr>
             <a:r>
+              <a:rPr dirty="0"/>
               <a:t>• DAI fails? ETH keeps existing and has value</a:t>
             </a:r>
           </a:p>
@@ -7632,6 +7703,7 @@
               </a:defRPr>
             </a:pPr>
             <a:r>
+              <a:rPr dirty="0"/>
               <a:t>Limitation: cannot scale beyond onboarded collateral</a:t>
             </a:r>
           </a:p>
@@ -7704,7 +7776,7 @@
         <p:spPr>
           <a:xfrm>
             <a:off x="7863120" y="2651760"/>
-            <a:ext cx="5486400" cy="4846320"/>
+            <a:ext cx="5486400" cy="1736373"/>
           </a:xfrm>
           <a:prstGeom prst="rect">
             <a:avLst/>
@@ -7729,6 +7801,7 @@
               </a:defRPr>
             </a:pPr>
             <a:r>
+              <a:rPr dirty="0"/>
               <a:t>Endogenous — High Risk</a:t>
             </a:r>
           </a:p>
@@ -7745,7 +7818,16 @@
               </a:defRPr>
             </a:pPr>
             <a:r>
-              <a:t>Collateral was created by and for the protocol. Its value is reflexive — collateral and stablecoin rise and fall together.</a:t>
+              <a:rPr dirty="0"/>
+              <a:t>Collateral was created by and for the protocol. Its value is reflexive — collateral and </a:t>
+            </a:r>
+            <a:r>
+              <a:rPr lang="en-US" dirty="0" err="1"/>
+              <a:t>stabletoken</a:t>
+            </a:r>
+            <a:r>
+              <a:rPr dirty="0"/>
+              <a:t> rise and fall together.</a:t>
             </a:r>
           </a:p>
           <a:p>
@@ -7761,6 +7843,7 @@
               </a:defRPr>
             </a:pPr>
             <a:r>
+              <a:rPr dirty="0"/>
               <a:t>• UST fails? Luna also collapses — $40B wiped in days</a:t>
             </a:r>
           </a:p>
@@ -7777,6 +7860,7 @@
               </a:defRPr>
             </a:pPr>
             <a:r>
+              <a:rPr dirty="0"/>
               <a:t>• Tests: Was collateral created solely to be collateral? Does protocol own collateral issuance? If yes — endogenous.</a:t>
             </a:r>
           </a:p>
@@ -7793,6 +7877,7 @@
               </a:defRPr>
             </a:pPr>
             <a:r>
+              <a:rPr dirty="0"/>
               <a:t>Advantage: can scale without onboarding real collateral</a:t>
             </a:r>
           </a:p>
@@ -7906,7 +7991,12 @@
               </a:defRPr>
             </a:pPr>
             <a:r>
-              <a:t>Stablecoin Lifecycle — How It Works</a:t>
+              <a:rPr lang="en-US" dirty="0" err="1"/>
+              <a:t>stabletoken</a:t>
+            </a:r>
+            <a:r>
+              <a:rPr dirty="0"/>
+              <a:t> Lifecycle — How It Works</a:t>
             </a:r>
           </a:p>
         </p:txBody>
@@ -7964,7 +8054,7 @@
         <p:spPr>
           <a:xfrm>
             <a:off x="1371600" y="1920240"/>
-            <a:ext cx="11887200" cy="457200"/>
+            <a:ext cx="11887200" cy="369332"/>
           </a:xfrm>
           <a:prstGeom prst="rect">
             <a:avLst/>
@@ -7986,7 +8076,16 @@
               </a:defRPr>
             </a:pPr>
             <a:r>
-              <a:t>The four core mechanisms that keep stablecoins functioning: Deposit → Mint → Burn → Liquidation</a:t>
+              <a:rPr dirty="0"/>
+              <a:t>The four core mechanisms that keep </a:t>
+            </a:r>
+            <a:r>
+              <a:rPr lang="en-US" dirty="0"/>
+              <a:t>stabletoken</a:t>
+            </a:r>
+            <a:r>
+              <a:rPr dirty="0"/>
+              <a:t>s functioning: Deposit → Mint → Burn → Liquidation</a:t>
             </a:r>
           </a:p>
         </p:txBody>
@@ -8452,7 +8551,7 @@
         <p:spPr>
           <a:xfrm>
             <a:off x="4297680" y="3840480"/>
-            <a:ext cx="2834640" cy="365760"/>
+            <a:ext cx="2834640" cy="338554"/>
           </a:xfrm>
           <a:prstGeom prst="rect">
             <a:avLst/>
@@ -8474,7 +8573,16 @@
               </a:defRPr>
             </a:pPr>
             <a:r>
-              <a:t>Create Stablecoins</a:t>
+              <a:rPr dirty="0"/>
+              <a:t>Create </a:t>
+            </a:r>
+            <a:r>
+              <a:rPr lang="en-US" dirty="0"/>
+              <a:t>stabletoken</a:t>
+            </a:r>
+            <a:r>
+              <a:rPr dirty="0"/>
+              <a:t>s</a:t>
             </a:r>
           </a:p>
         </p:txBody>
@@ -8488,7 +8596,7 @@
         <p:spPr>
           <a:xfrm>
             <a:off x="4206240" y="4389120"/>
-            <a:ext cx="2834640" cy="2926080"/>
+            <a:ext cx="2834640" cy="1651734"/>
           </a:xfrm>
           <a:prstGeom prst="rect">
             <a:avLst/>
@@ -8513,7 +8621,16 @@
               </a:defRPr>
             </a:pPr>
             <a:r>
-              <a:t>•  Smart contract mints new stablecoins against locked collateral</a:t>
+              <a:rPr dirty="0"/>
+              <a:t>•  Smart contract mints new </a:t>
+            </a:r>
+            <a:r>
+              <a:rPr lang="en-US" dirty="0"/>
+              <a:t>stabletoken</a:t>
+            </a:r>
+            <a:r>
+              <a:rPr dirty="0"/>
+              <a:t>s against locked collateral</a:t>
             </a:r>
           </a:p>
           <a:p>
@@ -8529,6 +8646,7 @@
               </a:defRPr>
             </a:pPr>
             <a:r>
+              <a:rPr dirty="0"/>
               <a:t>•  Amount minted is limited by collateral ratio</a:t>
             </a:r>
           </a:p>
@@ -8545,7 +8663,16 @@
               </a:defRPr>
             </a:pPr>
             <a:r>
-              <a:t>•  e.g. $1500 ETH → mint up to $1000 stablecoins</a:t>
+              <a:rPr dirty="0"/>
+              <a:t>•  e.g. $1500 ETH → mint up to $1000 </a:t>
+            </a:r>
+            <a:r>
+              <a:rPr lang="en-US" dirty="0"/>
+              <a:t>stabletoken</a:t>
+            </a:r>
+            <a:r>
+              <a:rPr dirty="0"/>
+              <a:t>s</a:t>
             </a:r>
           </a:p>
           <a:p>
@@ -8561,6 +8688,7 @@
               </a:defRPr>
             </a:pPr>
             <a:r>
+              <a:rPr dirty="0"/>
               <a:t>•  Minted tokens are sent to the user's wallet</a:t>
             </a:r>
           </a:p>
@@ -8577,6 +8705,7 @@
               </a:defRPr>
             </a:pPr>
             <a:r>
+              <a:rPr dirty="0"/>
               <a:t>•  Debt is recorded — user now owes the protocol</a:t>
             </a:r>
           </a:p>
@@ -8795,7 +8924,7 @@
         <p:spPr>
           <a:xfrm>
             <a:off x="7680959" y="4389120"/>
-            <a:ext cx="2834640" cy="2926080"/>
+            <a:ext cx="2834640" cy="1313180"/>
           </a:xfrm>
           <a:prstGeom prst="rect">
             <a:avLst/>
@@ -8820,7 +8949,16 @@
               </a:defRPr>
             </a:pPr>
             <a:r>
-              <a:t>•  User returns stablecoins to repay debt</a:t>
+              <a:rPr dirty="0"/>
+              <a:t>•  User returns </a:t>
+            </a:r>
+            <a:r>
+              <a:rPr lang="en-US" dirty="0"/>
+              <a:t>stabletoken</a:t>
+            </a:r>
+            <a:r>
+              <a:rPr dirty="0"/>
+              <a:t>s to repay debt</a:t>
             </a:r>
           </a:p>
           <a:p>
@@ -8836,6 +8974,7 @@
               </a:defRPr>
             </a:pPr>
             <a:r>
+              <a:rPr dirty="0"/>
               <a:t>•  Smart contract burns (destroys) the returned tokens</a:t>
             </a:r>
           </a:p>
@@ -8852,6 +8991,7 @@
               </a:defRPr>
             </a:pPr>
             <a:r>
+              <a:rPr dirty="0"/>
               <a:t>•  Reduces total supply — maintaining the peg</a:t>
             </a:r>
           </a:p>
@@ -8868,6 +9008,7 @@
               </a:defRPr>
             </a:pPr>
             <a:r>
+              <a:rPr dirty="0"/>
               <a:t>•  Collateral is unlocked and returned to user</a:t>
             </a:r>
           </a:p>
@@ -8884,6 +9025,7 @@
               </a:defRPr>
             </a:pPr>
             <a:r>
+              <a:rPr dirty="0"/>
               <a:t>•  Stability fee (interest) may be charged</a:t>
             </a:r>
           </a:p>
@@ -10694,7 +10836,7 @@
         <p:spPr>
           <a:xfrm>
             <a:off x="3657600" y="5852160"/>
-            <a:ext cx="8686800" cy="457200"/>
+            <a:ext cx="8686800" cy="307777"/>
           </a:xfrm>
           <a:prstGeom prst="rect">
             <a:avLst/>
@@ -10716,7 +10858,20 @@
               </a:defRPr>
             </a:pPr>
             <a:r>
-              <a:t>ERC-20 tokens, stablecoins, wrapped assets, LP tokens</a:t>
+              <a:rPr dirty="0"/>
+              <a:t>ERC-20 tokens, </a:t>
+            </a:r>
+            <a:r>
+              <a:rPr lang="en-US" dirty="0" err="1"/>
+              <a:t>stabletoken</a:t>
+            </a:r>
+            <a:r>
+              <a:rPr dirty="0" err="1"/>
+              <a:t>s</a:t>
+            </a:r>
+            <a:r>
+              <a:rPr dirty="0"/>
+              <a:t>, wrapped assets, LP tokens</a:t>
             </a:r>
           </a:p>
         </p:txBody>
@@ -11318,7 +11473,7 @@
         <p:spPr>
           <a:xfrm>
             <a:off x="8229600" y="3017520"/>
-            <a:ext cx="5029200" cy="4114800"/>
+            <a:ext cx="5029200" cy="1733808"/>
           </a:xfrm>
           <a:prstGeom prst="rect">
             <a:avLst/>
@@ -11343,6 +11498,7 @@
               </a:defRPr>
             </a:pPr>
             <a:r>
+              <a:rPr dirty="0"/>
               <a:t>•  Meridian — DEX &amp; AMM</a:t>
             </a:r>
           </a:p>
@@ -11359,6 +11515,7 @@
               </a:defRPr>
             </a:pPr>
             <a:r>
+              <a:rPr dirty="0"/>
               <a:t>•  Joule — Lending &amp; Borrowing</a:t>
             </a:r>
           </a:p>
@@ -11375,6 +11532,7 @@
               </a:defRPr>
             </a:pPr>
             <a:r>
+              <a:rPr dirty="0"/>
               <a:t>•  Echelon — Money Markets</a:t>
             </a:r>
           </a:p>
@@ -11391,7 +11549,16 @@
               </a:defRPr>
             </a:pPr>
             <a:r>
-              <a:t>•  Mosaic — Stablecoin Infrastructure</a:t>
+              <a:rPr dirty="0"/>
+              <a:t>•  Mosaic — </a:t>
+            </a:r>
+            <a:r>
+              <a:rPr lang="en-US" dirty="0" err="1"/>
+              <a:t>Stabletoken</a:t>
+            </a:r>
+            <a:r>
+              <a:rPr dirty="0"/>
+              <a:t> Infrastructure</a:t>
             </a:r>
           </a:p>
           <a:p>
@@ -11407,6 +11574,7 @@
               </a:defRPr>
             </a:pPr>
             <a:r>
+              <a:rPr dirty="0"/>
               <a:t>•  Canopy — Yield Aggregation</a:t>
             </a:r>
           </a:p>
@@ -11423,6 +11591,7 @@
               </a:defRPr>
             </a:pPr>
             <a:r>
+              <a:rPr dirty="0"/>
               <a:t>•  ...and growing every week</a:t>
             </a:r>
           </a:p>
@@ -12234,10 +12403,9 @@
               </a:defRPr>
             </a:pPr>
             <a:r>
-              <a:rPr lang="en-US" dirty="0" err="1"/>
+              <a:rPr lang="en-US" dirty="0"/>
               <a:t>Stabletokens</a:t>
             </a:r>
-            <a:endParaRPr lang="en-US" dirty="0"/>
           </a:p>
         </p:txBody>
       </p:sp>
